--- a/WorkCase2.pptx
+++ b/WorkCase2.pptx
@@ -10,6 +10,9 @@
     <p:sldId id="258" r:id="rId4"/>
     <p:sldId id="259" r:id="rId5"/>
     <p:sldId id="260" r:id="rId6"/>
+    <p:sldId id="261" r:id="rId7"/>
+    <p:sldId id="262" r:id="rId8"/>
+    <p:sldId id="263" r:id="rId9"/>
   </p:sldIdLst>
   <p:sldSz cx="12192000" cy="6858000"/>
   <p:notesSz cx="6858000" cy="9144000"/>
@@ -108,6 +111,11 @@
       </a:defRPr>
     </a:lvl9pPr>
   </p:defaultTextStyle>
+  <p:extLst>
+    <p:ext uri="{EFAFB233-063F-42B5-8137-9DF3F51BA10A}">
+      <p15:sldGuideLst xmlns:p15="http://schemas.microsoft.com/office/powerpoint/2012/main"/>
+    </p:ext>
+  </p:extLst>
 </p:presentation>
 </file>
 
@@ -234,7 +242,7 @@
             <a:fld id="{BEC0EFAA-8C71-469E-9492-E4A9750529A0}" type="datetime1">
               <a:rPr lang="ru-RU"/>
               <a:pPr lvl="0"/>
-              <a:t>20.09.2024</a:t>
+              <a:t>21.09.2024</a:t>
             </a:fld>
             <a:endParaRPr lang="ru-RU"/>
           </a:p>
@@ -297,7 +305,7 @@
           <a:p>
             <a:pPr lvl="0"/>
             <a:fld id="{9FACE9C1-C90B-445B-9D5B-3226E63710A0}" type="slidenum">
-              <a:t>‹#›</a:t>
+              <a:t>‹№›</a:t>
             </a:fld>
             <a:endParaRPr lang="ru-RU"/>
           </a:p>
@@ -469,7 +477,7 @@
             <a:fld id="{6CA48307-9855-4C01-A3C6-7EC04DC8FED1}" type="datetime1">
               <a:rPr lang="ru-RU"/>
               <a:pPr lvl="0"/>
-              <a:t>20.09.2024</a:t>
+              <a:t>21.09.2024</a:t>
             </a:fld>
             <a:endParaRPr lang="ru-RU"/>
           </a:p>
@@ -532,7 +540,7 @@
           <a:p>
             <a:pPr lvl="0"/>
             <a:fld id="{D307C8A8-CA2B-4586-8E4C-D8E28472F275}" type="slidenum">
-              <a:t>‹#›</a:t>
+              <a:t>‹№›</a:t>
             </a:fld>
             <a:endParaRPr lang="ru-RU"/>
           </a:p>
@@ -713,7 +721,7 @@
             <a:fld id="{C66B7B4C-7316-436C-8883-80FB9ABB812F}" type="datetime1">
               <a:rPr lang="ru-RU"/>
               <a:pPr lvl="0"/>
-              <a:t>20.09.2024</a:t>
+              <a:t>21.09.2024</a:t>
             </a:fld>
             <a:endParaRPr lang="ru-RU"/>
           </a:p>
@@ -776,7 +784,7 @@
           <a:p>
             <a:pPr lvl="0"/>
             <a:fld id="{E0E2531B-3709-4AF4-91AB-5E72E90F6DAD}" type="slidenum">
-              <a:t>‹#›</a:t>
+              <a:t>‹№›</a:t>
             </a:fld>
             <a:endParaRPr lang="ru-RU"/>
           </a:p>
@@ -947,7 +955,7 @@
             <a:fld id="{2C825111-7406-462D-B397-371110D56648}" type="datetime1">
               <a:rPr lang="ru-RU"/>
               <a:pPr lvl="0"/>
-              <a:t>20.09.2024</a:t>
+              <a:t>21.09.2024</a:t>
             </a:fld>
             <a:endParaRPr lang="ru-RU"/>
           </a:p>
@@ -1010,7 +1018,7 @@
           <a:p>
             <a:pPr lvl="0"/>
             <a:fld id="{C99BD454-28AC-49F4-BEEF-D2128DF4901D}" type="slidenum">
-              <a:t>‹#›</a:t>
+              <a:t>‹№›</a:t>
             </a:fld>
             <a:endParaRPr lang="ru-RU"/>
           </a:p>
@@ -1157,7 +1165,7 @@
             <a:fld id="{9221D683-CBAE-4C1D-B5AB-87D8CC8FE9D0}" type="datetime1">
               <a:rPr lang="ru-RU"/>
               <a:pPr lvl="0"/>
-              <a:t>20.09.2024</a:t>
+              <a:t>21.09.2024</a:t>
             </a:fld>
             <a:endParaRPr lang="ru-RU"/>
           </a:p>
@@ -1220,7 +1228,7 @@
           <a:p>
             <a:pPr lvl="0"/>
             <a:fld id="{F2CF67E7-1A6A-4635-AC8C-58DA232D50C3}" type="slidenum">
-              <a:t>‹#›</a:t>
+              <a:t>‹№›</a:t>
             </a:fld>
             <a:endParaRPr lang="ru-RU"/>
           </a:p>
@@ -1474,7 +1482,7 @@
             <a:fld id="{6FDBC657-8596-425B-92F7-FE88342BD72D}" type="datetime1">
               <a:rPr lang="ru-RU"/>
               <a:pPr lvl="0"/>
-              <a:t>20.09.2024</a:t>
+              <a:t>21.09.2024</a:t>
             </a:fld>
             <a:endParaRPr lang="ru-RU"/>
           </a:p>
@@ -1537,7 +1545,7 @@
           <a:p>
             <a:pPr lvl="0"/>
             <a:fld id="{53FF2ACC-97EA-478D-AD08-5EF19FFDB55C}" type="slidenum">
-              <a:t>‹#›</a:t>
+              <a:t>‹№›</a:t>
             </a:fld>
             <a:endParaRPr lang="ru-RU"/>
           </a:p>
@@ -1874,7 +1882,7 @@
             <a:fld id="{66BF7D50-5582-4501-8339-3754D3A44AEB}" type="datetime1">
               <a:rPr lang="ru-RU"/>
               <a:pPr lvl="0"/>
-              <a:t>20.09.2024</a:t>
+              <a:t>21.09.2024</a:t>
             </a:fld>
             <a:endParaRPr lang="ru-RU"/>
           </a:p>
@@ -1937,7 +1945,7 @@
           <a:p>
             <a:pPr lvl="0"/>
             <a:fld id="{338A920E-4170-44C1-BFD4-C1C948B537D6}" type="slidenum">
-              <a:t>‹#›</a:t>
+              <a:t>‹№›</a:t>
             </a:fld>
             <a:endParaRPr lang="ru-RU"/>
           </a:p>
@@ -2035,7 +2043,7 @@
             <a:fld id="{DA3F3492-6C2B-4C2C-8488-6A00B47B17C2}" type="datetime1">
               <a:rPr lang="ru-RU"/>
               <a:pPr lvl="0"/>
-              <a:t>20.09.2024</a:t>
+              <a:t>21.09.2024</a:t>
             </a:fld>
             <a:endParaRPr lang="ru-RU"/>
           </a:p>
@@ -2098,7 +2106,7 @@
           <a:p>
             <a:pPr lvl="0"/>
             <a:fld id="{216C30A0-92F2-4EB1-93C7-F0A28798714C}" type="slidenum">
-              <a:t>‹#›</a:t>
+              <a:t>‹№›</a:t>
             </a:fld>
             <a:endParaRPr lang="ru-RU"/>
           </a:p>
@@ -2163,7 +2171,7 @@
             <a:fld id="{7643DC4A-25A1-4AC8-BDB9-41EE334E0AA2}" type="datetime1">
               <a:rPr lang="ru-RU"/>
               <a:pPr lvl="0"/>
-              <a:t>20.09.2024</a:t>
+              <a:t>21.09.2024</a:t>
             </a:fld>
             <a:endParaRPr lang="ru-RU"/>
           </a:p>
@@ -2226,7 +2234,7 @@
           <a:p>
             <a:pPr lvl="0"/>
             <a:fld id="{C77CF25B-2A65-4965-B86A-F2098FA7347E}" type="slidenum">
-              <a:t>‹#›</a:t>
+              <a:t>‹№›</a:t>
             </a:fld>
             <a:endParaRPr lang="ru-RU"/>
           </a:p>
@@ -2446,7 +2454,7 @@
             <a:fld id="{9FA7FC98-1E48-417F-B462-B2D3CE66A991}" type="datetime1">
               <a:rPr lang="ru-RU"/>
               <a:pPr lvl="0"/>
-              <a:t>20.09.2024</a:t>
+              <a:t>21.09.2024</a:t>
             </a:fld>
             <a:endParaRPr lang="ru-RU"/>
           </a:p>
@@ -2509,7 +2517,7 @@
           <a:p>
             <a:pPr lvl="0"/>
             <a:fld id="{C9FBACBE-7748-4AAC-837B-71E0CD8D7B83}" type="slidenum">
-              <a:t>‹#›</a:t>
+              <a:t>‹№›</a:t>
             </a:fld>
             <a:endParaRPr lang="ru-RU"/>
           </a:p>
@@ -2687,7 +2695,7 @@
             <a:fld id="{7C7F515F-E81A-4101-B51D-A18A80EA0A8B}" type="datetime1">
               <a:rPr lang="ru-RU"/>
               <a:pPr lvl="0"/>
-              <a:t>20.09.2024</a:t>
+              <a:t>21.09.2024</a:t>
             </a:fld>
             <a:endParaRPr lang="ru-RU"/>
           </a:p>
@@ -2750,7 +2758,7 @@
           <a:p>
             <a:pPr lvl="0"/>
             <a:fld id="{08256C25-508F-4CAD-8F02-D746E67871B9}" type="slidenum">
-              <a:t>‹#›</a:t>
+              <a:t>‹№›</a:t>
             </a:fld>
             <a:endParaRPr lang="ru-RU"/>
           </a:p>
@@ -2968,7 +2976,7 @@
             <a:fld id="{87F27FDB-3CA9-487D-B457-967145F02AA1}" type="datetime1">
               <a:rPr lang="ru-RU"/>
               <a:pPr lvl="0"/>
-              <a:t>20.09.2024</a:t>
+              <a:t>21.09.2024</a:t>
             </a:fld>
             <a:endParaRPr lang="ru-RU"/>
           </a:p>
@@ -3093,7 +3101,7 @@
           <a:p>
             <a:pPr lvl="0"/>
             <a:fld id="{8678EACE-4A7B-4E0A-B23B-3EC850FCDD58}" type="slidenum">
-              <a:t>‹#›</a:t>
+              <a:t>‹№›</a:t>
             </a:fld>
             <a:endParaRPr lang="ru-RU"/>
           </a:p>
@@ -5168,6 +5176,484 @@
 </p:sld>
 </file>
 
+<file path=ppt/slides/slide6.xml><?xml version="1.0" encoding="utf-8"?>
+<p:sld xmlns:a="http://schemas.openxmlformats.org/drawingml/2006/main" xmlns:r="http://schemas.openxmlformats.org/officeDocument/2006/relationships" xmlns:p="http://schemas.openxmlformats.org/presentationml/2006/main">
+  <p:cSld>
+    <p:spTree>
+      <p:nvGrpSpPr>
+        <p:cNvPr id="1" name=""/>
+        <p:cNvGrpSpPr/>
+        <p:nvPr/>
+      </p:nvGrpSpPr>
+      <p:grpSpPr>
+        <a:xfrm>
+          <a:off x="0" y="0"/>
+          <a:ext cx="0" cy="0"/>
+          <a:chOff x="0" y="0"/>
+          <a:chExt cx="0" cy="0"/>
+        </a:xfrm>
+      </p:grpSpPr>
+      <p:sp>
+        <p:nvSpPr>
+          <p:cNvPr id="2" name="Заголовок 1">
+            <a:extLst>
+              <a:ext uri="{FF2B5EF4-FFF2-40B4-BE49-F238E27FC236}">
+                <a16:creationId xmlns:a16="http://schemas.microsoft.com/office/drawing/2014/main" id="{8FA5568E-E367-04DC-28AC-3BD4CE964610}"/>
+              </a:ext>
+            </a:extLst>
+          </p:cNvPr>
+          <p:cNvSpPr>
+            <a:spLocks noGrp="1"/>
+          </p:cNvSpPr>
+          <p:nvPr>
+            <p:ph type="title"/>
+          </p:nvPr>
+        </p:nvSpPr>
+        <p:spPr/>
+        <p:txBody>
+          <a:bodyPr/>
+          <a:lstStyle/>
+          <a:p>
+            <a:r>
+              <a:rPr lang="en-US" dirty="0"/>
+              <a:t>VirtualBox</a:t>
+            </a:r>
+            <a:endParaRPr lang="uk-UA" dirty="0"/>
+          </a:p>
+        </p:txBody>
+      </p:sp>
+      <p:pic>
+        <p:nvPicPr>
+          <p:cNvPr id="5" name="Рисунок 4">
+            <a:extLst>
+              <a:ext uri="{FF2B5EF4-FFF2-40B4-BE49-F238E27FC236}">
+                <a16:creationId xmlns:a16="http://schemas.microsoft.com/office/drawing/2014/main" id="{D22F677B-D578-B1E5-1C67-AA45407616FD}"/>
+              </a:ext>
+            </a:extLst>
+          </p:cNvPr>
+          <p:cNvPicPr>
+            <a:picLocks noChangeAspect="1"/>
+          </p:cNvPicPr>
+          <p:nvPr/>
+        </p:nvPicPr>
+        <p:blipFill>
+          <a:blip r:embed="rId2"/>
+          <a:srcRect r="45393" b="38904"/>
+          <a:stretch/>
+        </p:blipFill>
+        <p:spPr>
+          <a:xfrm>
+            <a:off x="10403841" y="260032"/>
+            <a:ext cx="1354568" cy="1621087"/>
+          </a:xfrm>
+          <a:prstGeom prst="rect">
+            <a:avLst/>
+          </a:prstGeom>
+        </p:spPr>
+      </p:pic>
+      <p:pic>
+        <p:nvPicPr>
+          <p:cNvPr id="11" name="Місце для вмісту 10">
+            <a:extLst>
+              <a:ext uri="{FF2B5EF4-FFF2-40B4-BE49-F238E27FC236}">
+                <a16:creationId xmlns:a16="http://schemas.microsoft.com/office/drawing/2014/main" id="{394D0E2F-A799-213C-6716-43392CFDF2A0}"/>
+              </a:ext>
+            </a:extLst>
+          </p:cNvPr>
+          <p:cNvPicPr>
+            <a:picLocks noGrp="1" noChangeAspect="1"/>
+          </p:cNvPicPr>
+          <p:nvPr>
+            <p:ph idx="1"/>
+          </p:nvPr>
+        </p:nvPicPr>
+        <p:blipFill>
+          <a:blip r:embed="rId3"/>
+          <a:srcRect t="-249" r="38792" b="249"/>
+          <a:stretch/>
+        </p:blipFill>
+        <p:spPr>
+          <a:xfrm>
+            <a:off x="142239" y="2206748"/>
+            <a:ext cx="6338632" cy="2943847"/>
+          </a:xfrm>
+        </p:spPr>
+      </p:pic>
+      <p:sp>
+        <p:nvSpPr>
+          <p:cNvPr id="17" name="TextBox 16">
+            <a:extLst>
+              <a:ext uri="{FF2B5EF4-FFF2-40B4-BE49-F238E27FC236}">
+                <a16:creationId xmlns:a16="http://schemas.microsoft.com/office/drawing/2014/main" id="{56FBE8A4-997C-A82F-3AC5-F65A68FD8753}"/>
+              </a:ext>
+            </a:extLst>
+          </p:cNvPr>
+          <p:cNvSpPr txBox="1"/>
+          <p:nvPr/>
+        </p:nvSpPr>
+        <p:spPr>
+          <a:xfrm>
+            <a:off x="1" y="5120640"/>
+            <a:ext cx="12049760" cy="1477328"/>
+          </a:xfrm>
+          <a:prstGeom prst="rect">
+            <a:avLst/>
+          </a:prstGeom>
+          <a:noFill/>
+        </p:spPr>
+        <p:txBody>
+          <a:bodyPr wrap="square" rtlCol="0">
+            <a:spAutoFit/>
+          </a:bodyPr>
+          <a:lstStyle/>
+          <a:p>
+            <a:r>
+              <a:rPr lang="uk-UA" dirty="0" err="1"/>
+              <a:t>Завантажуєм</a:t>
+            </a:r>
+            <a:r>
+              <a:rPr lang="uk-UA" dirty="0"/>
+              <a:t> будь-який зручний  </a:t>
+            </a:r>
+            <a:r>
+              <a:rPr lang="en-US" dirty="0"/>
+              <a:t>VirtualBox</a:t>
+            </a:r>
+            <a:r>
+              <a:rPr lang="uk-UA" dirty="0"/>
+              <a:t>, натискаєм створити (або додати якщо є готовий файл), відкриваєм потрібний файл та виділяєм накопичувачі та процесори( </a:t>
+            </a:r>
+            <a:r>
+              <a:rPr lang="uk-UA" dirty="0" err="1"/>
+              <a:t>ревомендовано</a:t>
+            </a:r>
+            <a:r>
+              <a:rPr lang="uk-UA" dirty="0"/>
+              <a:t> </a:t>
+            </a:r>
+            <a:r>
+              <a:rPr lang="en-US" dirty="0"/>
+              <a:t>RAM </a:t>
+            </a:r>
+            <a:r>
+              <a:rPr lang="uk-UA" dirty="0"/>
+              <a:t>від 2</a:t>
+            </a:r>
+            <a:r>
+              <a:rPr lang="en-US" dirty="0" err="1"/>
+              <a:t>gb</a:t>
+            </a:r>
+            <a:r>
+              <a:rPr lang="uk-UA" dirty="0"/>
+              <a:t> , накопичувач від 40 та 2 двох ядер процесора )</a:t>
+            </a:r>
+          </a:p>
+          <a:p>
+            <a:r>
+              <a:rPr lang="uk-UA" dirty="0"/>
+              <a:t> </a:t>
+            </a:r>
+          </a:p>
+          <a:p>
+            <a:endParaRPr lang="uk-UA" dirty="0"/>
+          </a:p>
+        </p:txBody>
+      </p:sp>
+      <p:pic>
+        <p:nvPicPr>
+          <p:cNvPr id="19" name="Рисунок 18">
+            <a:extLst>
+              <a:ext uri="{FF2B5EF4-FFF2-40B4-BE49-F238E27FC236}">
+                <a16:creationId xmlns:a16="http://schemas.microsoft.com/office/drawing/2014/main" id="{4370692F-C805-39DE-B7D9-6E00EFB44A3A}"/>
+              </a:ext>
+            </a:extLst>
+          </p:cNvPr>
+          <p:cNvPicPr>
+            <a:picLocks noChangeAspect="1"/>
+          </p:cNvPicPr>
+          <p:nvPr/>
+        </p:nvPicPr>
+        <p:blipFill>
+          <a:blip r:embed="rId4"/>
+          <a:stretch>
+            <a:fillRect/>
+          </a:stretch>
+        </p:blipFill>
+        <p:spPr>
+          <a:xfrm>
+            <a:off x="6480871" y="2206748"/>
+            <a:ext cx="5196257" cy="2913892"/>
+          </a:xfrm>
+          <a:prstGeom prst="rect">
+            <a:avLst/>
+          </a:prstGeom>
+        </p:spPr>
+      </p:pic>
+    </p:spTree>
+    <p:extLst>
+      <p:ext uri="{BB962C8B-B14F-4D97-AF65-F5344CB8AC3E}">
+        <p14:creationId xmlns:p14="http://schemas.microsoft.com/office/powerpoint/2010/main" val="1979610793"/>
+      </p:ext>
+    </p:extLst>
+  </p:cSld>
+  <p:clrMapOvr>
+    <a:masterClrMapping/>
+  </p:clrMapOvr>
+</p:sld>
+</file>
+
+<file path=ppt/slides/slide7.xml><?xml version="1.0" encoding="utf-8"?>
+<p:sld xmlns:a="http://schemas.openxmlformats.org/drawingml/2006/main" xmlns:r="http://schemas.openxmlformats.org/officeDocument/2006/relationships" xmlns:p="http://schemas.openxmlformats.org/presentationml/2006/main">
+  <p:cSld>
+    <p:spTree>
+      <p:nvGrpSpPr>
+        <p:cNvPr id="1" name=""/>
+        <p:cNvGrpSpPr/>
+        <p:nvPr/>
+      </p:nvGrpSpPr>
+      <p:grpSpPr>
+        <a:xfrm>
+          <a:off x="0" y="0"/>
+          <a:ext cx="0" cy="0"/>
+          <a:chOff x="0" y="0"/>
+          <a:chExt cx="0" cy="0"/>
+        </a:xfrm>
+      </p:grpSpPr>
+      <p:sp>
+        <p:nvSpPr>
+          <p:cNvPr id="2" name="Заголовок 1">
+            <a:extLst>
+              <a:ext uri="{FF2B5EF4-FFF2-40B4-BE49-F238E27FC236}">
+                <a16:creationId xmlns:a16="http://schemas.microsoft.com/office/drawing/2014/main" id="{9FE9C7B4-233D-7916-E415-CC84A1E4613A}"/>
+              </a:ext>
+            </a:extLst>
+          </p:cNvPr>
+          <p:cNvSpPr>
+            <a:spLocks noGrp="1"/>
+          </p:cNvSpPr>
+          <p:nvPr>
+            <p:ph type="title"/>
+          </p:nvPr>
+        </p:nvSpPr>
+        <p:spPr/>
+        <p:txBody>
+          <a:bodyPr/>
+          <a:lstStyle/>
+          <a:p>
+            <a:r>
+              <a:rPr lang="uk-UA" dirty="0"/>
+              <a:t>Запускаємо </a:t>
+            </a:r>
+            <a:r>
+              <a:rPr lang="en-US" dirty="0" err="1"/>
+              <a:t>Linuks</a:t>
+            </a:r>
+            <a:endParaRPr lang="uk-UA" dirty="0"/>
+          </a:p>
+        </p:txBody>
+      </p:sp>
+      <p:pic>
+        <p:nvPicPr>
+          <p:cNvPr id="5" name="Місце для вмісту 4">
+            <a:extLst>
+              <a:ext uri="{FF2B5EF4-FFF2-40B4-BE49-F238E27FC236}">
+                <a16:creationId xmlns:a16="http://schemas.microsoft.com/office/drawing/2014/main" id="{52968696-F55B-AAFE-160A-8C7BA0886287}"/>
+              </a:ext>
+            </a:extLst>
+          </p:cNvPr>
+          <p:cNvPicPr>
+            <a:picLocks noGrp="1" noChangeAspect="1"/>
+          </p:cNvPicPr>
+          <p:nvPr>
+            <p:ph idx="1"/>
+          </p:nvPr>
+        </p:nvPicPr>
+        <p:blipFill>
+          <a:blip r:embed="rId2"/>
+          <a:stretch>
+            <a:fillRect/>
+          </a:stretch>
+        </p:blipFill>
+        <p:spPr>
+          <a:xfrm>
+            <a:off x="7588057" y="3484495"/>
+            <a:ext cx="4468607" cy="3248106"/>
+          </a:xfrm>
+        </p:spPr>
+      </p:pic>
+      <p:sp>
+        <p:nvSpPr>
+          <p:cNvPr id="18" name="TextBox 17">
+            <a:extLst>
+              <a:ext uri="{FF2B5EF4-FFF2-40B4-BE49-F238E27FC236}">
+                <a16:creationId xmlns:a16="http://schemas.microsoft.com/office/drawing/2014/main" id="{27BF9ACE-4AAA-4252-06CF-E529A639305E}"/>
+              </a:ext>
+            </a:extLst>
+          </p:cNvPr>
+          <p:cNvSpPr txBox="1"/>
+          <p:nvPr/>
+        </p:nvSpPr>
+        <p:spPr>
+          <a:xfrm flipH="1">
+            <a:off x="579120" y="4368800"/>
+            <a:ext cx="3352800" cy="1754326"/>
+          </a:xfrm>
+          <a:prstGeom prst="rect">
+            <a:avLst/>
+          </a:prstGeom>
+          <a:noFill/>
+        </p:spPr>
+        <p:txBody>
+          <a:bodyPr wrap="square" rtlCol="0">
+            <a:spAutoFit/>
+          </a:bodyPr>
+          <a:lstStyle/>
+          <a:p>
+            <a:r>
+              <a:rPr lang="uk-UA" dirty="0"/>
+              <a:t>Після завантаження закриваєм машину та відкриваєм з графічним інтерфейсом, коли висвітиться іконка входу в систему вводим логін та пароль (за замовчуванням там </a:t>
+            </a:r>
+            <a:r>
+              <a:rPr lang="en-US" dirty="0"/>
+              <a:t>kali kali)</a:t>
+            </a:r>
+            <a:endParaRPr lang="uk-UA" dirty="0"/>
+          </a:p>
+        </p:txBody>
+      </p:sp>
+      <p:pic>
+        <p:nvPicPr>
+          <p:cNvPr id="20" name="Рисунок 19">
+            <a:extLst>
+              <a:ext uri="{FF2B5EF4-FFF2-40B4-BE49-F238E27FC236}">
+                <a16:creationId xmlns:a16="http://schemas.microsoft.com/office/drawing/2014/main" id="{B60DD0D2-4800-DF13-336D-D0B3C54CF796}"/>
+              </a:ext>
+            </a:extLst>
+          </p:cNvPr>
+          <p:cNvPicPr>
+            <a:picLocks noChangeAspect="1"/>
+          </p:cNvPicPr>
+          <p:nvPr/>
+        </p:nvPicPr>
+        <p:blipFill>
+          <a:blip r:embed="rId3"/>
+          <a:stretch>
+            <a:fillRect/>
+          </a:stretch>
+        </p:blipFill>
+        <p:spPr>
+          <a:xfrm>
+            <a:off x="135336" y="1439645"/>
+            <a:ext cx="8246664" cy="2044850"/>
+          </a:xfrm>
+          <a:prstGeom prst="rect">
+            <a:avLst/>
+          </a:prstGeom>
+        </p:spPr>
+      </p:pic>
+    </p:spTree>
+    <p:extLst>
+      <p:ext uri="{BB962C8B-B14F-4D97-AF65-F5344CB8AC3E}">
+        <p14:creationId xmlns:p14="http://schemas.microsoft.com/office/powerpoint/2010/main" val="206492572"/>
+      </p:ext>
+    </p:extLst>
+  </p:cSld>
+  <p:clrMapOvr>
+    <a:masterClrMapping/>
+  </p:clrMapOvr>
+</p:sld>
+</file>
+
+<file path=ppt/slides/slide8.xml><?xml version="1.0" encoding="utf-8"?>
+<p:sld xmlns:a="http://schemas.openxmlformats.org/drawingml/2006/main" xmlns:r="http://schemas.openxmlformats.org/officeDocument/2006/relationships" xmlns:p="http://schemas.openxmlformats.org/presentationml/2006/main">
+  <p:cSld>
+    <p:spTree>
+      <p:nvGrpSpPr>
+        <p:cNvPr id="1" name=""/>
+        <p:cNvGrpSpPr/>
+        <p:nvPr/>
+      </p:nvGrpSpPr>
+      <p:grpSpPr>
+        <a:xfrm>
+          <a:off x="0" y="0"/>
+          <a:ext cx="0" cy="0"/>
+          <a:chOff x="0" y="0"/>
+          <a:chExt cx="0" cy="0"/>
+        </a:xfrm>
+      </p:grpSpPr>
+      <p:sp>
+        <p:nvSpPr>
+          <p:cNvPr id="2" name="Заголовок 1">
+            <a:extLst>
+              <a:ext uri="{FF2B5EF4-FFF2-40B4-BE49-F238E27FC236}">
+                <a16:creationId xmlns:a16="http://schemas.microsoft.com/office/drawing/2014/main" id="{38B142F5-8DB8-211B-AAAD-56C148458569}"/>
+              </a:ext>
+            </a:extLst>
+          </p:cNvPr>
+          <p:cNvSpPr>
+            <a:spLocks noGrp="1"/>
+          </p:cNvSpPr>
+          <p:nvPr>
+            <p:ph type="title"/>
+          </p:nvPr>
+        </p:nvSpPr>
+        <p:spPr/>
+        <p:txBody>
+          <a:bodyPr/>
+          <a:lstStyle/>
+          <a:p>
+            <a:endParaRPr lang="uk-UA"/>
+          </a:p>
+        </p:txBody>
+      </p:sp>
+      <p:pic>
+        <p:nvPicPr>
+          <p:cNvPr id="6" name="Місце для вмісту 5" descr="Зображення, що містить знімок екрана, Мультимедійне програмне забезпечення, Графічний редактор, Редагування&#10;&#10;Автоматично згенерований опис">
+            <a:extLst>
+              <a:ext uri="{FF2B5EF4-FFF2-40B4-BE49-F238E27FC236}">
+                <a16:creationId xmlns:a16="http://schemas.microsoft.com/office/drawing/2014/main" id="{48ABC3CB-DDDC-59F3-721B-39B6E6E7EB5E}"/>
+              </a:ext>
+            </a:extLst>
+          </p:cNvPr>
+          <p:cNvPicPr>
+            <a:picLocks noGrp="1" noChangeAspect="1"/>
+          </p:cNvPicPr>
+          <p:nvPr>
+            <p:ph idx="1"/>
+          </p:nvPr>
+        </p:nvPicPr>
+        <p:blipFill>
+          <a:blip r:embed="rId2">
+            <a:extLst>
+              <a:ext uri="{28A0092B-C50C-407E-A947-70E740481C1C}">
+                <a14:useLocalDpi xmlns:a14="http://schemas.microsoft.com/office/drawing/2010/main" val="0"/>
+              </a:ext>
+            </a:extLst>
+          </a:blip>
+          <a:stretch>
+            <a:fillRect/>
+          </a:stretch>
+        </p:blipFill>
+        <p:spPr>
+          <a:xfrm>
+            <a:off x="2000623" y="1825625"/>
+            <a:ext cx="8190753" cy="4351338"/>
+          </a:xfrm>
+        </p:spPr>
+      </p:pic>
+    </p:spTree>
+    <p:extLst>
+      <p:ext uri="{BB962C8B-B14F-4D97-AF65-F5344CB8AC3E}">
+        <p14:creationId xmlns:p14="http://schemas.microsoft.com/office/powerpoint/2010/main" val="2207541609"/>
+      </p:ext>
+    </p:extLst>
+  </p:cSld>
+  <p:clrMapOvr>
+    <a:masterClrMapping/>
+  </p:clrMapOvr>
+</p:sld>
+</file>
+
 <file path=ppt/theme/theme1.xml><?xml version="1.0" encoding="utf-8"?>
 <a:theme xmlns:a="http://schemas.openxmlformats.org/drawingml/2006/main" name="Тема Office">
   <a:themeElements>

--- a/WorkCase2.pptx
+++ b/WorkCase2.pptx
@@ -13,6 +13,10 @@
     <p:sldId id="261" r:id="rId7"/>
     <p:sldId id="262" r:id="rId8"/>
     <p:sldId id="263" r:id="rId9"/>
+    <p:sldId id="264" r:id="rId10"/>
+    <p:sldId id="265" r:id="rId11"/>
+    <p:sldId id="266" r:id="rId12"/>
+    <p:sldId id="267" r:id="rId13"/>
   </p:sldIdLst>
   <p:sldSz cx="12192000" cy="6858000"/>
   <p:notesSz cx="6858000" cy="9144000"/>
@@ -242,7 +246,7 @@
             <a:fld id="{BEC0EFAA-8C71-469E-9492-E4A9750529A0}" type="datetime1">
               <a:rPr lang="ru-RU"/>
               <a:pPr lvl="0"/>
-              <a:t>21.09.2024</a:t>
+              <a:t>22.09.2024</a:t>
             </a:fld>
             <a:endParaRPr lang="ru-RU"/>
           </a:p>
@@ -305,7 +309,7 @@
           <a:p>
             <a:pPr lvl="0"/>
             <a:fld id="{9FACE9C1-C90B-445B-9D5B-3226E63710A0}" type="slidenum">
-              <a:t>‹№›</a:t>
+              <a:t>‹#›</a:t>
             </a:fld>
             <a:endParaRPr lang="ru-RU"/>
           </a:p>
@@ -477,7 +481,7 @@
             <a:fld id="{6CA48307-9855-4C01-A3C6-7EC04DC8FED1}" type="datetime1">
               <a:rPr lang="ru-RU"/>
               <a:pPr lvl="0"/>
-              <a:t>21.09.2024</a:t>
+              <a:t>22.09.2024</a:t>
             </a:fld>
             <a:endParaRPr lang="ru-RU"/>
           </a:p>
@@ -540,7 +544,7 @@
           <a:p>
             <a:pPr lvl="0"/>
             <a:fld id="{D307C8A8-CA2B-4586-8E4C-D8E28472F275}" type="slidenum">
-              <a:t>‹№›</a:t>
+              <a:t>‹#›</a:t>
             </a:fld>
             <a:endParaRPr lang="ru-RU"/>
           </a:p>
@@ -721,7 +725,7 @@
             <a:fld id="{C66B7B4C-7316-436C-8883-80FB9ABB812F}" type="datetime1">
               <a:rPr lang="ru-RU"/>
               <a:pPr lvl="0"/>
-              <a:t>21.09.2024</a:t>
+              <a:t>22.09.2024</a:t>
             </a:fld>
             <a:endParaRPr lang="ru-RU"/>
           </a:p>
@@ -784,7 +788,7 @@
           <a:p>
             <a:pPr lvl="0"/>
             <a:fld id="{E0E2531B-3709-4AF4-91AB-5E72E90F6DAD}" type="slidenum">
-              <a:t>‹№›</a:t>
+              <a:t>‹#›</a:t>
             </a:fld>
             <a:endParaRPr lang="ru-RU"/>
           </a:p>
@@ -955,7 +959,7 @@
             <a:fld id="{2C825111-7406-462D-B397-371110D56648}" type="datetime1">
               <a:rPr lang="ru-RU"/>
               <a:pPr lvl="0"/>
-              <a:t>21.09.2024</a:t>
+              <a:t>22.09.2024</a:t>
             </a:fld>
             <a:endParaRPr lang="ru-RU"/>
           </a:p>
@@ -1018,7 +1022,7 @@
           <a:p>
             <a:pPr lvl="0"/>
             <a:fld id="{C99BD454-28AC-49F4-BEEF-D2128DF4901D}" type="slidenum">
-              <a:t>‹№›</a:t>
+              <a:t>‹#›</a:t>
             </a:fld>
             <a:endParaRPr lang="ru-RU"/>
           </a:p>
@@ -1165,7 +1169,7 @@
             <a:fld id="{9221D683-CBAE-4C1D-B5AB-87D8CC8FE9D0}" type="datetime1">
               <a:rPr lang="ru-RU"/>
               <a:pPr lvl="0"/>
-              <a:t>21.09.2024</a:t>
+              <a:t>22.09.2024</a:t>
             </a:fld>
             <a:endParaRPr lang="ru-RU"/>
           </a:p>
@@ -1228,7 +1232,7 @@
           <a:p>
             <a:pPr lvl="0"/>
             <a:fld id="{F2CF67E7-1A6A-4635-AC8C-58DA232D50C3}" type="slidenum">
-              <a:t>‹№›</a:t>
+              <a:t>‹#›</a:t>
             </a:fld>
             <a:endParaRPr lang="ru-RU"/>
           </a:p>
@@ -1482,7 +1486,7 @@
             <a:fld id="{6FDBC657-8596-425B-92F7-FE88342BD72D}" type="datetime1">
               <a:rPr lang="ru-RU"/>
               <a:pPr lvl="0"/>
-              <a:t>21.09.2024</a:t>
+              <a:t>22.09.2024</a:t>
             </a:fld>
             <a:endParaRPr lang="ru-RU"/>
           </a:p>
@@ -1545,7 +1549,7 @@
           <a:p>
             <a:pPr lvl="0"/>
             <a:fld id="{53FF2ACC-97EA-478D-AD08-5EF19FFDB55C}" type="slidenum">
-              <a:t>‹№›</a:t>
+              <a:t>‹#›</a:t>
             </a:fld>
             <a:endParaRPr lang="ru-RU"/>
           </a:p>
@@ -1882,7 +1886,7 @@
             <a:fld id="{66BF7D50-5582-4501-8339-3754D3A44AEB}" type="datetime1">
               <a:rPr lang="ru-RU"/>
               <a:pPr lvl="0"/>
-              <a:t>21.09.2024</a:t>
+              <a:t>22.09.2024</a:t>
             </a:fld>
             <a:endParaRPr lang="ru-RU"/>
           </a:p>
@@ -1945,7 +1949,7 @@
           <a:p>
             <a:pPr lvl="0"/>
             <a:fld id="{338A920E-4170-44C1-BFD4-C1C948B537D6}" type="slidenum">
-              <a:t>‹№›</a:t>
+              <a:t>‹#›</a:t>
             </a:fld>
             <a:endParaRPr lang="ru-RU"/>
           </a:p>
@@ -2043,7 +2047,7 @@
             <a:fld id="{DA3F3492-6C2B-4C2C-8488-6A00B47B17C2}" type="datetime1">
               <a:rPr lang="ru-RU"/>
               <a:pPr lvl="0"/>
-              <a:t>21.09.2024</a:t>
+              <a:t>22.09.2024</a:t>
             </a:fld>
             <a:endParaRPr lang="ru-RU"/>
           </a:p>
@@ -2106,7 +2110,7 @@
           <a:p>
             <a:pPr lvl="0"/>
             <a:fld id="{216C30A0-92F2-4EB1-93C7-F0A28798714C}" type="slidenum">
-              <a:t>‹№›</a:t>
+              <a:t>‹#›</a:t>
             </a:fld>
             <a:endParaRPr lang="ru-RU"/>
           </a:p>
@@ -2171,7 +2175,7 @@
             <a:fld id="{7643DC4A-25A1-4AC8-BDB9-41EE334E0AA2}" type="datetime1">
               <a:rPr lang="ru-RU"/>
               <a:pPr lvl="0"/>
-              <a:t>21.09.2024</a:t>
+              <a:t>22.09.2024</a:t>
             </a:fld>
             <a:endParaRPr lang="ru-RU"/>
           </a:p>
@@ -2234,7 +2238,7 @@
           <a:p>
             <a:pPr lvl="0"/>
             <a:fld id="{C77CF25B-2A65-4965-B86A-F2098FA7347E}" type="slidenum">
-              <a:t>‹№›</a:t>
+              <a:t>‹#›</a:t>
             </a:fld>
             <a:endParaRPr lang="ru-RU"/>
           </a:p>
@@ -2454,7 +2458,7 @@
             <a:fld id="{9FA7FC98-1E48-417F-B462-B2D3CE66A991}" type="datetime1">
               <a:rPr lang="ru-RU"/>
               <a:pPr lvl="0"/>
-              <a:t>21.09.2024</a:t>
+              <a:t>22.09.2024</a:t>
             </a:fld>
             <a:endParaRPr lang="ru-RU"/>
           </a:p>
@@ -2517,7 +2521,7 @@
           <a:p>
             <a:pPr lvl="0"/>
             <a:fld id="{C9FBACBE-7748-4AAC-837B-71E0CD8D7B83}" type="slidenum">
-              <a:t>‹№›</a:t>
+              <a:t>‹#›</a:t>
             </a:fld>
             <a:endParaRPr lang="ru-RU"/>
           </a:p>
@@ -2695,7 +2699,7 @@
             <a:fld id="{7C7F515F-E81A-4101-B51D-A18A80EA0A8B}" type="datetime1">
               <a:rPr lang="ru-RU"/>
               <a:pPr lvl="0"/>
-              <a:t>21.09.2024</a:t>
+              <a:t>22.09.2024</a:t>
             </a:fld>
             <a:endParaRPr lang="ru-RU"/>
           </a:p>
@@ -2758,7 +2762,7 @@
           <a:p>
             <a:pPr lvl="0"/>
             <a:fld id="{08256C25-508F-4CAD-8F02-D746E67871B9}" type="slidenum">
-              <a:t>‹№›</a:t>
+              <a:t>‹#›</a:t>
             </a:fld>
             <a:endParaRPr lang="ru-RU"/>
           </a:p>
@@ -2976,7 +2980,7 @@
             <a:fld id="{87F27FDB-3CA9-487D-B457-967145F02AA1}" type="datetime1">
               <a:rPr lang="ru-RU"/>
               <a:pPr lvl="0"/>
-              <a:t>21.09.2024</a:t>
+              <a:t>22.09.2024</a:t>
             </a:fld>
             <a:endParaRPr lang="ru-RU"/>
           </a:p>
@@ -3101,7 +3105,7 @@
           <a:p>
             <a:pPr lvl="0"/>
             <a:fld id="{8678EACE-4A7B-4E0A-B23B-3EC850FCDD58}" type="slidenum">
-              <a:t>‹№›</a:t>
+              <a:t>‹#›</a:t>
             </a:fld>
             <a:endParaRPr lang="ru-RU"/>
           </a:p>
@@ -4266,6 +4270,2337 @@
 </p:sld>
 </file>
 
+<file path=ppt/slides/slide10.xml><?xml version="1.0" encoding="utf-8"?>
+<p:sld xmlns:a="http://schemas.openxmlformats.org/drawingml/2006/main" xmlns:r="http://schemas.openxmlformats.org/officeDocument/2006/relationships" xmlns:p="http://schemas.openxmlformats.org/presentationml/2006/main">
+  <p:cSld>
+    <p:spTree>
+      <p:nvGrpSpPr>
+        <p:cNvPr id="1" name=""/>
+        <p:cNvGrpSpPr/>
+        <p:nvPr/>
+      </p:nvGrpSpPr>
+      <p:grpSpPr>
+        <a:xfrm>
+          <a:off x="0" y="0"/>
+          <a:ext cx="0" cy="0"/>
+          <a:chOff x="0" y="0"/>
+          <a:chExt cx="0" cy="0"/>
+        </a:xfrm>
+      </p:grpSpPr>
+      <p:sp>
+        <p:nvSpPr>
+          <p:cNvPr id="2" name="Заголовок 1"/>
+          <p:cNvSpPr>
+            <a:spLocks noGrp="1"/>
+          </p:cNvSpPr>
+          <p:nvPr>
+            <p:ph type="title"/>
+          </p:nvPr>
+        </p:nvSpPr>
+        <p:spPr/>
+        <p:txBody>
+          <a:bodyPr>
+            <a:normAutofit fontScale="90000"/>
+          </a:bodyPr>
+          <a:lstStyle/>
+          <a:p>
+            <a:r>
+              <a:rPr lang="ru-RU" sz="4900" b="1" dirty="0" err="1"/>
+              <a:t>Встановлення</a:t>
+            </a:r>
+            <a:r>
+              <a:rPr lang="ru-RU" sz="4900" b="1" dirty="0"/>
+              <a:t> </a:t>
+            </a:r>
+            <a:r>
+              <a:rPr lang="ru-RU" sz="4900" b="1" dirty="0" err="1"/>
+              <a:t>графічної</a:t>
+            </a:r>
+            <a:r>
+              <a:rPr lang="ru-RU" sz="4900" b="1" dirty="0"/>
+              <a:t> </a:t>
+            </a:r>
+            <a:r>
+              <a:rPr lang="ru-RU" sz="4900" b="1" dirty="0" err="1"/>
+              <a:t>оболонки</a:t>
+            </a:r>
+            <a:r>
+              <a:rPr lang="ru-RU" sz="4900" b="1" dirty="0"/>
+              <a:t> </a:t>
+            </a:r>
+            <a:r>
+              <a:rPr lang="en-US" sz="4900" b="1" dirty="0"/>
+              <a:t>GNOME</a:t>
+            </a:r>
+            <a:r>
+              <a:rPr lang="en-US" b="1" dirty="0"/>
+              <a:t/>
+            </a:r>
+            <a:br>
+              <a:rPr lang="en-US" b="1" dirty="0"/>
+            </a:br>
+            <a:endParaRPr lang="ru-RU" dirty="0"/>
+          </a:p>
+        </p:txBody>
+      </p:sp>
+      <p:sp>
+        <p:nvSpPr>
+          <p:cNvPr id="3" name="Объект 2"/>
+          <p:cNvSpPr>
+            <a:spLocks noGrp="1"/>
+          </p:cNvSpPr>
+          <p:nvPr>
+            <p:ph idx="1"/>
+          </p:nvPr>
+        </p:nvSpPr>
+        <p:spPr>
+          <a:xfrm>
+            <a:off x="838203" y="1825627"/>
+            <a:ext cx="5060792" cy="4351336"/>
+          </a:xfrm>
+        </p:spPr>
+        <p:txBody>
+          <a:bodyPr>
+            <a:normAutofit/>
+          </a:bodyPr>
+          <a:lstStyle/>
+          <a:p>
+            <a:pPr marL="0" indent="0">
+              <a:buNone/>
+            </a:pPr>
+            <a:r>
+              <a:rPr lang="ru-RU" sz="1800" dirty="0" smtClean="0">
+                <a:latin typeface="Times New Roman" panose="02020603050405020304" pitchFamily="18" charset="0"/>
+                <a:cs typeface="Times New Roman" panose="02020603050405020304" pitchFamily="18" charset="0"/>
+              </a:rPr>
+              <a:t>  </a:t>
+            </a:r>
+            <a:r>
+              <a:rPr lang="ru-RU" sz="1800" dirty="0" err="1" smtClean="0">
+                <a:latin typeface="Times New Roman" panose="02020603050405020304" pitchFamily="18" charset="0"/>
+                <a:cs typeface="Times New Roman" panose="02020603050405020304" pitchFamily="18" charset="0"/>
+              </a:rPr>
+              <a:t>Після</a:t>
+            </a:r>
+            <a:r>
+              <a:rPr lang="ru-RU" sz="1800" dirty="0" smtClean="0">
+                <a:latin typeface="Times New Roman" panose="02020603050405020304" pitchFamily="18" charset="0"/>
+                <a:cs typeface="Times New Roman" panose="02020603050405020304" pitchFamily="18" charset="0"/>
+              </a:rPr>
+              <a:t> </a:t>
+            </a:r>
+            <a:r>
+              <a:rPr lang="ru-RU" sz="1800" dirty="0" err="1">
+                <a:latin typeface="Times New Roman" panose="02020603050405020304" pitchFamily="18" charset="0"/>
+                <a:cs typeface="Times New Roman" panose="02020603050405020304" pitchFamily="18" charset="0"/>
+              </a:rPr>
+              <a:t>встановлення</a:t>
+            </a:r>
+            <a:r>
+              <a:rPr lang="ru-RU" sz="1800" dirty="0">
+                <a:latin typeface="Times New Roman" panose="02020603050405020304" pitchFamily="18" charset="0"/>
+                <a:cs typeface="Times New Roman" panose="02020603050405020304" pitchFamily="18" charset="0"/>
+              </a:rPr>
+              <a:t> </a:t>
+            </a:r>
+            <a:r>
+              <a:rPr lang="ru-RU" sz="1800" dirty="0" err="1">
+                <a:latin typeface="Times New Roman" panose="02020603050405020304" pitchFamily="18" charset="0"/>
+                <a:cs typeface="Times New Roman" panose="02020603050405020304" pitchFamily="18" charset="0"/>
+              </a:rPr>
+              <a:t>мінімальної</a:t>
+            </a:r>
+            <a:r>
+              <a:rPr lang="ru-RU" sz="1800" dirty="0">
+                <a:latin typeface="Times New Roman" panose="02020603050405020304" pitchFamily="18" charset="0"/>
+                <a:cs typeface="Times New Roman" panose="02020603050405020304" pitchFamily="18" charset="0"/>
+              </a:rPr>
+              <a:t> </a:t>
+            </a:r>
+            <a:r>
+              <a:rPr lang="ru-RU" sz="1800" dirty="0" err="1">
+                <a:latin typeface="Times New Roman" panose="02020603050405020304" pitchFamily="18" charset="0"/>
+                <a:cs typeface="Times New Roman" panose="02020603050405020304" pitchFamily="18" charset="0"/>
+              </a:rPr>
+              <a:t>конфігурації</a:t>
+            </a:r>
+            <a:r>
+              <a:rPr lang="ru-RU" sz="1800" dirty="0">
+                <a:latin typeface="Times New Roman" panose="02020603050405020304" pitchFamily="18" charset="0"/>
+                <a:cs typeface="Times New Roman" panose="02020603050405020304" pitchFamily="18" charset="0"/>
+              </a:rPr>
+              <a:t> з </a:t>
+            </a:r>
+            <a:r>
+              <a:rPr lang="ru-RU" sz="1800" dirty="0" err="1">
+                <a:latin typeface="Times New Roman" panose="02020603050405020304" pitchFamily="18" charset="0"/>
+                <a:cs typeface="Times New Roman" panose="02020603050405020304" pitchFamily="18" charset="0"/>
+              </a:rPr>
+              <a:t>термінальним</a:t>
+            </a:r>
+            <a:r>
+              <a:rPr lang="ru-RU" sz="1800" dirty="0">
+                <a:latin typeface="Times New Roman" panose="02020603050405020304" pitchFamily="18" charset="0"/>
+                <a:cs typeface="Times New Roman" panose="02020603050405020304" pitchFamily="18" charset="0"/>
+              </a:rPr>
+              <a:t> вводом-</a:t>
+            </a:r>
+            <a:r>
+              <a:rPr lang="ru-RU" sz="1800" dirty="0" err="1">
+                <a:latin typeface="Times New Roman" panose="02020603050405020304" pitchFamily="18" charset="0"/>
+                <a:cs typeface="Times New Roman" panose="02020603050405020304" pitchFamily="18" charset="0"/>
+              </a:rPr>
+              <a:t>виводом</a:t>
+            </a:r>
+            <a:r>
+              <a:rPr lang="ru-RU" sz="1800" dirty="0">
+                <a:latin typeface="Times New Roman" panose="02020603050405020304" pitchFamily="18" charset="0"/>
+                <a:cs typeface="Times New Roman" panose="02020603050405020304" pitchFamily="18" charset="0"/>
+              </a:rPr>
+              <a:t>, </a:t>
+            </a:r>
+            <a:r>
+              <a:rPr lang="ru-RU" sz="1800" dirty="0" err="1">
+                <a:latin typeface="Times New Roman" panose="02020603050405020304" pitchFamily="18" charset="0"/>
+                <a:cs typeface="Times New Roman" panose="02020603050405020304" pitchFamily="18" charset="0"/>
+              </a:rPr>
+              <a:t>ви</a:t>
+            </a:r>
+            <a:r>
+              <a:rPr lang="ru-RU" sz="1800" dirty="0">
+                <a:latin typeface="Times New Roman" panose="02020603050405020304" pitchFamily="18" charset="0"/>
+                <a:cs typeface="Times New Roman" panose="02020603050405020304" pitchFamily="18" charset="0"/>
+              </a:rPr>
+              <a:t> можете </a:t>
+            </a:r>
+            <a:r>
+              <a:rPr lang="ru-RU" sz="1800" dirty="0" err="1">
+                <a:latin typeface="Times New Roman" panose="02020603050405020304" pitchFamily="18" charset="0"/>
+                <a:cs typeface="Times New Roman" panose="02020603050405020304" pitchFamily="18" charset="0"/>
+              </a:rPr>
+              <a:t>встановити</a:t>
+            </a:r>
+            <a:r>
+              <a:rPr lang="ru-RU" sz="1800" dirty="0">
+                <a:latin typeface="Times New Roman" panose="02020603050405020304" pitchFamily="18" charset="0"/>
+                <a:cs typeface="Times New Roman" panose="02020603050405020304" pitchFamily="18" charset="0"/>
+              </a:rPr>
+              <a:t> </a:t>
+            </a:r>
+            <a:r>
+              <a:rPr lang="ru-RU" sz="1800" dirty="0" err="1">
+                <a:latin typeface="Times New Roman" panose="02020603050405020304" pitchFamily="18" charset="0"/>
+                <a:cs typeface="Times New Roman" panose="02020603050405020304" pitchFamily="18" charset="0"/>
+              </a:rPr>
+              <a:t>графічну</a:t>
+            </a:r>
+            <a:r>
+              <a:rPr lang="ru-RU" sz="1800" dirty="0">
+                <a:latin typeface="Times New Roman" panose="02020603050405020304" pitchFamily="18" charset="0"/>
+                <a:cs typeface="Times New Roman" panose="02020603050405020304" pitchFamily="18" charset="0"/>
+              </a:rPr>
+              <a:t> </a:t>
+            </a:r>
+            <a:r>
+              <a:rPr lang="ru-RU" sz="1800" dirty="0" err="1">
+                <a:latin typeface="Times New Roman" panose="02020603050405020304" pitchFamily="18" charset="0"/>
+                <a:cs typeface="Times New Roman" panose="02020603050405020304" pitchFamily="18" charset="0"/>
+              </a:rPr>
+              <a:t>оболонку</a:t>
+            </a:r>
+            <a:r>
+              <a:rPr lang="ru-RU" sz="1800" dirty="0">
+                <a:latin typeface="Times New Roman" panose="02020603050405020304" pitchFamily="18" charset="0"/>
+                <a:cs typeface="Times New Roman" panose="02020603050405020304" pitchFamily="18" charset="0"/>
+              </a:rPr>
+              <a:t> </a:t>
+            </a:r>
+            <a:r>
+              <a:rPr lang="en-US" sz="1800" dirty="0">
+                <a:latin typeface="Times New Roman" panose="02020603050405020304" pitchFamily="18" charset="0"/>
+                <a:cs typeface="Times New Roman" panose="02020603050405020304" pitchFamily="18" charset="0"/>
+              </a:rPr>
+              <a:t>GNOME. </a:t>
+            </a:r>
+            <a:r>
+              <a:rPr lang="ru-RU" sz="1800" dirty="0">
+                <a:latin typeface="Times New Roman" panose="02020603050405020304" pitchFamily="18" charset="0"/>
+                <a:cs typeface="Times New Roman" panose="02020603050405020304" pitchFamily="18" charset="0"/>
+              </a:rPr>
+              <a:t>Для </a:t>
+            </a:r>
+            <a:r>
+              <a:rPr lang="ru-RU" sz="1800" dirty="0" err="1">
+                <a:latin typeface="Times New Roman" panose="02020603050405020304" pitchFamily="18" charset="0"/>
+                <a:cs typeface="Times New Roman" panose="02020603050405020304" pitchFamily="18" charset="0"/>
+              </a:rPr>
+              <a:t>цього</a:t>
+            </a:r>
+            <a:r>
+              <a:rPr lang="ru-RU" sz="1800" dirty="0">
+                <a:latin typeface="Times New Roman" panose="02020603050405020304" pitchFamily="18" charset="0"/>
+                <a:cs typeface="Times New Roman" panose="02020603050405020304" pitchFamily="18" charset="0"/>
+              </a:rPr>
+              <a:t> вам </a:t>
+            </a:r>
+            <a:r>
+              <a:rPr lang="ru-RU" sz="1800" dirty="0" err="1">
+                <a:latin typeface="Times New Roman" panose="02020603050405020304" pitchFamily="18" charset="0"/>
+                <a:cs typeface="Times New Roman" panose="02020603050405020304" pitchFamily="18" charset="0"/>
+              </a:rPr>
+              <a:t>потрібно</a:t>
+            </a:r>
+            <a:r>
+              <a:rPr lang="ru-RU" sz="1800" dirty="0">
+                <a:latin typeface="Times New Roman" panose="02020603050405020304" pitchFamily="18" charset="0"/>
+                <a:cs typeface="Times New Roman" panose="02020603050405020304" pitchFamily="18" charset="0"/>
+              </a:rPr>
+              <a:t> </a:t>
+            </a:r>
+            <a:r>
+              <a:rPr lang="ru-RU" sz="1800" dirty="0" err="1">
+                <a:latin typeface="Times New Roman" panose="02020603050405020304" pitchFamily="18" charset="0"/>
+                <a:cs typeface="Times New Roman" panose="02020603050405020304" pitchFamily="18" charset="0"/>
+              </a:rPr>
+              <a:t>завантажити</a:t>
+            </a:r>
+            <a:r>
+              <a:rPr lang="ru-RU" sz="1800" dirty="0">
+                <a:latin typeface="Times New Roman" panose="02020603050405020304" pitchFamily="18" charset="0"/>
+                <a:cs typeface="Times New Roman" panose="02020603050405020304" pitchFamily="18" charset="0"/>
+              </a:rPr>
+              <a:t> та </a:t>
+            </a:r>
+            <a:r>
+              <a:rPr lang="ru-RU" sz="1800" dirty="0" err="1">
+                <a:latin typeface="Times New Roman" panose="02020603050405020304" pitchFamily="18" charset="0"/>
+                <a:cs typeface="Times New Roman" panose="02020603050405020304" pitchFamily="18" charset="0"/>
+              </a:rPr>
+              <a:t>встановити</a:t>
+            </a:r>
+            <a:r>
+              <a:rPr lang="ru-RU" sz="1800" dirty="0">
+                <a:latin typeface="Times New Roman" panose="02020603050405020304" pitchFamily="18" charset="0"/>
+                <a:cs typeface="Times New Roman" panose="02020603050405020304" pitchFamily="18" charset="0"/>
+              </a:rPr>
+              <a:t> пакет </a:t>
+            </a:r>
+            <a:r>
+              <a:rPr lang="en-US" sz="1800" dirty="0">
+                <a:latin typeface="Times New Roman" panose="02020603050405020304" pitchFamily="18" charset="0"/>
+                <a:cs typeface="Times New Roman" panose="02020603050405020304" pitchFamily="18" charset="0"/>
+              </a:rPr>
+              <a:t>GNOME. </a:t>
+            </a:r>
+            <a:r>
+              <a:rPr lang="ru-RU" sz="1800" dirty="0" err="1">
+                <a:latin typeface="Times New Roman" panose="02020603050405020304" pitchFamily="18" charset="0"/>
+                <a:cs typeface="Times New Roman" panose="02020603050405020304" pitchFamily="18" charset="0"/>
+              </a:rPr>
+              <a:t>Залежно</a:t>
+            </a:r>
+            <a:r>
+              <a:rPr lang="ru-RU" sz="1800" dirty="0">
+                <a:latin typeface="Times New Roman" panose="02020603050405020304" pitchFamily="18" charset="0"/>
+                <a:cs typeface="Times New Roman" panose="02020603050405020304" pitchFamily="18" charset="0"/>
+              </a:rPr>
+              <a:t> </a:t>
+            </a:r>
+            <a:r>
+              <a:rPr lang="ru-RU" sz="1800" dirty="0" err="1">
+                <a:latin typeface="Times New Roman" panose="02020603050405020304" pitchFamily="18" charset="0"/>
+                <a:cs typeface="Times New Roman" panose="02020603050405020304" pitchFamily="18" charset="0"/>
+              </a:rPr>
+              <a:t>від</a:t>
+            </a:r>
+            <a:r>
+              <a:rPr lang="ru-RU" sz="1800" dirty="0">
+                <a:latin typeface="Times New Roman" panose="02020603050405020304" pitchFamily="18" charset="0"/>
+                <a:cs typeface="Times New Roman" panose="02020603050405020304" pitchFamily="18" charset="0"/>
+              </a:rPr>
+              <a:t> </a:t>
+            </a:r>
+            <a:r>
+              <a:rPr lang="ru-RU" sz="1800" dirty="0" err="1">
+                <a:latin typeface="Times New Roman" panose="02020603050405020304" pitchFamily="18" charset="0"/>
+                <a:cs typeface="Times New Roman" panose="02020603050405020304" pitchFamily="18" charset="0"/>
+              </a:rPr>
+              <a:t>обраного</a:t>
+            </a:r>
+            <a:r>
+              <a:rPr lang="ru-RU" sz="1800" dirty="0">
+                <a:latin typeface="Times New Roman" panose="02020603050405020304" pitchFamily="18" charset="0"/>
+                <a:cs typeface="Times New Roman" panose="02020603050405020304" pitchFamily="18" charset="0"/>
+              </a:rPr>
+              <a:t> дистрибутиву </a:t>
+            </a:r>
+            <a:r>
+              <a:rPr lang="en-US" sz="1800" dirty="0">
+                <a:latin typeface="Times New Roman" panose="02020603050405020304" pitchFamily="18" charset="0"/>
+                <a:cs typeface="Times New Roman" panose="02020603050405020304" pitchFamily="18" charset="0"/>
+              </a:rPr>
+              <a:t>Linux, </a:t>
+            </a:r>
+            <a:r>
+              <a:rPr lang="ru-RU" sz="1800" dirty="0" err="1">
+                <a:latin typeface="Times New Roman" panose="02020603050405020304" pitchFamily="18" charset="0"/>
+                <a:cs typeface="Times New Roman" panose="02020603050405020304" pitchFamily="18" charset="0"/>
+              </a:rPr>
+              <a:t>процес</a:t>
+            </a:r>
+            <a:r>
+              <a:rPr lang="ru-RU" sz="1800" dirty="0">
+                <a:latin typeface="Times New Roman" panose="02020603050405020304" pitchFamily="18" charset="0"/>
+                <a:cs typeface="Times New Roman" panose="02020603050405020304" pitchFamily="18" charset="0"/>
+              </a:rPr>
+              <a:t> </a:t>
+            </a:r>
+            <a:r>
+              <a:rPr lang="ru-RU" sz="1800" dirty="0" err="1">
+                <a:latin typeface="Times New Roman" panose="02020603050405020304" pitchFamily="18" charset="0"/>
+                <a:cs typeface="Times New Roman" panose="02020603050405020304" pitchFamily="18" charset="0"/>
+              </a:rPr>
+              <a:t>встановлення</a:t>
+            </a:r>
+            <a:r>
+              <a:rPr lang="ru-RU" sz="1800" dirty="0">
+                <a:latin typeface="Times New Roman" panose="02020603050405020304" pitchFamily="18" charset="0"/>
+                <a:cs typeface="Times New Roman" panose="02020603050405020304" pitchFamily="18" charset="0"/>
+              </a:rPr>
+              <a:t> </a:t>
+            </a:r>
+            <a:r>
+              <a:rPr lang="ru-RU" sz="1800" dirty="0" err="1">
+                <a:latin typeface="Times New Roman" panose="02020603050405020304" pitchFamily="18" charset="0"/>
+                <a:cs typeface="Times New Roman" panose="02020603050405020304" pitchFamily="18" charset="0"/>
+              </a:rPr>
+              <a:t>може</a:t>
+            </a:r>
+            <a:r>
+              <a:rPr lang="ru-RU" sz="1800" dirty="0">
+                <a:latin typeface="Times New Roman" panose="02020603050405020304" pitchFamily="18" charset="0"/>
+                <a:cs typeface="Times New Roman" panose="02020603050405020304" pitchFamily="18" charset="0"/>
+              </a:rPr>
+              <a:t> </a:t>
+            </a:r>
+            <a:r>
+              <a:rPr lang="ru-RU" sz="1800" dirty="0" err="1">
+                <a:latin typeface="Times New Roman" panose="02020603050405020304" pitchFamily="18" charset="0"/>
+                <a:cs typeface="Times New Roman" panose="02020603050405020304" pitchFamily="18" charset="0"/>
+              </a:rPr>
+              <a:t>відрізнятися</a:t>
+            </a:r>
+            <a:r>
+              <a:rPr lang="ru-RU" sz="1800" dirty="0">
+                <a:latin typeface="Times New Roman" panose="02020603050405020304" pitchFamily="18" charset="0"/>
+                <a:cs typeface="Times New Roman" panose="02020603050405020304" pitchFamily="18" charset="0"/>
+              </a:rPr>
+              <a:t>.</a:t>
+            </a:r>
+          </a:p>
+          <a:p>
+            <a:pPr marL="0" indent="0">
+              <a:buNone/>
+            </a:pPr>
+            <a:r>
+              <a:rPr lang="ru-RU" sz="1800" dirty="0" smtClean="0">
+                <a:latin typeface="Times New Roman" panose="02020603050405020304" pitchFamily="18" charset="0"/>
+                <a:cs typeface="Times New Roman" panose="02020603050405020304" pitchFamily="18" charset="0"/>
+              </a:rPr>
+              <a:t>  </a:t>
+            </a:r>
+            <a:r>
+              <a:rPr lang="ru-RU" sz="1800" dirty="0" err="1" smtClean="0">
+                <a:latin typeface="Times New Roman" panose="02020603050405020304" pitchFamily="18" charset="0"/>
+                <a:cs typeface="Times New Roman" panose="02020603050405020304" pitchFamily="18" charset="0"/>
+              </a:rPr>
+              <a:t>Після</a:t>
+            </a:r>
+            <a:r>
+              <a:rPr lang="ru-RU" sz="1800" dirty="0" smtClean="0">
+                <a:latin typeface="Times New Roman" panose="02020603050405020304" pitchFamily="18" charset="0"/>
+                <a:cs typeface="Times New Roman" panose="02020603050405020304" pitchFamily="18" charset="0"/>
+              </a:rPr>
+              <a:t> </a:t>
+            </a:r>
+            <a:r>
+              <a:rPr lang="ru-RU" sz="1800" dirty="0" err="1">
+                <a:latin typeface="Times New Roman" panose="02020603050405020304" pitchFamily="18" charset="0"/>
+                <a:cs typeface="Times New Roman" panose="02020603050405020304" pitchFamily="18" charset="0"/>
+              </a:rPr>
+              <a:t>встановлення</a:t>
+            </a:r>
+            <a:r>
+              <a:rPr lang="ru-RU" sz="1800" dirty="0">
+                <a:latin typeface="Times New Roman" panose="02020603050405020304" pitchFamily="18" charset="0"/>
+                <a:cs typeface="Times New Roman" panose="02020603050405020304" pitchFamily="18" charset="0"/>
+              </a:rPr>
+              <a:t> </a:t>
+            </a:r>
+            <a:r>
+              <a:rPr lang="en-US" sz="1800" dirty="0">
+                <a:latin typeface="Times New Roman" panose="02020603050405020304" pitchFamily="18" charset="0"/>
+                <a:cs typeface="Times New Roman" panose="02020603050405020304" pitchFamily="18" charset="0"/>
+              </a:rPr>
+              <a:t>GNOME, </a:t>
+            </a:r>
+            <a:r>
+              <a:rPr lang="ru-RU" sz="1800" dirty="0">
+                <a:latin typeface="Times New Roman" panose="02020603050405020304" pitchFamily="18" charset="0"/>
+                <a:cs typeface="Times New Roman" panose="02020603050405020304" pitchFamily="18" charset="0"/>
+              </a:rPr>
+              <a:t>вам </a:t>
+            </a:r>
+            <a:r>
+              <a:rPr lang="ru-RU" sz="1800" dirty="0" err="1">
+                <a:latin typeface="Times New Roman" panose="02020603050405020304" pitchFamily="18" charset="0"/>
+                <a:cs typeface="Times New Roman" panose="02020603050405020304" pitchFamily="18" charset="0"/>
+              </a:rPr>
+              <a:t>потрібно</a:t>
+            </a:r>
+            <a:r>
+              <a:rPr lang="ru-RU" sz="1800" dirty="0">
+                <a:latin typeface="Times New Roman" panose="02020603050405020304" pitchFamily="18" charset="0"/>
+                <a:cs typeface="Times New Roman" panose="02020603050405020304" pitchFamily="18" charset="0"/>
+              </a:rPr>
+              <a:t> </a:t>
+            </a:r>
+            <a:r>
+              <a:rPr lang="ru-RU" sz="1800" dirty="0" err="1">
+                <a:latin typeface="Times New Roman" panose="02020603050405020304" pitchFamily="18" charset="0"/>
+                <a:cs typeface="Times New Roman" panose="02020603050405020304" pitchFamily="18" charset="0"/>
+              </a:rPr>
+              <a:t>перезавантажити</a:t>
+            </a:r>
+            <a:r>
+              <a:rPr lang="ru-RU" sz="1800" dirty="0">
+                <a:latin typeface="Times New Roman" panose="02020603050405020304" pitchFamily="18" charset="0"/>
+                <a:cs typeface="Times New Roman" panose="02020603050405020304" pitchFamily="18" charset="0"/>
+              </a:rPr>
+              <a:t> </a:t>
+            </a:r>
+            <a:r>
+              <a:rPr lang="ru-RU" sz="1800" dirty="0" err="1">
+                <a:latin typeface="Times New Roman" panose="02020603050405020304" pitchFamily="18" charset="0"/>
+                <a:cs typeface="Times New Roman" panose="02020603050405020304" pitchFamily="18" charset="0"/>
+              </a:rPr>
+              <a:t>віртуальну</a:t>
+            </a:r>
+            <a:r>
+              <a:rPr lang="ru-RU" sz="1800" dirty="0">
+                <a:latin typeface="Times New Roman" panose="02020603050405020304" pitchFamily="18" charset="0"/>
+                <a:cs typeface="Times New Roman" panose="02020603050405020304" pitchFamily="18" charset="0"/>
+              </a:rPr>
+              <a:t> машину. </a:t>
+            </a:r>
+            <a:r>
+              <a:rPr lang="ru-RU" sz="1800" dirty="0" err="1">
+                <a:latin typeface="Times New Roman" panose="02020603050405020304" pitchFamily="18" charset="0"/>
+                <a:cs typeface="Times New Roman" panose="02020603050405020304" pitchFamily="18" charset="0"/>
+              </a:rPr>
+              <a:t>Після</a:t>
+            </a:r>
+            <a:r>
+              <a:rPr lang="ru-RU" sz="1800" dirty="0">
+                <a:latin typeface="Times New Roman" panose="02020603050405020304" pitchFamily="18" charset="0"/>
+                <a:cs typeface="Times New Roman" panose="02020603050405020304" pitchFamily="18" charset="0"/>
+              </a:rPr>
+              <a:t> </a:t>
+            </a:r>
+            <a:r>
+              <a:rPr lang="ru-RU" sz="1800" dirty="0" err="1">
+                <a:latin typeface="Times New Roman" panose="02020603050405020304" pitchFamily="18" charset="0"/>
+                <a:cs typeface="Times New Roman" panose="02020603050405020304" pitchFamily="18" charset="0"/>
+              </a:rPr>
+              <a:t>перезавантаження</a:t>
+            </a:r>
+            <a:r>
+              <a:rPr lang="ru-RU" sz="1800" dirty="0">
+                <a:latin typeface="Times New Roman" panose="02020603050405020304" pitchFamily="18" charset="0"/>
+                <a:cs typeface="Times New Roman" panose="02020603050405020304" pitchFamily="18" charset="0"/>
+              </a:rPr>
+              <a:t>, </a:t>
+            </a:r>
+            <a:r>
+              <a:rPr lang="ru-RU" sz="1800" dirty="0" err="1">
+                <a:latin typeface="Times New Roman" panose="02020603050405020304" pitchFamily="18" charset="0"/>
+                <a:cs typeface="Times New Roman" panose="02020603050405020304" pitchFamily="18" charset="0"/>
+              </a:rPr>
+              <a:t>ви</a:t>
+            </a:r>
+            <a:r>
+              <a:rPr lang="ru-RU" sz="1800" dirty="0">
+                <a:latin typeface="Times New Roman" panose="02020603050405020304" pitchFamily="18" charset="0"/>
+                <a:cs typeface="Times New Roman" panose="02020603050405020304" pitchFamily="18" charset="0"/>
+              </a:rPr>
+              <a:t> </a:t>
+            </a:r>
+            <a:r>
+              <a:rPr lang="ru-RU" sz="1800" dirty="0" err="1">
+                <a:latin typeface="Times New Roman" panose="02020603050405020304" pitchFamily="18" charset="0"/>
+                <a:cs typeface="Times New Roman" panose="02020603050405020304" pitchFamily="18" charset="0"/>
+              </a:rPr>
+              <a:t>повинні</a:t>
+            </a:r>
+            <a:r>
+              <a:rPr lang="ru-RU" sz="1800" dirty="0">
+                <a:latin typeface="Times New Roman" panose="02020603050405020304" pitchFamily="18" charset="0"/>
+                <a:cs typeface="Times New Roman" panose="02020603050405020304" pitchFamily="18" charset="0"/>
+              </a:rPr>
+              <a:t> </a:t>
+            </a:r>
+            <a:r>
+              <a:rPr lang="ru-RU" sz="1800" dirty="0" err="1">
+                <a:latin typeface="Times New Roman" panose="02020603050405020304" pitchFamily="18" charset="0"/>
+                <a:cs typeface="Times New Roman" panose="02020603050405020304" pitchFamily="18" charset="0"/>
+              </a:rPr>
+              <a:t>побачити</a:t>
+            </a:r>
+            <a:r>
+              <a:rPr lang="ru-RU" sz="1800" dirty="0">
+                <a:latin typeface="Times New Roman" panose="02020603050405020304" pitchFamily="18" charset="0"/>
+                <a:cs typeface="Times New Roman" panose="02020603050405020304" pitchFamily="18" charset="0"/>
+              </a:rPr>
+              <a:t> </a:t>
+            </a:r>
+            <a:r>
+              <a:rPr lang="ru-RU" sz="1800" dirty="0" err="1">
+                <a:latin typeface="Times New Roman" panose="02020603050405020304" pitchFamily="18" charset="0"/>
+                <a:cs typeface="Times New Roman" panose="02020603050405020304" pitchFamily="18" charset="0"/>
+              </a:rPr>
+              <a:t>графічний</a:t>
+            </a:r>
+            <a:r>
+              <a:rPr lang="ru-RU" sz="1800" dirty="0">
+                <a:latin typeface="Times New Roman" panose="02020603050405020304" pitchFamily="18" charset="0"/>
+                <a:cs typeface="Times New Roman" panose="02020603050405020304" pitchFamily="18" charset="0"/>
+              </a:rPr>
+              <a:t> </a:t>
+            </a:r>
+            <a:r>
+              <a:rPr lang="ru-RU" sz="1800" dirty="0" err="1">
+                <a:latin typeface="Times New Roman" panose="02020603050405020304" pitchFamily="18" charset="0"/>
+                <a:cs typeface="Times New Roman" panose="02020603050405020304" pitchFamily="18" charset="0"/>
+              </a:rPr>
+              <a:t>інтерфейс</a:t>
+            </a:r>
+            <a:r>
+              <a:rPr lang="ru-RU" sz="1800" dirty="0">
+                <a:latin typeface="Times New Roman" panose="02020603050405020304" pitchFamily="18" charset="0"/>
+                <a:cs typeface="Times New Roman" panose="02020603050405020304" pitchFamily="18" charset="0"/>
+              </a:rPr>
+              <a:t> </a:t>
+            </a:r>
+            <a:r>
+              <a:rPr lang="en-US" sz="1800" dirty="0">
+                <a:latin typeface="Times New Roman" panose="02020603050405020304" pitchFamily="18" charset="0"/>
+                <a:cs typeface="Times New Roman" panose="02020603050405020304" pitchFamily="18" charset="0"/>
+              </a:rPr>
+              <a:t>GNOME. </a:t>
+            </a:r>
+            <a:r>
+              <a:rPr lang="ru-RU" sz="1800" dirty="0" err="1">
+                <a:latin typeface="Times New Roman" panose="02020603050405020304" pitchFamily="18" charset="0"/>
+                <a:cs typeface="Times New Roman" panose="02020603050405020304" pitchFamily="18" charset="0"/>
+              </a:rPr>
+              <a:t>Тепер</a:t>
+            </a:r>
+            <a:r>
+              <a:rPr lang="ru-RU" sz="1800" dirty="0">
+                <a:latin typeface="Times New Roman" panose="02020603050405020304" pitchFamily="18" charset="0"/>
+                <a:cs typeface="Times New Roman" panose="02020603050405020304" pitchFamily="18" charset="0"/>
+              </a:rPr>
+              <a:t> </a:t>
+            </a:r>
+            <a:r>
+              <a:rPr lang="ru-RU" sz="1800" dirty="0" err="1">
+                <a:latin typeface="Times New Roman" panose="02020603050405020304" pitchFamily="18" charset="0"/>
+                <a:cs typeface="Times New Roman" panose="02020603050405020304" pitchFamily="18" charset="0"/>
+              </a:rPr>
+              <a:t>ви</a:t>
+            </a:r>
+            <a:r>
+              <a:rPr lang="ru-RU" sz="1800" dirty="0">
+                <a:latin typeface="Times New Roman" panose="02020603050405020304" pitchFamily="18" charset="0"/>
+                <a:cs typeface="Times New Roman" panose="02020603050405020304" pitchFamily="18" charset="0"/>
+              </a:rPr>
+              <a:t> можете </a:t>
+            </a:r>
+            <a:r>
+              <a:rPr lang="ru-RU" sz="1800" dirty="0" err="1">
+                <a:latin typeface="Times New Roman" panose="02020603050405020304" pitchFamily="18" charset="0"/>
+                <a:cs typeface="Times New Roman" panose="02020603050405020304" pitchFamily="18" charset="0"/>
+              </a:rPr>
+              <a:t>використовувати</a:t>
+            </a:r>
+            <a:r>
+              <a:rPr lang="ru-RU" sz="1800" dirty="0">
+                <a:latin typeface="Times New Roman" panose="02020603050405020304" pitchFamily="18" charset="0"/>
+                <a:cs typeface="Times New Roman" panose="02020603050405020304" pitchFamily="18" charset="0"/>
+              </a:rPr>
+              <a:t> </a:t>
+            </a:r>
+            <a:r>
+              <a:rPr lang="ru-RU" sz="1800" dirty="0" err="1">
+                <a:latin typeface="Times New Roman" panose="02020603050405020304" pitchFamily="18" charset="0"/>
+                <a:cs typeface="Times New Roman" panose="02020603050405020304" pitchFamily="18" charset="0"/>
+              </a:rPr>
+              <a:t>віртуальну</a:t>
+            </a:r>
+            <a:r>
+              <a:rPr lang="ru-RU" sz="1800" dirty="0">
+                <a:latin typeface="Times New Roman" panose="02020603050405020304" pitchFamily="18" charset="0"/>
+                <a:cs typeface="Times New Roman" panose="02020603050405020304" pitchFamily="18" charset="0"/>
+              </a:rPr>
+              <a:t> машину з </a:t>
+            </a:r>
+            <a:r>
+              <a:rPr lang="ru-RU" sz="1800" dirty="0" err="1">
+                <a:latin typeface="Times New Roman" panose="02020603050405020304" pitchFamily="18" charset="0"/>
+                <a:cs typeface="Times New Roman" panose="02020603050405020304" pitchFamily="18" charset="0"/>
+              </a:rPr>
+              <a:t>графічним</a:t>
+            </a:r>
+            <a:r>
+              <a:rPr lang="ru-RU" sz="1800" dirty="0">
+                <a:latin typeface="Times New Roman" panose="02020603050405020304" pitchFamily="18" charset="0"/>
+                <a:cs typeface="Times New Roman" panose="02020603050405020304" pitchFamily="18" charset="0"/>
+              </a:rPr>
+              <a:t> </a:t>
+            </a:r>
+            <a:r>
+              <a:rPr lang="ru-RU" sz="1800" dirty="0" err="1">
+                <a:latin typeface="Times New Roman" panose="02020603050405020304" pitchFamily="18" charset="0"/>
+                <a:cs typeface="Times New Roman" panose="02020603050405020304" pitchFamily="18" charset="0"/>
+              </a:rPr>
+              <a:t>інтерфейсом</a:t>
+            </a:r>
+            <a:r>
+              <a:rPr lang="ru-RU" sz="1800" dirty="0">
+                <a:latin typeface="Times New Roman" panose="02020603050405020304" pitchFamily="18" charset="0"/>
+                <a:cs typeface="Times New Roman" panose="02020603050405020304" pitchFamily="18" charset="0"/>
+              </a:rPr>
+              <a:t> </a:t>
+            </a:r>
+            <a:r>
+              <a:rPr lang="en-US" sz="1800" dirty="0">
+                <a:latin typeface="Times New Roman" panose="02020603050405020304" pitchFamily="18" charset="0"/>
+                <a:cs typeface="Times New Roman" panose="02020603050405020304" pitchFamily="18" charset="0"/>
+              </a:rPr>
+              <a:t>GNOME. </a:t>
+            </a:r>
+            <a:r>
+              <a:rPr lang="ru-RU" sz="1800" dirty="0">
+                <a:latin typeface="Times New Roman" panose="02020603050405020304" pitchFamily="18" charset="0"/>
+                <a:cs typeface="Times New Roman" panose="02020603050405020304" pitchFamily="18" charset="0"/>
+              </a:rPr>
+              <a:t>Ви </a:t>
+            </a:r>
+            <a:r>
+              <a:rPr lang="ru-RU" sz="1800" dirty="0" err="1">
+                <a:latin typeface="Times New Roman" panose="02020603050405020304" pitchFamily="18" charset="0"/>
+                <a:cs typeface="Times New Roman" panose="02020603050405020304" pitchFamily="18" charset="0"/>
+              </a:rPr>
+              <a:t>зможете</a:t>
+            </a:r>
+            <a:r>
+              <a:rPr lang="ru-RU" sz="1800" dirty="0">
+                <a:latin typeface="Times New Roman" panose="02020603050405020304" pitchFamily="18" charset="0"/>
+                <a:cs typeface="Times New Roman" panose="02020603050405020304" pitchFamily="18" charset="0"/>
+              </a:rPr>
+              <a:t> </a:t>
+            </a:r>
+            <a:r>
+              <a:rPr lang="ru-RU" sz="1800" dirty="0" err="1">
+                <a:latin typeface="Times New Roman" panose="02020603050405020304" pitchFamily="18" charset="0"/>
+                <a:cs typeface="Times New Roman" panose="02020603050405020304" pitchFamily="18" charset="0"/>
+              </a:rPr>
+              <a:t>запускати</a:t>
+            </a:r>
+            <a:r>
+              <a:rPr lang="ru-RU" sz="1800" dirty="0">
+                <a:latin typeface="Times New Roman" panose="02020603050405020304" pitchFamily="18" charset="0"/>
+                <a:cs typeface="Times New Roman" panose="02020603050405020304" pitchFamily="18" charset="0"/>
+              </a:rPr>
+              <a:t> </a:t>
+            </a:r>
+            <a:r>
+              <a:rPr lang="ru-RU" sz="1800" dirty="0" err="1">
+                <a:latin typeface="Times New Roman" panose="02020603050405020304" pitchFamily="18" charset="0"/>
+                <a:cs typeface="Times New Roman" panose="02020603050405020304" pitchFamily="18" charset="0"/>
+              </a:rPr>
+              <a:t>різні</a:t>
+            </a:r>
+            <a:r>
+              <a:rPr lang="ru-RU" sz="1800" dirty="0">
+                <a:latin typeface="Times New Roman" panose="02020603050405020304" pitchFamily="18" charset="0"/>
+                <a:cs typeface="Times New Roman" panose="02020603050405020304" pitchFamily="18" charset="0"/>
+              </a:rPr>
+              <a:t> </a:t>
+            </a:r>
+            <a:r>
+              <a:rPr lang="ru-RU" sz="1800" dirty="0" err="1">
+                <a:latin typeface="Times New Roman" panose="02020603050405020304" pitchFamily="18" charset="0"/>
+                <a:cs typeface="Times New Roman" panose="02020603050405020304" pitchFamily="18" charset="0"/>
+              </a:rPr>
+              <a:t>програми</a:t>
+            </a:r>
+            <a:r>
+              <a:rPr lang="ru-RU" sz="1800" dirty="0">
+                <a:latin typeface="Times New Roman" panose="02020603050405020304" pitchFamily="18" charset="0"/>
+                <a:cs typeface="Times New Roman" panose="02020603050405020304" pitchFamily="18" charset="0"/>
+              </a:rPr>
+              <a:t>, </a:t>
+            </a:r>
+            <a:r>
+              <a:rPr lang="ru-RU" sz="1800" dirty="0" err="1">
+                <a:latin typeface="Times New Roman" panose="02020603050405020304" pitchFamily="18" charset="0"/>
+                <a:cs typeface="Times New Roman" panose="02020603050405020304" pitchFamily="18" charset="0"/>
+              </a:rPr>
+              <a:t>переглядати</a:t>
+            </a:r>
+            <a:r>
+              <a:rPr lang="ru-RU" sz="1800" dirty="0">
+                <a:latin typeface="Times New Roman" panose="02020603050405020304" pitchFamily="18" charset="0"/>
+                <a:cs typeface="Times New Roman" panose="02020603050405020304" pitchFamily="18" charset="0"/>
+              </a:rPr>
+              <a:t> веб-</a:t>
+            </a:r>
+            <a:r>
+              <a:rPr lang="ru-RU" sz="1800" dirty="0" err="1">
+                <a:latin typeface="Times New Roman" panose="02020603050405020304" pitchFamily="18" charset="0"/>
+                <a:cs typeface="Times New Roman" panose="02020603050405020304" pitchFamily="18" charset="0"/>
+              </a:rPr>
+              <a:t>сторінки</a:t>
+            </a:r>
+            <a:r>
+              <a:rPr lang="ru-RU" sz="1800" dirty="0">
+                <a:latin typeface="Times New Roman" panose="02020603050405020304" pitchFamily="18" charset="0"/>
+                <a:cs typeface="Times New Roman" panose="02020603050405020304" pitchFamily="18" charset="0"/>
+              </a:rPr>
+              <a:t> та </a:t>
+            </a:r>
+            <a:r>
+              <a:rPr lang="ru-RU" sz="1800" dirty="0" err="1">
+                <a:latin typeface="Times New Roman" panose="02020603050405020304" pitchFamily="18" charset="0"/>
+                <a:cs typeface="Times New Roman" panose="02020603050405020304" pitchFamily="18" charset="0"/>
+              </a:rPr>
+              <a:t>взаємодіяти</a:t>
+            </a:r>
+            <a:r>
+              <a:rPr lang="ru-RU" sz="1800" dirty="0">
+                <a:latin typeface="Times New Roman" panose="02020603050405020304" pitchFamily="18" charset="0"/>
+                <a:cs typeface="Times New Roman" panose="02020603050405020304" pitchFamily="18" charset="0"/>
+              </a:rPr>
+              <a:t> з </a:t>
+            </a:r>
+            <a:r>
+              <a:rPr lang="ru-RU" sz="1800" dirty="0" err="1">
+                <a:latin typeface="Times New Roman" panose="02020603050405020304" pitchFamily="18" charset="0"/>
+                <a:cs typeface="Times New Roman" panose="02020603050405020304" pitchFamily="18" charset="0"/>
+              </a:rPr>
+              <a:t>віртуальною</a:t>
+            </a:r>
+            <a:r>
+              <a:rPr lang="ru-RU" sz="1800" dirty="0">
+                <a:latin typeface="Times New Roman" panose="02020603050405020304" pitchFamily="18" charset="0"/>
+                <a:cs typeface="Times New Roman" panose="02020603050405020304" pitchFamily="18" charset="0"/>
+              </a:rPr>
+              <a:t> машиною за </a:t>
+            </a:r>
+            <a:r>
+              <a:rPr lang="ru-RU" sz="1800" dirty="0" err="1">
+                <a:latin typeface="Times New Roman" panose="02020603050405020304" pitchFamily="18" charset="0"/>
+                <a:cs typeface="Times New Roman" panose="02020603050405020304" pitchFamily="18" charset="0"/>
+              </a:rPr>
+              <a:t>допомогою</a:t>
+            </a:r>
+            <a:r>
+              <a:rPr lang="ru-RU" sz="1800" dirty="0">
+                <a:latin typeface="Times New Roman" panose="02020603050405020304" pitchFamily="18" charset="0"/>
+                <a:cs typeface="Times New Roman" panose="02020603050405020304" pitchFamily="18" charset="0"/>
+              </a:rPr>
+              <a:t> </a:t>
+            </a:r>
+            <a:r>
+              <a:rPr lang="ru-RU" sz="1800" dirty="0" err="1">
+                <a:latin typeface="Times New Roman" panose="02020603050405020304" pitchFamily="18" charset="0"/>
+                <a:cs typeface="Times New Roman" panose="02020603050405020304" pitchFamily="18" charset="0"/>
+              </a:rPr>
+              <a:t>миші</a:t>
+            </a:r>
+            <a:r>
+              <a:rPr lang="ru-RU" sz="1800" dirty="0">
+                <a:latin typeface="Times New Roman" panose="02020603050405020304" pitchFamily="18" charset="0"/>
+                <a:cs typeface="Times New Roman" panose="02020603050405020304" pitchFamily="18" charset="0"/>
+              </a:rPr>
+              <a:t> та </a:t>
+            </a:r>
+            <a:r>
+              <a:rPr lang="ru-RU" sz="1800" dirty="0" err="1">
+                <a:latin typeface="Times New Roman" panose="02020603050405020304" pitchFamily="18" charset="0"/>
+                <a:cs typeface="Times New Roman" panose="02020603050405020304" pitchFamily="18" charset="0"/>
+              </a:rPr>
+              <a:t>клавіатури</a:t>
+            </a:r>
+            <a:r>
+              <a:rPr lang="ru-RU" sz="1800" dirty="0">
+                <a:latin typeface="Times New Roman" panose="02020603050405020304" pitchFamily="18" charset="0"/>
+                <a:cs typeface="Times New Roman" panose="02020603050405020304" pitchFamily="18" charset="0"/>
+              </a:rPr>
+              <a:t>.</a:t>
+            </a:r>
+          </a:p>
+          <a:p>
+            <a:pPr marL="0" indent="0">
+              <a:buNone/>
+            </a:pPr>
+            <a:endParaRPr lang="ru-RU" dirty="0"/>
+          </a:p>
+        </p:txBody>
+      </p:sp>
+      <p:pic>
+        <p:nvPicPr>
+          <p:cNvPr id="2050" name="Picture 2" descr="Gnome 3 ist fertig"/>
+          <p:cNvPicPr>
+            <a:picLocks noChangeAspect="1" noChangeArrowheads="1"/>
+          </p:cNvPicPr>
+          <p:nvPr/>
+        </p:nvPicPr>
+        <p:blipFill>
+          <a:blip r:embed="rId2">
+            <a:extLst>
+              <a:ext uri="{28A0092B-C50C-407E-A947-70E740481C1C}">
+                <a14:useLocalDpi xmlns:a14="http://schemas.microsoft.com/office/drawing/2010/main" val="0"/>
+              </a:ext>
+            </a:extLst>
+          </a:blip>
+          <a:srcRect/>
+          <a:stretch>
+            <a:fillRect/>
+          </a:stretch>
+        </p:blipFill>
+        <p:spPr bwMode="auto">
+          <a:xfrm>
+            <a:off x="6831948" y="2497874"/>
+            <a:ext cx="4521855" cy="2818200"/>
+          </a:xfrm>
+          <a:prstGeom prst="rect">
+            <a:avLst/>
+          </a:prstGeom>
+          <a:noFill/>
+          <a:extLst>
+            <a:ext uri="{909E8E84-426E-40DD-AFC4-6F175D3DCCD1}">
+              <a14:hiddenFill xmlns:a14="http://schemas.microsoft.com/office/drawing/2010/main">
+                <a:solidFill>
+                  <a:srgbClr val="FFFFFF"/>
+                </a:solidFill>
+              </a14:hiddenFill>
+            </a:ext>
+          </a:extLst>
+        </p:spPr>
+      </p:pic>
+    </p:spTree>
+    <p:extLst>
+      <p:ext uri="{BB962C8B-B14F-4D97-AF65-F5344CB8AC3E}">
+        <p14:creationId xmlns:p14="http://schemas.microsoft.com/office/powerpoint/2010/main" val="2789238313"/>
+      </p:ext>
+    </p:extLst>
+  </p:cSld>
+  <p:clrMapOvr>
+    <a:masterClrMapping/>
+  </p:clrMapOvr>
+</p:sld>
+</file>
+
+<file path=ppt/slides/slide11.xml><?xml version="1.0" encoding="utf-8"?>
+<p:sld xmlns:a="http://schemas.openxmlformats.org/drawingml/2006/main" xmlns:r="http://schemas.openxmlformats.org/officeDocument/2006/relationships" xmlns:p="http://schemas.openxmlformats.org/presentationml/2006/main">
+  <p:cSld>
+    <p:spTree>
+      <p:nvGrpSpPr>
+        <p:cNvPr id="1" name=""/>
+        <p:cNvGrpSpPr/>
+        <p:nvPr/>
+      </p:nvGrpSpPr>
+      <p:grpSpPr>
+        <a:xfrm>
+          <a:off x="0" y="0"/>
+          <a:ext cx="0" cy="0"/>
+          <a:chOff x="0" y="0"/>
+          <a:chExt cx="0" cy="0"/>
+        </a:xfrm>
+      </p:grpSpPr>
+      <p:sp>
+        <p:nvSpPr>
+          <p:cNvPr id="2" name="Заголовок 1"/>
+          <p:cNvSpPr>
+            <a:spLocks noGrp="1"/>
+          </p:cNvSpPr>
+          <p:nvPr>
+            <p:ph type="title"/>
+          </p:nvPr>
+        </p:nvSpPr>
+        <p:spPr/>
+        <p:txBody>
+          <a:bodyPr>
+            <a:normAutofit fontScale="90000"/>
+          </a:bodyPr>
+          <a:lstStyle/>
+          <a:p>
+            <a:r>
+              <a:rPr lang="ru-RU" sz="4900" dirty="0" err="1"/>
+              <a:t>Встановлення</a:t>
+            </a:r>
+            <a:r>
+              <a:rPr lang="ru-RU" sz="4900" dirty="0"/>
+              <a:t> </a:t>
+            </a:r>
+            <a:r>
+              <a:rPr lang="ru-RU" sz="4900" dirty="0" err="1"/>
+              <a:t>другої</a:t>
+            </a:r>
+            <a:r>
+              <a:rPr lang="ru-RU" sz="4900" dirty="0"/>
+              <a:t> </a:t>
+            </a:r>
+            <a:r>
+              <a:rPr lang="ru-RU" sz="4900" dirty="0" err="1"/>
+              <a:t>графічної</a:t>
+            </a:r>
+            <a:r>
+              <a:rPr lang="ru-RU" sz="4900" dirty="0"/>
+              <a:t> </a:t>
+            </a:r>
+            <a:r>
+              <a:rPr lang="ru-RU" sz="4900" dirty="0" err="1" smtClean="0"/>
+              <a:t>оболонки</a:t>
+            </a:r>
+            <a:r>
+              <a:rPr lang="ru-RU" sz="4900" dirty="0" smtClean="0"/>
+              <a:t> </a:t>
+            </a:r>
+            <a:r>
+              <a:rPr lang="en-US" sz="4900" dirty="0">
+                <a:solidFill>
+                  <a:schemeClr val="tx1"/>
+                </a:solidFill>
+              </a:rPr>
+              <a:t>XFCE</a:t>
+            </a:r>
+            <a:r>
+              <a:rPr lang="en-US" b="1" dirty="0"/>
+              <a:t/>
+            </a:r>
+            <a:br>
+              <a:rPr lang="en-US" b="1" dirty="0"/>
+            </a:br>
+            <a:endParaRPr lang="ru-RU" dirty="0"/>
+          </a:p>
+        </p:txBody>
+      </p:sp>
+      <p:sp>
+        <p:nvSpPr>
+          <p:cNvPr id="3" name="Объект 2"/>
+          <p:cNvSpPr>
+            <a:spLocks noGrp="1"/>
+          </p:cNvSpPr>
+          <p:nvPr>
+            <p:ph idx="1"/>
+          </p:nvPr>
+        </p:nvSpPr>
+        <p:spPr>
+          <a:xfrm>
+            <a:off x="838203" y="1825627"/>
+            <a:ext cx="4101787" cy="4351336"/>
+          </a:xfrm>
+        </p:spPr>
+        <p:txBody>
+          <a:bodyPr/>
+          <a:lstStyle/>
+          <a:p>
+            <a:pPr marL="0" indent="0">
+              <a:buNone/>
+            </a:pPr>
+            <a:r>
+              <a:rPr lang="ru-RU" sz="1800" dirty="0" err="1">
+                <a:latin typeface="Times New Roman" panose="02020603050405020304" pitchFamily="18" charset="0"/>
+                <a:cs typeface="Times New Roman" panose="02020603050405020304" pitchFamily="18" charset="0"/>
+              </a:rPr>
+              <a:t>Встановлення</a:t>
+            </a:r>
+            <a:r>
+              <a:rPr lang="ru-RU" sz="1800" dirty="0">
+                <a:latin typeface="Times New Roman" panose="02020603050405020304" pitchFamily="18" charset="0"/>
+                <a:cs typeface="Times New Roman" panose="02020603050405020304" pitchFamily="18" charset="0"/>
+              </a:rPr>
+              <a:t> </a:t>
+            </a:r>
+            <a:r>
+              <a:rPr lang="en-US" sz="1800" dirty="0">
+                <a:latin typeface="Times New Roman" panose="02020603050405020304" pitchFamily="18" charset="0"/>
+                <a:cs typeface="Times New Roman" panose="02020603050405020304" pitchFamily="18" charset="0"/>
+              </a:rPr>
+              <a:t>XFCE </a:t>
+            </a:r>
+            <a:r>
+              <a:rPr lang="ru-RU" sz="1800" dirty="0" err="1">
+                <a:latin typeface="Times New Roman" panose="02020603050405020304" pitchFamily="18" charset="0"/>
+                <a:cs typeface="Times New Roman" panose="02020603050405020304" pitchFamily="18" charset="0"/>
+              </a:rPr>
+              <a:t>може</a:t>
+            </a:r>
+            <a:r>
+              <a:rPr lang="ru-RU" sz="1800" dirty="0">
+                <a:latin typeface="Times New Roman" panose="02020603050405020304" pitchFamily="18" charset="0"/>
+                <a:cs typeface="Times New Roman" panose="02020603050405020304" pitchFamily="18" charset="0"/>
+              </a:rPr>
+              <a:t> бути </a:t>
+            </a:r>
+            <a:r>
+              <a:rPr lang="ru-RU" sz="1800" dirty="0" err="1">
+                <a:latin typeface="Times New Roman" panose="02020603050405020304" pitchFamily="18" charset="0"/>
+                <a:cs typeface="Times New Roman" panose="02020603050405020304" pitchFamily="18" charset="0"/>
+              </a:rPr>
+              <a:t>виконано</a:t>
+            </a:r>
+            <a:r>
+              <a:rPr lang="ru-RU" sz="1800" dirty="0">
+                <a:latin typeface="Times New Roman" panose="02020603050405020304" pitchFamily="18" charset="0"/>
+                <a:cs typeface="Times New Roman" panose="02020603050405020304" pitchFamily="18" charset="0"/>
+              </a:rPr>
+              <a:t> за </a:t>
+            </a:r>
+            <a:r>
+              <a:rPr lang="ru-RU" sz="1800" dirty="0" err="1">
+                <a:latin typeface="Times New Roman" panose="02020603050405020304" pitchFamily="18" charset="0"/>
+                <a:cs typeface="Times New Roman" panose="02020603050405020304" pitchFamily="18" charset="0"/>
+              </a:rPr>
+              <a:t>допомогою</a:t>
+            </a:r>
+            <a:r>
+              <a:rPr lang="ru-RU" sz="1800" dirty="0">
+                <a:latin typeface="Times New Roman" panose="02020603050405020304" pitchFamily="18" charset="0"/>
+                <a:cs typeface="Times New Roman" panose="02020603050405020304" pitchFamily="18" charset="0"/>
+              </a:rPr>
+              <a:t> менеджера </a:t>
+            </a:r>
+            <a:r>
+              <a:rPr lang="ru-RU" sz="1800" dirty="0" err="1">
+                <a:latin typeface="Times New Roman" panose="02020603050405020304" pitchFamily="18" charset="0"/>
+                <a:cs typeface="Times New Roman" panose="02020603050405020304" pitchFamily="18" charset="0"/>
+              </a:rPr>
+              <a:t>пакетів</a:t>
+            </a:r>
+            <a:r>
+              <a:rPr lang="ru-RU" sz="1800" dirty="0">
+                <a:latin typeface="Times New Roman" panose="02020603050405020304" pitchFamily="18" charset="0"/>
+                <a:cs typeface="Times New Roman" panose="02020603050405020304" pitchFamily="18" charset="0"/>
+              </a:rPr>
+              <a:t>, такого як </a:t>
+            </a:r>
+            <a:r>
+              <a:rPr lang="en-US" sz="1800" dirty="0">
+                <a:latin typeface="Times New Roman" panose="02020603050405020304" pitchFamily="18" charset="0"/>
+                <a:cs typeface="Times New Roman" panose="02020603050405020304" pitchFamily="18" charset="0"/>
+              </a:rPr>
+              <a:t>apt. </a:t>
+            </a:r>
+            <a:r>
+              <a:rPr lang="ru-RU" sz="1800" dirty="0">
+                <a:latin typeface="Times New Roman" panose="02020603050405020304" pitchFamily="18" charset="0"/>
+                <a:cs typeface="Times New Roman" panose="02020603050405020304" pitchFamily="18" charset="0"/>
+              </a:rPr>
+              <a:t>Для </a:t>
+            </a:r>
+            <a:r>
+              <a:rPr lang="ru-RU" sz="1800" dirty="0" err="1">
+                <a:latin typeface="Times New Roman" panose="02020603050405020304" pitchFamily="18" charset="0"/>
+                <a:cs typeface="Times New Roman" panose="02020603050405020304" pitchFamily="18" charset="0"/>
+              </a:rPr>
+              <a:t>встановлення</a:t>
+            </a:r>
+            <a:r>
+              <a:rPr lang="ru-RU" sz="1800" dirty="0">
+                <a:latin typeface="Times New Roman" panose="02020603050405020304" pitchFamily="18" charset="0"/>
+                <a:cs typeface="Times New Roman" panose="02020603050405020304" pitchFamily="18" charset="0"/>
+              </a:rPr>
+              <a:t> </a:t>
+            </a:r>
+            <a:r>
+              <a:rPr lang="en-US" sz="1800" dirty="0">
+                <a:latin typeface="Times New Roman" panose="02020603050405020304" pitchFamily="18" charset="0"/>
+                <a:cs typeface="Times New Roman" panose="02020603050405020304" pitchFamily="18" charset="0"/>
+              </a:rPr>
+              <a:t>XFCE </a:t>
+            </a:r>
+            <a:r>
+              <a:rPr lang="ru-RU" sz="1800" dirty="0">
+                <a:latin typeface="Times New Roman" panose="02020603050405020304" pitchFamily="18" charset="0"/>
+                <a:cs typeface="Times New Roman" panose="02020603050405020304" pitchFamily="18" charset="0"/>
+              </a:rPr>
+              <a:t>на </a:t>
+            </a:r>
+            <a:r>
+              <a:rPr lang="ru-RU" sz="1800" dirty="0" err="1">
+                <a:latin typeface="Times New Roman" panose="02020603050405020304" pitchFamily="18" charset="0"/>
+                <a:cs typeface="Times New Roman" panose="02020603050405020304" pitchFamily="18" charset="0"/>
+              </a:rPr>
+              <a:t>віртуальну</a:t>
+            </a:r>
+            <a:r>
+              <a:rPr lang="ru-RU" sz="1800" dirty="0">
+                <a:latin typeface="Times New Roman" panose="02020603050405020304" pitchFamily="18" charset="0"/>
+                <a:cs typeface="Times New Roman" panose="02020603050405020304" pitchFamily="18" charset="0"/>
+              </a:rPr>
+              <a:t> машину з </a:t>
+            </a:r>
+            <a:r>
+              <a:rPr lang="en-US" sz="1800" dirty="0" err="1">
+                <a:latin typeface="Times New Roman" panose="02020603050405020304" pitchFamily="18" charset="0"/>
+                <a:cs typeface="Times New Roman" panose="02020603050405020304" pitchFamily="18" charset="0"/>
+              </a:rPr>
+              <a:t>Debian</a:t>
+            </a:r>
+            <a:r>
+              <a:rPr lang="en-US" sz="1800" dirty="0">
+                <a:latin typeface="Times New Roman" panose="02020603050405020304" pitchFamily="18" charset="0"/>
+                <a:cs typeface="Times New Roman" panose="02020603050405020304" pitchFamily="18" charset="0"/>
+              </a:rPr>
+              <a:t>-</a:t>
+            </a:r>
+            <a:r>
+              <a:rPr lang="ru-RU" sz="1800" dirty="0" err="1">
+                <a:latin typeface="Times New Roman" panose="02020603050405020304" pitchFamily="18" charset="0"/>
+                <a:cs typeface="Times New Roman" panose="02020603050405020304" pitchFamily="18" charset="0"/>
+              </a:rPr>
+              <a:t>подібним</a:t>
+            </a:r>
+            <a:r>
+              <a:rPr lang="ru-RU" sz="1800" dirty="0">
+                <a:latin typeface="Times New Roman" panose="02020603050405020304" pitchFamily="18" charset="0"/>
+                <a:cs typeface="Times New Roman" panose="02020603050405020304" pitchFamily="18" charset="0"/>
+              </a:rPr>
+              <a:t> дистрибутивом </a:t>
+            </a:r>
+            <a:r>
+              <a:rPr lang="en-US" sz="1800" dirty="0">
+                <a:latin typeface="Times New Roman" panose="02020603050405020304" pitchFamily="18" charset="0"/>
+                <a:cs typeface="Times New Roman" panose="02020603050405020304" pitchFamily="18" charset="0"/>
+              </a:rPr>
+              <a:t>GNU/Linux, </a:t>
+            </a:r>
+            <a:r>
+              <a:rPr lang="ru-RU" sz="1800" dirty="0">
+                <a:latin typeface="Times New Roman" panose="02020603050405020304" pitchFamily="18" charset="0"/>
+                <a:cs typeface="Times New Roman" panose="02020603050405020304" pitchFamily="18" charset="0"/>
+              </a:rPr>
+              <a:t>вам </a:t>
+            </a:r>
+            <a:r>
+              <a:rPr lang="ru-RU" sz="1800" dirty="0" err="1">
+                <a:latin typeface="Times New Roman" panose="02020603050405020304" pitchFamily="18" charset="0"/>
+                <a:cs typeface="Times New Roman" panose="02020603050405020304" pitchFamily="18" charset="0"/>
+              </a:rPr>
+              <a:t>потрібно</a:t>
+            </a:r>
+            <a:r>
+              <a:rPr lang="ru-RU" sz="1800" dirty="0">
+                <a:latin typeface="Times New Roman" panose="02020603050405020304" pitchFamily="18" charset="0"/>
+                <a:cs typeface="Times New Roman" panose="02020603050405020304" pitchFamily="18" charset="0"/>
+              </a:rPr>
+              <a:t> буде </a:t>
+            </a:r>
+            <a:r>
+              <a:rPr lang="ru-RU" sz="1800" dirty="0" err="1">
+                <a:latin typeface="Times New Roman" panose="02020603050405020304" pitchFamily="18" charset="0"/>
+                <a:cs typeface="Times New Roman" panose="02020603050405020304" pitchFamily="18" charset="0"/>
+              </a:rPr>
+              <a:t>запустити</a:t>
+            </a:r>
+            <a:r>
+              <a:rPr lang="ru-RU" sz="1800" dirty="0">
+                <a:latin typeface="Times New Roman" panose="02020603050405020304" pitchFamily="18" charset="0"/>
+                <a:cs typeface="Times New Roman" panose="02020603050405020304" pitchFamily="18" charset="0"/>
+              </a:rPr>
+              <a:t> команду </a:t>
+            </a:r>
+            <a:r>
+              <a:rPr lang="en-US" sz="1800" dirty="0" err="1">
+                <a:latin typeface="Times New Roman" panose="02020603050405020304" pitchFamily="18" charset="0"/>
+                <a:cs typeface="Times New Roman" panose="02020603050405020304" pitchFamily="18" charset="0"/>
+              </a:rPr>
+              <a:t>sudo</a:t>
+            </a:r>
+            <a:r>
+              <a:rPr lang="en-US" sz="1800" dirty="0">
+                <a:latin typeface="Times New Roman" panose="02020603050405020304" pitchFamily="18" charset="0"/>
+                <a:cs typeface="Times New Roman" panose="02020603050405020304" pitchFamily="18" charset="0"/>
+              </a:rPr>
+              <a:t> apt install xfce4.</a:t>
+            </a:r>
+          </a:p>
+          <a:p>
+            <a:pPr marL="0" indent="0">
+              <a:buNone/>
+            </a:pPr>
+            <a:endParaRPr lang="ru-RU" dirty="0"/>
+          </a:p>
+        </p:txBody>
+      </p:sp>
+      <p:pic>
+        <p:nvPicPr>
+          <p:cNvPr id="3078" name="Picture 6" descr="https://cdn.gamma.app/vz07arutoace6fh/generated-images/8BN5_1TdrAA2DU4Benwn5.jpg"/>
+          <p:cNvPicPr>
+            <a:picLocks noChangeAspect="1" noChangeArrowheads="1"/>
+          </p:cNvPicPr>
+          <p:nvPr/>
+        </p:nvPicPr>
+        <p:blipFill>
+          <a:blip r:embed="rId2">
+            <a:extLst>
+              <a:ext uri="{28A0092B-C50C-407E-A947-70E740481C1C}">
+                <a14:useLocalDpi xmlns:a14="http://schemas.microsoft.com/office/drawing/2010/main" val="0"/>
+              </a:ext>
+            </a:extLst>
+          </a:blip>
+          <a:srcRect/>
+          <a:stretch>
+            <a:fillRect/>
+          </a:stretch>
+        </p:blipFill>
+        <p:spPr bwMode="auto">
+          <a:xfrm>
+            <a:off x="5796942" y="1825627"/>
+            <a:ext cx="5556861" cy="3802063"/>
+          </a:xfrm>
+          <a:prstGeom prst="rect">
+            <a:avLst/>
+          </a:prstGeom>
+          <a:noFill/>
+          <a:extLst>
+            <a:ext uri="{909E8E84-426E-40DD-AFC4-6F175D3DCCD1}">
+              <a14:hiddenFill xmlns:a14="http://schemas.microsoft.com/office/drawing/2010/main">
+                <a:solidFill>
+                  <a:srgbClr val="FFFFFF"/>
+                </a:solidFill>
+              </a14:hiddenFill>
+            </a:ext>
+          </a:extLst>
+        </p:spPr>
+      </p:pic>
+    </p:spTree>
+    <p:extLst>
+      <p:ext uri="{BB962C8B-B14F-4D97-AF65-F5344CB8AC3E}">
+        <p14:creationId xmlns:p14="http://schemas.microsoft.com/office/powerpoint/2010/main" val="4290825425"/>
+      </p:ext>
+    </p:extLst>
+  </p:cSld>
+  <p:clrMapOvr>
+    <a:masterClrMapping/>
+  </p:clrMapOvr>
+</p:sld>
+</file>
+
+<file path=ppt/slides/slide12.xml><?xml version="1.0" encoding="utf-8"?>
+<p:sld xmlns:a="http://schemas.openxmlformats.org/drawingml/2006/main" xmlns:r="http://schemas.openxmlformats.org/officeDocument/2006/relationships" xmlns:p="http://schemas.openxmlformats.org/presentationml/2006/main">
+  <p:cSld>
+    <p:spTree>
+      <p:nvGrpSpPr>
+        <p:cNvPr id="1" name=""/>
+        <p:cNvGrpSpPr/>
+        <p:nvPr/>
+      </p:nvGrpSpPr>
+      <p:grpSpPr>
+        <a:xfrm>
+          <a:off x="0" y="0"/>
+          <a:ext cx="0" cy="0"/>
+          <a:chOff x="0" y="0"/>
+          <a:chExt cx="0" cy="0"/>
+        </a:xfrm>
+      </p:grpSpPr>
+      <p:sp>
+        <p:nvSpPr>
+          <p:cNvPr id="2" name="Заголовок 1"/>
+          <p:cNvSpPr>
+            <a:spLocks noGrp="1"/>
+          </p:cNvSpPr>
+          <p:nvPr>
+            <p:ph type="title"/>
+          </p:nvPr>
+        </p:nvSpPr>
+        <p:spPr>
+          <a:xfrm>
+            <a:off x="2182855" y="1536007"/>
+            <a:ext cx="7826295" cy="1325559"/>
+          </a:xfrm>
+        </p:spPr>
+        <p:txBody>
+          <a:bodyPr/>
+          <a:lstStyle/>
+          <a:p>
+            <a:r>
+              <a:rPr lang="ru-RU" dirty="0" err="1" smtClean="0"/>
+              <a:t>Порівняння</a:t>
+            </a:r>
+            <a:r>
+              <a:rPr lang="ru-RU" dirty="0" smtClean="0"/>
+              <a:t> </a:t>
+            </a:r>
+            <a:r>
+              <a:rPr lang="en-US" dirty="0" smtClean="0"/>
+              <a:t>GNOME </a:t>
+            </a:r>
+            <a:r>
+              <a:rPr lang="ru-RU" dirty="0"/>
+              <a:t>та </a:t>
+            </a:r>
+            <a:r>
+              <a:rPr lang="en-US" dirty="0"/>
+              <a:t>XFCE</a:t>
+            </a:r>
+            <a:endParaRPr lang="ru-RU" dirty="0"/>
+          </a:p>
+        </p:txBody>
+      </p:sp>
+      <p:sp>
+        <p:nvSpPr>
+          <p:cNvPr id="3" name="Объект 2"/>
+          <p:cNvSpPr>
+            <a:spLocks noGrp="1"/>
+          </p:cNvSpPr>
+          <p:nvPr>
+            <p:ph idx="1"/>
+          </p:nvPr>
+        </p:nvSpPr>
+        <p:spPr>
+          <a:xfrm>
+            <a:off x="838203" y="3029959"/>
+            <a:ext cx="10515600" cy="2467593"/>
+          </a:xfrm>
+        </p:spPr>
+        <p:txBody>
+          <a:bodyPr>
+            <a:normAutofit/>
+          </a:bodyPr>
+          <a:lstStyle/>
+          <a:p>
+            <a:pPr marL="0" indent="0">
+              <a:buNone/>
+            </a:pPr>
+            <a:r>
+              <a:rPr lang="en-US" sz="1800" dirty="0">
+                <a:latin typeface="Times New Roman" panose="02020603050405020304" pitchFamily="18" charset="0"/>
+                <a:cs typeface="Times New Roman" panose="02020603050405020304" pitchFamily="18" charset="0"/>
+              </a:rPr>
+              <a:t>GNOME </a:t>
+            </a:r>
+            <a:r>
+              <a:rPr lang="ru-RU" sz="1800" dirty="0" err="1">
+                <a:latin typeface="Times New Roman" panose="02020603050405020304" pitchFamily="18" charset="0"/>
+                <a:cs typeface="Times New Roman" panose="02020603050405020304" pitchFamily="18" charset="0"/>
+              </a:rPr>
+              <a:t>має</a:t>
+            </a:r>
+            <a:r>
+              <a:rPr lang="ru-RU" sz="1800" dirty="0">
+                <a:latin typeface="Times New Roman" panose="02020603050405020304" pitchFamily="18" charset="0"/>
+                <a:cs typeface="Times New Roman" panose="02020603050405020304" pitchFamily="18" charset="0"/>
+              </a:rPr>
+              <a:t> </a:t>
+            </a:r>
+            <a:r>
+              <a:rPr lang="ru-RU" sz="1800" dirty="0" err="1">
+                <a:latin typeface="Times New Roman" panose="02020603050405020304" pitchFamily="18" charset="0"/>
+                <a:cs typeface="Times New Roman" panose="02020603050405020304" pitchFamily="18" charset="0"/>
+              </a:rPr>
+              <a:t>сучасний</a:t>
+            </a:r>
+            <a:r>
+              <a:rPr lang="ru-RU" sz="1800" dirty="0">
+                <a:latin typeface="Times New Roman" panose="02020603050405020304" pitchFamily="18" charset="0"/>
+                <a:cs typeface="Times New Roman" panose="02020603050405020304" pitchFamily="18" charset="0"/>
+              </a:rPr>
+              <a:t> і </a:t>
+            </a:r>
+            <a:r>
+              <a:rPr lang="ru-RU" sz="1800" dirty="0" err="1">
+                <a:latin typeface="Times New Roman" panose="02020603050405020304" pitchFamily="18" charset="0"/>
+                <a:cs typeface="Times New Roman" panose="02020603050405020304" pitchFamily="18" charset="0"/>
+              </a:rPr>
+              <a:t>мінімалістичний</a:t>
+            </a:r>
+            <a:r>
+              <a:rPr lang="ru-RU" sz="1800" dirty="0">
+                <a:latin typeface="Times New Roman" panose="02020603050405020304" pitchFamily="18" charset="0"/>
+                <a:cs typeface="Times New Roman" panose="02020603050405020304" pitchFamily="18" charset="0"/>
+              </a:rPr>
+              <a:t> </a:t>
+            </a:r>
+            <a:r>
+              <a:rPr lang="ru-RU" sz="1800" dirty="0" err="1">
+                <a:latin typeface="Times New Roman" panose="02020603050405020304" pitchFamily="18" charset="0"/>
+                <a:cs typeface="Times New Roman" panose="02020603050405020304" pitchFamily="18" charset="0"/>
+              </a:rPr>
+              <a:t>інтерфейс</a:t>
+            </a:r>
+            <a:r>
+              <a:rPr lang="ru-RU" sz="1800" dirty="0">
+                <a:latin typeface="Times New Roman" panose="02020603050405020304" pitchFamily="18" charset="0"/>
+                <a:cs typeface="Times New Roman" panose="02020603050405020304" pitchFamily="18" charset="0"/>
+              </a:rPr>
+              <a:t>, </a:t>
+            </a:r>
+            <a:r>
+              <a:rPr lang="ru-RU" sz="1800" dirty="0" err="1">
+                <a:latin typeface="Times New Roman" panose="02020603050405020304" pitchFamily="18" charset="0"/>
+                <a:cs typeface="Times New Roman" panose="02020603050405020304" pitchFamily="18" charset="0"/>
+              </a:rPr>
+              <a:t>орієнтований</a:t>
+            </a:r>
+            <a:r>
+              <a:rPr lang="ru-RU" sz="1800" dirty="0">
+                <a:latin typeface="Times New Roman" panose="02020603050405020304" pitchFamily="18" charset="0"/>
+                <a:cs typeface="Times New Roman" panose="02020603050405020304" pitchFamily="18" charset="0"/>
+              </a:rPr>
+              <a:t> на </a:t>
+            </a:r>
+            <a:r>
+              <a:rPr lang="ru-RU" sz="1800" dirty="0" err="1">
+                <a:latin typeface="Times New Roman" panose="02020603050405020304" pitchFamily="18" charset="0"/>
+                <a:cs typeface="Times New Roman" panose="02020603050405020304" pitchFamily="18" charset="0"/>
+              </a:rPr>
+              <a:t>продуктивність</a:t>
+            </a:r>
+            <a:r>
+              <a:rPr lang="ru-RU" sz="1800" dirty="0">
+                <a:latin typeface="Times New Roman" panose="02020603050405020304" pitchFamily="18" charset="0"/>
+                <a:cs typeface="Times New Roman" panose="02020603050405020304" pitchFamily="18" charset="0"/>
+              </a:rPr>
+              <a:t>, з великими </a:t>
+            </a:r>
+            <a:r>
+              <a:rPr lang="ru-RU" sz="1800" dirty="0" err="1">
+                <a:latin typeface="Times New Roman" panose="02020603050405020304" pitchFamily="18" charset="0"/>
+                <a:cs typeface="Times New Roman" panose="02020603050405020304" pitchFamily="18" charset="0"/>
+              </a:rPr>
+              <a:t>елементами</a:t>
+            </a:r>
+            <a:r>
+              <a:rPr lang="ru-RU" sz="1800" dirty="0">
+                <a:latin typeface="Times New Roman" panose="02020603050405020304" pitchFamily="18" charset="0"/>
+                <a:cs typeface="Times New Roman" panose="02020603050405020304" pitchFamily="18" charset="0"/>
+              </a:rPr>
+              <a:t>, </a:t>
+            </a:r>
+            <a:r>
+              <a:rPr lang="ru-RU" sz="1800" dirty="0" err="1">
+                <a:latin typeface="Times New Roman" panose="02020603050405020304" pitchFamily="18" charset="0"/>
+                <a:cs typeface="Times New Roman" panose="02020603050405020304" pitchFamily="18" charset="0"/>
+              </a:rPr>
+              <a:t>що</a:t>
+            </a:r>
+            <a:r>
+              <a:rPr lang="ru-RU" sz="1800" dirty="0">
+                <a:latin typeface="Times New Roman" panose="02020603050405020304" pitchFamily="18" charset="0"/>
+                <a:cs typeface="Times New Roman" panose="02020603050405020304" pitchFamily="18" charset="0"/>
+              </a:rPr>
+              <a:t> </a:t>
+            </a:r>
+            <a:r>
+              <a:rPr lang="ru-RU" sz="1800" dirty="0" err="1">
+                <a:latin typeface="Times New Roman" panose="02020603050405020304" pitchFamily="18" charset="0"/>
+                <a:cs typeface="Times New Roman" panose="02020603050405020304" pitchFamily="18" charset="0"/>
+              </a:rPr>
+              <a:t>зручні</a:t>
+            </a:r>
+            <a:r>
+              <a:rPr lang="ru-RU" sz="1800" dirty="0">
+                <a:latin typeface="Times New Roman" panose="02020603050405020304" pitchFamily="18" charset="0"/>
+                <a:cs typeface="Times New Roman" panose="02020603050405020304" pitchFamily="18" charset="0"/>
+              </a:rPr>
+              <a:t> для </a:t>
+            </a:r>
+            <a:r>
+              <a:rPr lang="ru-RU" sz="1800" dirty="0" err="1">
+                <a:latin typeface="Times New Roman" panose="02020603050405020304" pitchFamily="18" charset="0"/>
+                <a:cs typeface="Times New Roman" panose="02020603050405020304" pitchFamily="18" charset="0"/>
+              </a:rPr>
+              <a:t>сенсорних</a:t>
+            </a:r>
+            <a:r>
+              <a:rPr lang="ru-RU" sz="1800" dirty="0">
+                <a:latin typeface="Times New Roman" panose="02020603050405020304" pitchFamily="18" charset="0"/>
+                <a:cs typeface="Times New Roman" panose="02020603050405020304" pitchFamily="18" charset="0"/>
+              </a:rPr>
+              <a:t> </a:t>
+            </a:r>
+            <a:r>
+              <a:rPr lang="ru-RU" sz="1800" dirty="0" err="1">
+                <a:latin typeface="Times New Roman" panose="02020603050405020304" pitchFamily="18" charset="0"/>
+                <a:cs typeface="Times New Roman" panose="02020603050405020304" pitchFamily="18" charset="0"/>
+              </a:rPr>
+              <a:t>екранів</a:t>
+            </a:r>
+            <a:r>
+              <a:rPr lang="ru-RU" sz="1800" dirty="0">
+                <a:latin typeface="Times New Roman" panose="02020603050405020304" pitchFamily="18" charset="0"/>
+                <a:cs typeface="Times New Roman" panose="02020603050405020304" pitchFamily="18" charset="0"/>
+              </a:rPr>
+              <a:t>, але </a:t>
+            </a:r>
+            <a:r>
+              <a:rPr lang="ru-RU" sz="1800" dirty="0" err="1">
+                <a:latin typeface="Times New Roman" panose="02020603050405020304" pitchFamily="18" charset="0"/>
+                <a:cs typeface="Times New Roman" panose="02020603050405020304" pitchFamily="18" charset="0"/>
+              </a:rPr>
+              <a:t>він</a:t>
+            </a:r>
+            <a:r>
+              <a:rPr lang="ru-RU" sz="1800" dirty="0">
+                <a:latin typeface="Times New Roman" panose="02020603050405020304" pitchFamily="18" charset="0"/>
+                <a:cs typeface="Times New Roman" panose="02020603050405020304" pitchFamily="18" charset="0"/>
+              </a:rPr>
+              <a:t> </a:t>
+            </a:r>
+            <a:r>
+              <a:rPr lang="ru-RU" sz="1800" dirty="0" err="1">
+                <a:latin typeface="Times New Roman" panose="02020603050405020304" pitchFamily="18" charset="0"/>
+                <a:cs typeface="Times New Roman" panose="02020603050405020304" pitchFamily="18" charset="0"/>
+              </a:rPr>
+              <a:t>потребує</a:t>
+            </a:r>
+            <a:r>
+              <a:rPr lang="ru-RU" sz="1800" dirty="0">
+                <a:latin typeface="Times New Roman" panose="02020603050405020304" pitchFamily="18" charset="0"/>
+                <a:cs typeface="Times New Roman" panose="02020603050405020304" pitchFamily="18" charset="0"/>
+              </a:rPr>
+              <a:t> </a:t>
+            </a:r>
+            <a:r>
+              <a:rPr lang="ru-RU" sz="1800" dirty="0" err="1">
+                <a:latin typeface="Times New Roman" panose="02020603050405020304" pitchFamily="18" charset="0"/>
+                <a:cs typeface="Times New Roman" panose="02020603050405020304" pitchFamily="18" charset="0"/>
+              </a:rPr>
+              <a:t>більше</a:t>
+            </a:r>
+            <a:r>
+              <a:rPr lang="ru-RU" sz="1800" dirty="0">
+                <a:latin typeface="Times New Roman" panose="02020603050405020304" pitchFamily="18" charset="0"/>
+                <a:cs typeface="Times New Roman" panose="02020603050405020304" pitchFamily="18" charset="0"/>
+              </a:rPr>
+              <a:t> </a:t>
+            </a:r>
+            <a:r>
+              <a:rPr lang="ru-RU" sz="1800" dirty="0" err="1">
+                <a:latin typeface="Times New Roman" panose="02020603050405020304" pitchFamily="18" charset="0"/>
+                <a:cs typeface="Times New Roman" panose="02020603050405020304" pitchFamily="18" charset="0"/>
+              </a:rPr>
+              <a:t>ресурсів</a:t>
+            </a:r>
+            <a:r>
+              <a:rPr lang="ru-RU" sz="1800" dirty="0">
+                <a:latin typeface="Times New Roman" panose="02020603050405020304" pitchFamily="18" charset="0"/>
+                <a:cs typeface="Times New Roman" panose="02020603050405020304" pitchFamily="18" charset="0"/>
+              </a:rPr>
+              <a:t>, як-от </a:t>
+            </a:r>
+            <a:r>
+              <a:rPr lang="ru-RU" sz="1800" dirty="0" err="1">
+                <a:latin typeface="Times New Roman" panose="02020603050405020304" pitchFamily="18" charset="0"/>
+                <a:cs typeface="Times New Roman" panose="02020603050405020304" pitchFamily="18" charset="0"/>
+              </a:rPr>
+              <a:t>оперативної</a:t>
+            </a:r>
+            <a:r>
+              <a:rPr lang="ru-RU" sz="1800" dirty="0">
+                <a:latin typeface="Times New Roman" panose="02020603050405020304" pitchFamily="18" charset="0"/>
+                <a:cs typeface="Times New Roman" panose="02020603050405020304" pitchFamily="18" charset="0"/>
+              </a:rPr>
+              <a:t> </a:t>
+            </a:r>
+            <a:r>
+              <a:rPr lang="ru-RU" sz="1800" dirty="0" err="1">
+                <a:latin typeface="Times New Roman" panose="02020603050405020304" pitchFamily="18" charset="0"/>
+                <a:cs typeface="Times New Roman" panose="02020603050405020304" pitchFamily="18" charset="0"/>
+              </a:rPr>
+              <a:t>пам'яті</a:t>
+            </a:r>
+            <a:r>
+              <a:rPr lang="ru-RU" sz="1800" dirty="0">
+                <a:latin typeface="Times New Roman" panose="02020603050405020304" pitchFamily="18" charset="0"/>
+                <a:cs typeface="Times New Roman" panose="02020603050405020304" pitchFamily="18" charset="0"/>
+              </a:rPr>
+              <a:t> та </a:t>
+            </a:r>
+            <a:r>
+              <a:rPr lang="ru-RU" sz="1800" dirty="0" err="1">
+                <a:latin typeface="Times New Roman" panose="02020603050405020304" pitchFamily="18" charset="0"/>
+                <a:cs typeface="Times New Roman" panose="02020603050405020304" pitchFamily="18" charset="0"/>
+              </a:rPr>
+              <a:t>процесорної</a:t>
+            </a:r>
+            <a:r>
+              <a:rPr lang="ru-RU" sz="1800" dirty="0">
+                <a:latin typeface="Times New Roman" panose="02020603050405020304" pitchFamily="18" charset="0"/>
+                <a:cs typeface="Times New Roman" panose="02020603050405020304" pitchFamily="18" charset="0"/>
+              </a:rPr>
+              <a:t> </a:t>
+            </a:r>
+            <a:r>
+              <a:rPr lang="ru-RU" sz="1800" dirty="0" err="1">
+                <a:latin typeface="Times New Roman" panose="02020603050405020304" pitchFamily="18" charset="0"/>
+                <a:cs typeface="Times New Roman" panose="02020603050405020304" pitchFamily="18" charset="0"/>
+              </a:rPr>
+              <a:t>потужності</a:t>
+            </a:r>
+            <a:r>
+              <a:rPr lang="ru-RU" sz="1800" dirty="0">
+                <a:latin typeface="Times New Roman" panose="02020603050405020304" pitchFamily="18" charset="0"/>
+                <a:cs typeface="Times New Roman" panose="02020603050405020304" pitchFamily="18" charset="0"/>
+              </a:rPr>
+              <a:t>. </a:t>
+            </a:r>
+            <a:r>
+              <a:rPr lang="ru-RU" sz="1800" dirty="0" err="1">
+                <a:latin typeface="Times New Roman" panose="02020603050405020304" pitchFamily="18" charset="0"/>
+                <a:cs typeface="Times New Roman" panose="02020603050405020304" pitchFamily="18" charset="0"/>
+              </a:rPr>
+              <a:t>Функціональність</a:t>
+            </a:r>
+            <a:r>
+              <a:rPr lang="ru-RU" sz="1800" dirty="0">
+                <a:latin typeface="Times New Roman" panose="02020603050405020304" pitchFamily="18" charset="0"/>
+                <a:cs typeface="Times New Roman" panose="02020603050405020304" pitchFamily="18" charset="0"/>
+              </a:rPr>
+              <a:t> GNOME </a:t>
+            </a:r>
+            <a:r>
+              <a:rPr lang="ru-RU" sz="1800" dirty="0" err="1">
+                <a:latin typeface="Times New Roman" panose="02020603050405020304" pitchFamily="18" charset="0"/>
+                <a:cs typeface="Times New Roman" panose="02020603050405020304" pitchFamily="18" charset="0"/>
+              </a:rPr>
+              <a:t>більш</a:t>
+            </a:r>
+            <a:r>
+              <a:rPr lang="ru-RU" sz="1800" dirty="0">
+                <a:latin typeface="Times New Roman" panose="02020603050405020304" pitchFamily="18" charset="0"/>
+                <a:cs typeface="Times New Roman" panose="02020603050405020304" pitchFamily="18" charset="0"/>
+              </a:rPr>
+              <a:t> </a:t>
+            </a:r>
+            <a:r>
+              <a:rPr lang="ru-RU" sz="1800" dirty="0" err="1">
+                <a:latin typeface="Times New Roman" panose="02020603050405020304" pitchFamily="18" charset="0"/>
+                <a:cs typeface="Times New Roman" panose="02020603050405020304" pitchFamily="18" charset="0"/>
+              </a:rPr>
+              <a:t>орієнтована</a:t>
+            </a:r>
+            <a:r>
+              <a:rPr lang="ru-RU" sz="1800" dirty="0">
+                <a:latin typeface="Times New Roman" panose="02020603050405020304" pitchFamily="18" charset="0"/>
+                <a:cs typeface="Times New Roman" panose="02020603050405020304" pitchFamily="18" charset="0"/>
+              </a:rPr>
+              <a:t> на </a:t>
+            </a:r>
+            <a:r>
+              <a:rPr lang="ru-RU" sz="1800" dirty="0" err="1">
+                <a:latin typeface="Times New Roman" panose="02020603050405020304" pitchFamily="18" charset="0"/>
+                <a:cs typeface="Times New Roman" panose="02020603050405020304" pitchFamily="18" charset="0"/>
+              </a:rPr>
+              <a:t>спрощений</a:t>
+            </a:r>
+            <a:r>
+              <a:rPr lang="ru-RU" sz="1800" dirty="0">
+                <a:latin typeface="Times New Roman" panose="02020603050405020304" pitchFamily="18" charset="0"/>
+                <a:cs typeface="Times New Roman" panose="02020603050405020304" pitchFamily="18" charset="0"/>
+              </a:rPr>
+              <a:t> доступ через </a:t>
+            </a:r>
+            <a:r>
+              <a:rPr lang="ru-RU" sz="1800" dirty="0" err="1">
+                <a:latin typeface="Times New Roman" panose="02020603050405020304" pitchFamily="18" charset="0"/>
+                <a:cs typeface="Times New Roman" panose="02020603050405020304" pitchFamily="18" charset="0"/>
+              </a:rPr>
+              <a:t>пошук</a:t>
+            </a:r>
+            <a:r>
+              <a:rPr lang="ru-RU" sz="1800" dirty="0">
+                <a:latin typeface="Times New Roman" panose="02020603050405020304" pitchFamily="18" charset="0"/>
+                <a:cs typeface="Times New Roman" panose="02020603050405020304" pitchFamily="18" charset="0"/>
+              </a:rPr>
+              <a:t> і </a:t>
+            </a:r>
+            <a:r>
+              <a:rPr lang="ru-RU" sz="1800" dirty="0" err="1">
+                <a:latin typeface="Times New Roman" panose="02020603050405020304" pitchFamily="18" charset="0"/>
+                <a:cs typeface="Times New Roman" panose="02020603050405020304" pitchFamily="18" charset="0"/>
+              </a:rPr>
+              <a:t>активні</a:t>
+            </a:r>
+            <a:r>
+              <a:rPr lang="ru-RU" sz="1800" dirty="0">
+                <a:latin typeface="Times New Roman" panose="02020603050405020304" pitchFamily="18" charset="0"/>
+                <a:cs typeface="Times New Roman" panose="02020603050405020304" pitchFamily="18" charset="0"/>
+              </a:rPr>
+              <a:t> </a:t>
+            </a:r>
+            <a:r>
+              <a:rPr lang="ru-RU" sz="1800" dirty="0" err="1">
+                <a:latin typeface="Times New Roman" panose="02020603050405020304" pitchFamily="18" charset="0"/>
+                <a:cs typeface="Times New Roman" panose="02020603050405020304" pitchFamily="18" charset="0"/>
+              </a:rPr>
+              <a:t>робочі</a:t>
+            </a:r>
+            <a:r>
+              <a:rPr lang="ru-RU" sz="1800" dirty="0">
+                <a:latin typeface="Times New Roman" panose="02020603050405020304" pitchFamily="18" charset="0"/>
+                <a:cs typeface="Times New Roman" panose="02020603050405020304" pitchFamily="18" charset="0"/>
+              </a:rPr>
+              <a:t> </a:t>
+            </a:r>
+            <a:r>
+              <a:rPr lang="ru-RU" sz="1800" dirty="0" err="1" smtClean="0">
+                <a:latin typeface="Times New Roman" panose="02020603050405020304" pitchFamily="18" charset="0"/>
+                <a:cs typeface="Times New Roman" panose="02020603050405020304" pitchFamily="18" charset="0"/>
+              </a:rPr>
+              <a:t>простори</a:t>
+            </a:r>
+            <a:r>
+              <a:rPr lang="ru-RU" sz="1800" dirty="0">
+                <a:latin typeface="Times New Roman" panose="02020603050405020304" pitchFamily="18" charset="0"/>
+                <a:cs typeface="Times New Roman" panose="02020603050405020304" pitchFamily="18" charset="0"/>
+              </a:rPr>
+              <a:t>, </a:t>
+            </a:r>
+            <a:r>
+              <a:rPr lang="ru-RU" sz="1800" dirty="0" err="1">
+                <a:latin typeface="Times New Roman" panose="02020603050405020304" pitchFamily="18" charset="0"/>
+                <a:cs typeface="Times New Roman" panose="02020603050405020304" pitchFamily="18" charset="0"/>
+              </a:rPr>
+              <a:t>пропонує</a:t>
+            </a:r>
+            <a:r>
+              <a:rPr lang="ru-RU" sz="1800" dirty="0">
+                <a:latin typeface="Times New Roman" panose="02020603050405020304" pitchFamily="18" charset="0"/>
+                <a:cs typeface="Times New Roman" panose="02020603050405020304" pitchFamily="18" charset="0"/>
+              </a:rPr>
+              <a:t> </a:t>
+            </a:r>
+            <a:r>
+              <a:rPr lang="ru-RU" sz="1800" dirty="0" err="1">
+                <a:latin typeface="Times New Roman" panose="02020603050405020304" pitchFamily="18" charset="0"/>
+                <a:cs typeface="Times New Roman" panose="02020603050405020304" pitchFamily="18" charset="0"/>
+              </a:rPr>
+              <a:t>багато</a:t>
+            </a:r>
+            <a:r>
+              <a:rPr lang="ru-RU" sz="1800" dirty="0">
+                <a:latin typeface="Times New Roman" panose="02020603050405020304" pitchFamily="18" charset="0"/>
+                <a:cs typeface="Times New Roman" panose="02020603050405020304" pitchFamily="18" charset="0"/>
+              </a:rPr>
+              <a:t> </a:t>
+            </a:r>
+            <a:r>
+              <a:rPr lang="ru-RU" sz="1800" dirty="0" err="1">
+                <a:latin typeface="Times New Roman" panose="02020603050405020304" pitchFamily="18" charset="0"/>
+                <a:cs typeface="Times New Roman" panose="02020603050405020304" pitchFamily="18" charset="0"/>
+              </a:rPr>
+              <a:t>сучасних</a:t>
+            </a:r>
+            <a:r>
+              <a:rPr lang="ru-RU" sz="1800" dirty="0">
+                <a:latin typeface="Times New Roman" panose="02020603050405020304" pitchFamily="18" charset="0"/>
+                <a:cs typeface="Times New Roman" panose="02020603050405020304" pitchFamily="18" charset="0"/>
+              </a:rPr>
+              <a:t> </a:t>
+            </a:r>
+            <a:r>
+              <a:rPr lang="ru-RU" sz="1800" dirty="0" err="1">
+                <a:latin typeface="Times New Roman" panose="02020603050405020304" pitchFamily="18" charset="0"/>
+                <a:cs typeface="Times New Roman" panose="02020603050405020304" pitchFamily="18" charset="0"/>
+              </a:rPr>
+              <a:t>інтеграцій</a:t>
+            </a:r>
+            <a:r>
+              <a:rPr lang="ru-RU" sz="1800" dirty="0">
+                <a:latin typeface="Times New Roman" panose="02020603050405020304" pitchFamily="18" charset="0"/>
+                <a:cs typeface="Times New Roman" panose="02020603050405020304" pitchFamily="18" charset="0"/>
+              </a:rPr>
+              <a:t> і </a:t>
+            </a:r>
+            <a:r>
+              <a:rPr lang="ru-RU" sz="1800" dirty="0" err="1">
+                <a:latin typeface="Times New Roman" panose="02020603050405020304" pitchFamily="18" charset="0"/>
+                <a:cs typeface="Times New Roman" panose="02020603050405020304" pitchFamily="18" charset="0"/>
+              </a:rPr>
+              <a:t>розширень</a:t>
+            </a:r>
+            <a:r>
+              <a:rPr lang="ru-RU" sz="1800" dirty="0">
+                <a:latin typeface="Times New Roman" panose="02020603050405020304" pitchFamily="18" charset="0"/>
+                <a:cs typeface="Times New Roman" panose="02020603050405020304" pitchFamily="18" charset="0"/>
+              </a:rPr>
+              <a:t>, але не </a:t>
+            </a:r>
+            <a:r>
+              <a:rPr lang="ru-RU" sz="1800" dirty="0" err="1">
+                <a:latin typeface="Times New Roman" panose="02020603050405020304" pitchFamily="18" charset="0"/>
+                <a:cs typeface="Times New Roman" panose="02020603050405020304" pitchFamily="18" charset="0"/>
+              </a:rPr>
+              <a:t>завжди</a:t>
+            </a:r>
+            <a:r>
+              <a:rPr lang="ru-RU" sz="1800" dirty="0">
+                <a:latin typeface="Times New Roman" panose="02020603050405020304" pitchFamily="18" charset="0"/>
+                <a:cs typeface="Times New Roman" panose="02020603050405020304" pitchFamily="18" charset="0"/>
+              </a:rPr>
+              <a:t> </a:t>
+            </a:r>
+            <a:r>
+              <a:rPr lang="ru-RU" sz="1800" dirty="0" err="1">
+                <a:latin typeface="Times New Roman" panose="02020603050405020304" pitchFamily="18" charset="0"/>
+                <a:cs typeface="Times New Roman" panose="02020603050405020304" pitchFamily="18" charset="0"/>
+              </a:rPr>
+              <a:t>такі</a:t>
+            </a:r>
+            <a:r>
+              <a:rPr lang="ru-RU" sz="1800" dirty="0">
+                <a:latin typeface="Times New Roman" panose="02020603050405020304" pitchFamily="18" charset="0"/>
+                <a:cs typeface="Times New Roman" panose="02020603050405020304" pitchFamily="18" charset="0"/>
+              </a:rPr>
+              <a:t> </a:t>
+            </a:r>
+            <a:r>
+              <a:rPr lang="ru-RU" sz="1800" dirty="0" err="1" smtClean="0">
+                <a:latin typeface="Times New Roman" panose="02020603050405020304" pitchFamily="18" charset="0"/>
+                <a:cs typeface="Times New Roman" panose="02020603050405020304" pitchFamily="18" charset="0"/>
+              </a:rPr>
+              <a:t>гнучкі</a:t>
+            </a:r>
+            <a:r>
+              <a:rPr lang="ru-RU" sz="1800" dirty="0" smtClean="0">
+                <a:latin typeface="Times New Roman" panose="02020603050405020304" pitchFamily="18" charset="0"/>
+                <a:cs typeface="Times New Roman" panose="02020603050405020304" pitchFamily="18" charset="0"/>
+              </a:rPr>
+              <a:t>.</a:t>
+            </a:r>
+          </a:p>
+          <a:p>
+            <a:pPr marL="0" indent="0">
+              <a:buNone/>
+            </a:pPr>
+            <a:r>
+              <a:rPr lang="en-US" sz="1800" dirty="0" smtClean="0">
+                <a:latin typeface="Times New Roman" panose="02020603050405020304" pitchFamily="18" charset="0"/>
+                <a:cs typeface="Times New Roman" panose="02020603050405020304" pitchFamily="18" charset="0"/>
+              </a:rPr>
+              <a:t>XFC</a:t>
+            </a:r>
+            <a:r>
+              <a:rPr lang="uk-UA" sz="1800" dirty="0" smtClean="0">
+                <a:latin typeface="Times New Roman" panose="02020603050405020304" pitchFamily="18" charset="0"/>
+                <a:cs typeface="Times New Roman" panose="02020603050405020304" pitchFamily="18" charset="0"/>
+              </a:rPr>
+              <a:t>Е - </a:t>
+            </a:r>
+            <a:r>
+              <a:rPr lang="ru-RU" sz="1800" dirty="0" err="1" smtClean="0">
+                <a:latin typeface="Times New Roman" panose="02020603050405020304" pitchFamily="18" charset="0"/>
+                <a:cs typeface="Times New Roman" panose="02020603050405020304" pitchFamily="18" charset="0"/>
+              </a:rPr>
+              <a:t>класичний</a:t>
+            </a:r>
+            <a:r>
+              <a:rPr lang="ru-RU" sz="1800" dirty="0" smtClean="0">
+                <a:latin typeface="Times New Roman" panose="02020603050405020304" pitchFamily="18" charset="0"/>
+                <a:cs typeface="Times New Roman" panose="02020603050405020304" pitchFamily="18" charset="0"/>
+              </a:rPr>
+              <a:t> </a:t>
+            </a:r>
+            <a:r>
+              <a:rPr lang="ru-RU" sz="1800" dirty="0" err="1">
+                <a:latin typeface="Times New Roman" panose="02020603050405020304" pitchFamily="18" charset="0"/>
+                <a:cs typeface="Times New Roman" panose="02020603050405020304" pitchFamily="18" charset="0"/>
+              </a:rPr>
+              <a:t>робочий</a:t>
+            </a:r>
+            <a:r>
+              <a:rPr lang="ru-RU" sz="1800" dirty="0">
+                <a:latin typeface="Times New Roman" panose="02020603050405020304" pitchFamily="18" charset="0"/>
+                <a:cs typeface="Times New Roman" panose="02020603050405020304" pitchFamily="18" charset="0"/>
+              </a:rPr>
+              <a:t> </a:t>
+            </a:r>
+            <a:r>
+              <a:rPr lang="ru-RU" sz="1800" dirty="0" err="1">
+                <a:latin typeface="Times New Roman" panose="02020603050405020304" pitchFamily="18" charset="0"/>
+                <a:cs typeface="Times New Roman" panose="02020603050405020304" pitchFamily="18" charset="0"/>
+              </a:rPr>
+              <a:t>стіл</a:t>
+            </a:r>
+            <a:r>
+              <a:rPr lang="ru-RU" sz="1800" dirty="0">
+                <a:latin typeface="Times New Roman" panose="02020603050405020304" pitchFamily="18" charset="0"/>
+                <a:cs typeface="Times New Roman" panose="02020603050405020304" pitchFamily="18" charset="0"/>
+              </a:rPr>
+              <a:t> </a:t>
+            </a:r>
+            <a:r>
+              <a:rPr lang="ru-RU" sz="1800" dirty="0" err="1">
+                <a:latin typeface="Times New Roman" panose="02020603050405020304" pitchFamily="18" charset="0"/>
+                <a:cs typeface="Times New Roman" panose="02020603050405020304" pitchFamily="18" charset="0"/>
+              </a:rPr>
+              <a:t>із</a:t>
+            </a:r>
+            <a:r>
+              <a:rPr lang="ru-RU" sz="1800" dirty="0">
+                <a:latin typeface="Times New Roman" panose="02020603050405020304" pitchFamily="18" charset="0"/>
+                <a:cs typeface="Times New Roman" panose="02020603050405020304" pitchFamily="18" charset="0"/>
+              </a:rPr>
+              <a:t> простим </a:t>
+            </a:r>
+            <a:r>
+              <a:rPr lang="ru-RU" sz="1800" dirty="0" err="1">
+                <a:latin typeface="Times New Roman" panose="02020603050405020304" pitchFamily="18" charset="0"/>
+                <a:cs typeface="Times New Roman" panose="02020603050405020304" pitchFamily="18" charset="0"/>
+              </a:rPr>
+              <a:t>інтерфейсом</a:t>
+            </a:r>
+            <a:r>
+              <a:rPr lang="ru-RU" sz="1800" dirty="0">
+                <a:latin typeface="Times New Roman" panose="02020603050405020304" pitchFamily="18" charset="0"/>
+                <a:cs typeface="Times New Roman" panose="02020603050405020304" pitchFamily="18" charset="0"/>
+              </a:rPr>
+              <a:t>, </a:t>
+            </a:r>
+            <a:r>
+              <a:rPr lang="ru-RU" sz="1800" dirty="0" err="1">
+                <a:latin typeface="Times New Roman" panose="02020603050405020304" pitchFamily="18" charset="0"/>
+                <a:cs typeface="Times New Roman" panose="02020603050405020304" pitchFamily="18" charset="0"/>
+              </a:rPr>
+              <a:t>який</a:t>
+            </a:r>
+            <a:r>
+              <a:rPr lang="ru-RU" sz="1800" dirty="0">
+                <a:latin typeface="Times New Roman" panose="02020603050405020304" pitchFamily="18" charset="0"/>
+                <a:cs typeface="Times New Roman" panose="02020603050405020304" pitchFamily="18" charset="0"/>
+              </a:rPr>
+              <a:t> схожий на </a:t>
+            </a:r>
+            <a:r>
+              <a:rPr lang="ru-RU" sz="1800" dirty="0" err="1">
+                <a:latin typeface="Times New Roman" panose="02020603050405020304" pitchFamily="18" charset="0"/>
+                <a:cs typeface="Times New Roman" panose="02020603050405020304" pitchFamily="18" charset="0"/>
+              </a:rPr>
+              <a:t>старі</a:t>
+            </a:r>
+            <a:r>
+              <a:rPr lang="ru-RU" sz="1800" dirty="0">
+                <a:latin typeface="Times New Roman" panose="02020603050405020304" pitchFamily="18" charset="0"/>
+                <a:cs typeface="Times New Roman" panose="02020603050405020304" pitchFamily="18" charset="0"/>
+              </a:rPr>
+              <a:t> </a:t>
+            </a:r>
+            <a:r>
+              <a:rPr lang="ru-RU" sz="1800" dirty="0" err="1">
+                <a:latin typeface="Times New Roman" panose="02020603050405020304" pitchFamily="18" charset="0"/>
+                <a:cs typeface="Times New Roman" panose="02020603050405020304" pitchFamily="18" charset="0"/>
+              </a:rPr>
+              <a:t>версії</a:t>
+            </a:r>
+            <a:r>
+              <a:rPr lang="ru-RU" sz="1800" dirty="0">
+                <a:latin typeface="Times New Roman" panose="02020603050405020304" pitchFamily="18" charset="0"/>
+                <a:cs typeface="Times New Roman" panose="02020603050405020304" pitchFamily="18" charset="0"/>
+              </a:rPr>
+              <a:t> </a:t>
+            </a:r>
+            <a:r>
+              <a:rPr lang="en-US" sz="1800" dirty="0">
+                <a:latin typeface="Times New Roman" panose="02020603050405020304" pitchFamily="18" charset="0"/>
+                <a:cs typeface="Times New Roman" panose="02020603050405020304" pitchFamily="18" charset="0"/>
+              </a:rPr>
+              <a:t>Windows </a:t>
+            </a:r>
+            <a:r>
+              <a:rPr lang="ru-RU" sz="1800" dirty="0" err="1">
+                <a:latin typeface="Times New Roman" panose="02020603050405020304" pitchFamily="18" charset="0"/>
+                <a:cs typeface="Times New Roman" panose="02020603050405020304" pitchFamily="18" charset="0"/>
+              </a:rPr>
+              <a:t>або</a:t>
+            </a:r>
+            <a:r>
+              <a:rPr lang="ru-RU" sz="1800" dirty="0">
+                <a:latin typeface="Times New Roman" panose="02020603050405020304" pitchFamily="18" charset="0"/>
+                <a:cs typeface="Times New Roman" panose="02020603050405020304" pitchFamily="18" charset="0"/>
+              </a:rPr>
+              <a:t> </a:t>
+            </a:r>
+            <a:r>
+              <a:rPr lang="en-US" sz="1800" dirty="0">
+                <a:latin typeface="Times New Roman" panose="02020603050405020304" pitchFamily="18" charset="0"/>
+                <a:cs typeface="Times New Roman" panose="02020603050405020304" pitchFamily="18" charset="0"/>
+              </a:rPr>
+              <a:t>Linux, </a:t>
+            </a:r>
+            <a:r>
+              <a:rPr lang="ru-RU" sz="1800" dirty="0">
+                <a:latin typeface="Times New Roman" panose="02020603050405020304" pitchFamily="18" charset="0"/>
+                <a:cs typeface="Times New Roman" panose="02020603050405020304" pitchFamily="18" charset="0"/>
+              </a:rPr>
+              <a:t>і </a:t>
+            </a:r>
+            <a:r>
+              <a:rPr lang="ru-RU" sz="1800" dirty="0" err="1">
+                <a:latin typeface="Times New Roman" panose="02020603050405020304" pitchFamily="18" charset="0"/>
+                <a:cs typeface="Times New Roman" panose="02020603050405020304" pitchFamily="18" charset="0"/>
+              </a:rPr>
+              <a:t>підходить</a:t>
+            </a:r>
+            <a:r>
+              <a:rPr lang="ru-RU" sz="1800" dirty="0">
+                <a:latin typeface="Times New Roman" panose="02020603050405020304" pitchFamily="18" charset="0"/>
+                <a:cs typeface="Times New Roman" panose="02020603050405020304" pitchFamily="18" charset="0"/>
+              </a:rPr>
+              <a:t> для </a:t>
+            </a:r>
+            <a:r>
+              <a:rPr lang="ru-RU" sz="1800" dirty="0" err="1">
+                <a:latin typeface="Times New Roman" panose="02020603050405020304" pitchFamily="18" charset="0"/>
+                <a:cs typeface="Times New Roman" panose="02020603050405020304" pitchFamily="18" charset="0"/>
+              </a:rPr>
+              <a:t>старих</a:t>
+            </a:r>
+            <a:r>
+              <a:rPr lang="ru-RU" sz="1800" dirty="0">
+                <a:latin typeface="Times New Roman" panose="02020603050405020304" pitchFamily="18" charset="0"/>
+                <a:cs typeface="Times New Roman" panose="02020603050405020304" pitchFamily="18" charset="0"/>
+              </a:rPr>
+              <a:t> </a:t>
+            </a:r>
+            <a:r>
+              <a:rPr lang="ru-RU" sz="1800" dirty="0" err="1">
+                <a:latin typeface="Times New Roman" panose="02020603050405020304" pitchFamily="18" charset="0"/>
+                <a:cs typeface="Times New Roman" panose="02020603050405020304" pitchFamily="18" charset="0"/>
+              </a:rPr>
+              <a:t>або</a:t>
+            </a:r>
+            <a:r>
+              <a:rPr lang="ru-RU" sz="1800" dirty="0">
+                <a:latin typeface="Times New Roman" panose="02020603050405020304" pitchFamily="18" charset="0"/>
+                <a:cs typeface="Times New Roman" panose="02020603050405020304" pitchFamily="18" charset="0"/>
+              </a:rPr>
+              <a:t> </a:t>
+            </a:r>
+            <a:r>
+              <a:rPr lang="ru-RU" sz="1800" dirty="0" err="1">
+                <a:latin typeface="Times New Roman" panose="02020603050405020304" pitchFamily="18" charset="0"/>
+                <a:cs typeface="Times New Roman" panose="02020603050405020304" pitchFamily="18" charset="0"/>
+              </a:rPr>
+              <a:t>слабких</a:t>
+            </a:r>
+            <a:r>
+              <a:rPr lang="ru-RU" sz="1800" dirty="0">
+                <a:latin typeface="Times New Roman" panose="02020603050405020304" pitchFamily="18" charset="0"/>
+                <a:cs typeface="Times New Roman" panose="02020603050405020304" pitchFamily="18" charset="0"/>
+              </a:rPr>
+              <a:t> систем </a:t>
+            </a:r>
+            <a:r>
+              <a:rPr lang="ru-RU" sz="1800" dirty="0" err="1">
+                <a:latin typeface="Times New Roman" panose="02020603050405020304" pitchFamily="18" charset="0"/>
+                <a:cs typeface="Times New Roman" panose="02020603050405020304" pitchFamily="18" charset="0"/>
+              </a:rPr>
+              <a:t>завдяки</a:t>
+            </a:r>
+            <a:r>
+              <a:rPr lang="ru-RU" sz="1800" dirty="0">
+                <a:latin typeface="Times New Roman" panose="02020603050405020304" pitchFamily="18" charset="0"/>
+                <a:cs typeface="Times New Roman" panose="02020603050405020304" pitchFamily="18" charset="0"/>
+              </a:rPr>
+              <a:t> </a:t>
+            </a:r>
+            <a:r>
+              <a:rPr lang="ru-RU" sz="1800" dirty="0" err="1">
+                <a:latin typeface="Times New Roman" panose="02020603050405020304" pitchFamily="18" charset="0"/>
+                <a:cs typeface="Times New Roman" panose="02020603050405020304" pitchFamily="18" charset="0"/>
+              </a:rPr>
+              <a:t>своїй</a:t>
+            </a:r>
+            <a:r>
+              <a:rPr lang="ru-RU" sz="1800" dirty="0">
+                <a:latin typeface="Times New Roman" panose="02020603050405020304" pitchFamily="18" charset="0"/>
+                <a:cs typeface="Times New Roman" panose="02020603050405020304" pitchFamily="18" charset="0"/>
+              </a:rPr>
+              <a:t> </a:t>
+            </a:r>
+            <a:r>
+              <a:rPr lang="ru-RU" sz="1800" dirty="0" err="1">
+                <a:latin typeface="Times New Roman" panose="02020603050405020304" pitchFamily="18" charset="0"/>
+                <a:cs typeface="Times New Roman" panose="02020603050405020304" pitchFamily="18" charset="0"/>
+              </a:rPr>
+              <a:t>легкості</a:t>
+            </a:r>
+            <a:r>
+              <a:rPr lang="ru-RU" sz="1800" dirty="0">
+                <a:latin typeface="Times New Roman" panose="02020603050405020304" pitchFamily="18" charset="0"/>
+                <a:cs typeface="Times New Roman" panose="02020603050405020304" pitchFamily="18" charset="0"/>
+              </a:rPr>
+              <a:t> й </a:t>
+            </a:r>
+            <a:r>
+              <a:rPr lang="ru-RU" sz="1800" dirty="0" err="1">
+                <a:latin typeface="Times New Roman" panose="02020603050405020304" pitchFamily="18" charset="0"/>
+                <a:cs typeface="Times New Roman" panose="02020603050405020304" pitchFamily="18" charset="0"/>
+              </a:rPr>
+              <a:t>меншому</a:t>
+            </a:r>
+            <a:r>
+              <a:rPr lang="ru-RU" sz="1800" dirty="0">
+                <a:latin typeface="Times New Roman" panose="02020603050405020304" pitchFamily="18" charset="0"/>
+                <a:cs typeface="Times New Roman" panose="02020603050405020304" pitchFamily="18" charset="0"/>
+              </a:rPr>
+              <a:t> </a:t>
+            </a:r>
+            <a:r>
+              <a:rPr lang="ru-RU" sz="1800" dirty="0" err="1">
+                <a:latin typeface="Times New Roman" panose="02020603050405020304" pitchFamily="18" charset="0"/>
+                <a:cs typeface="Times New Roman" panose="02020603050405020304" pitchFamily="18" charset="0"/>
+              </a:rPr>
+              <a:t>використанню</a:t>
+            </a:r>
+            <a:r>
+              <a:rPr lang="ru-RU" sz="1800" dirty="0">
+                <a:latin typeface="Times New Roman" panose="02020603050405020304" pitchFamily="18" charset="0"/>
+                <a:cs typeface="Times New Roman" panose="02020603050405020304" pitchFamily="18" charset="0"/>
+              </a:rPr>
+              <a:t> </a:t>
+            </a:r>
+            <a:r>
+              <a:rPr lang="ru-RU" sz="1800" dirty="0" err="1">
+                <a:latin typeface="Times New Roman" panose="02020603050405020304" pitchFamily="18" charset="0"/>
+                <a:cs typeface="Times New Roman" panose="02020603050405020304" pitchFamily="18" charset="0"/>
+              </a:rPr>
+              <a:t>ресурсів</a:t>
+            </a:r>
+            <a:r>
+              <a:rPr lang="ru-RU" sz="1800" dirty="0">
+                <a:latin typeface="Times New Roman" panose="02020603050405020304" pitchFamily="18" charset="0"/>
+                <a:cs typeface="Times New Roman" panose="02020603050405020304" pitchFamily="18" charset="0"/>
+              </a:rPr>
+              <a:t>. </a:t>
+            </a:r>
+            <a:r>
+              <a:rPr lang="ru-RU" sz="1800" dirty="0" err="1" smtClean="0">
+                <a:latin typeface="Times New Roman" panose="02020603050405020304" pitchFamily="18" charset="0"/>
+                <a:cs typeface="Times New Roman" panose="02020603050405020304" pitchFamily="18" charset="0"/>
+              </a:rPr>
+              <a:t>Більше</a:t>
+            </a:r>
+            <a:r>
+              <a:rPr lang="ru-RU" sz="1800" dirty="0" smtClean="0">
+                <a:latin typeface="Times New Roman" panose="02020603050405020304" pitchFamily="18" charset="0"/>
+                <a:cs typeface="Times New Roman" panose="02020603050405020304" pitchFamily="18" charset="0"/>
+              </a:rPr>
+              <a:t> </a:t>
+            </a:r>
+            <a:r>
+              <a:rPr lang="ru-RU" sz="1800" dirty="0" err="1" smtClean="0">
+                <a:latin typeface="Times New Roman" panose="02020603050405020304" pitchFamily="18" charset="0"/>
+                <a:cs typeface="Times New Roman" panose="02020603050405020304" pitchFamily="18" charset="0"/>
+              </a:rPr>
+              <a:t>можливостей</a:t>
+            </a:r>
+            <a:r>
+              <a:rPr lang="ru-RU" sz="1800" dirty="0" smtClean="0">
+                <a:latin typeface="Times New Roman" panose="02020603050405020304" pitchFamily="18" charset="0"/>
+                <a:cs typeface="Times New Roman" panose="02020603050405020304" pitchFamily="18" charset="0"/>
+              </a:rPr>
+              <a:t> </a:t>
+            </a:r>
+            <a:r>
+              <a:rPr lang="ru-RU" sz="1800" dirty="0" err="1" smtClean="0">
+                <a:latin typeface="Times New Roman" panose="02020603050405020304" pitchFamily="18" charset="0"/>
+                <a:cs typeface="Times New Roman" panose="02020603050405020304" pitchFamily="18" charset="0"/>
+              </a:rPr>
+              <a:t>налаштування</a:t>
+            </a:r>
+            <a:r>
+              <a:rPr lang="ru-RU" sz="1800" dirty="0" smtClean="0">
+                <a:latin typeface="Times New Roman" panose="02020603050405020304" pitchFamily="18" charset="0"/>
+                <a:cs typeface="Times New Roman" panose="02020603050405020304" pitchFamily="18" charset="0"/>
+              </a:rPr>
+              <a:t>, простота </a:t>
+            </a:r>
+            <a:r>
+              <a:rPr lang="ru-RU" sz="1800" dirty="0" err="1" smtClean="0">
+                <a:latin typeface="Times New Roman" panose="02020603050405020304" pitchFamily="18" charset="0"/>
+                <a:cs typeface="Times New Roman" panose="02020603050405020304" pitchFamily="18" charset="0"/>
+              </a:rPr>
+              <a:t>класичного</a:t>
+            </a:r>
+            <a:r>
+              <a:rPr lang="ru-RU" sz="1800" dirty="0" smtClean="0">
+                <a:latin typeface="Times New Roman" panose="02020603050405020304" pitchFamily="18" charset="0"/>
+                <a:cs typeface="Times New Roman" panose="02020603050405020304" pitchFamily="18" charset="0"/>
+              </a:rPr>
+              <a:t> </a:t>
+            </a:r>
+            <a:r>
+              <a:rPr lang="ru-RU" sz="1800" dirty="0">
+                <a:latin typeface="Times New Roman" panose="02020603050405020304" pitchFamily="18" charset="0"/>
+                <a:cs typeface="Times New Roman" panose="02020603050405020304" pitchFamily="18" charset="0"/>
+              </a:rPr>
+              <a:t>меню й </a:t>
+            </a:r>
+            <a:r>
+              <a:rPr lang="ru-RU" sz="1800" dirty="0" err="1" smtClean="0">
+                <a:latin typeface="Times New Roman" panose="02020603050405020304" pitchFamily="18" charset="0"/>
+                <a:cs typeface="Times New Roman" panose="02020603050405020304" pitchFamily="18" charset="0"/>
+              </a:rPr>
+              <a:t>висока</a:t>
+            </a:r>
+            <a:r>
+              <a:rPr lang="ru-RU" sz="1800" dirty="0" smtClean="0">
+                <a:latin typeface="Times New Roman" panose="02020603050405020304" pitchFamily="18" charset="0"/>
+                <a:cs typeface="Times New Roman" panose="02020603050405020304" pitchFamily="18" charset="0"/>
+              </a:rPr>
+              <a:t> </a:t>
+            </a:r>
+            <a:r>
+              <a:rPr lang="ru-RU" sz="1800" dirty="0" err="1" smtClean="0">
+                <a:latin typeface="Times New Roman" panose="02020603050405020304" pitchFamily="18" charset="0"/>
+                <a:cs typeface="Times New Roman" panose="02020603050405020304" pitchFamily="18" charset="0"/>
+              </a:rPr>
+              <a:t>кастомізація</a:t>
+            </a:r>
+            <a:r>
+              <a:rPr lang="ru-RU" sz="1800" dirty="0" smtClean="0">
+                <a:latin typeface="Times New Roman" panose="02020603050405020304" pitchFamily="18" charset="0"/>
+                <a:cs typeface="Times New Roman" panose="02020603050405020304" pitchFamily="18" charset="0"/>
+              </a:rPr>
+              <a:t>.</a:t>
+            </a:r>
+            <a:endParaRPr lang="ru-RU" sz="1800" dirty="0">
+              <a:latin typeface="Times New Roman" panose="02020603050405020304" pitchFamily="18" charset="0"/>
+              <a:cs typeface="Times New Roman" panose="02020603050405020304" pitchFamily="18" charset="0"/>
+            </a:endParaRPr>
+          </a:p>
+        </p:txBody>
+      </p:sp>
+    </p:spTree>
+    <p:extLst>
+      <p:ext uri="{BB962C8B-B14F-4D97-AF65-F5344CB8AC3E}">
+        <p14:creationId xmlns:p14="http://schemas.microsoft.com/office/powerpoint/2010/main" val="2451734949"/>
+      </p:ext>
+    </p:extLst>
+  </p:cSld>
+  <p:clrMapOvr>
+    <a:masterClrMapping/>
+  </p:clrMapOvr>
+</p:sld>
+</file>
+
 <file path=ppt/slides/slide2.xml><?xml version="1.0" encoding="utf-8"?>
 <p:sld xmlns:a="http://schemas.openxmlformats.org/drawingml/2006/main" xmlns:r="http://schemas.openxmlformats.org/officeDocument/2006/relationships" xmlns:p="http://schemas.openxmlformats.org/presentationml/2006/main">
   <p:cSld name="Slide2">
@@ -4306,8 +6641,28 @@
           <a:p>
             <a:pPr lvl="0"/>
             <a:r>
-              <a:rPr lang="ru-RU"/>
-              <a:t>Створення віртуальної машини </a:t>
+              <a:rPr lang="ru-RU" dirty="0" err="1"/>
+              <a:t>Створення</a:t>
+            </a:r>
+            <a:r>
+              <a:rPr lang="ru-RU" dirty="0"/>
+              <a:t> </a:t>
+            </a:r>
+            <a:r>
+              <a:rPr lang="ru-RU" dirty="0" err="1"/>
+              <a:t>віртуальної</a:t>
+            </a:r>
+            <a:r>
+              <a:rPr lang="ru-RU" dirty="0"/>
+              <a:t> </a:t>
+            </a:r>
+            <a:r>
+              <a:rPr lang="ru-RU" dirty="0" err="1"/>
+              <a:t>машини</a:t>
+            </a:r>
+            <a:r>
+              <a:rPr lang="ru-RU" dirty="0"/>
+              <a:t> </a:t>
             </a:r>
           </a:p>
         </p:txBody>
@@ -4965,8 +7320,44 @@
           <a:p>
             <a:pPr lvl="0"/>
             <a:r>
-              <a:rPr lang="ru-RU"/>
-              <a:t>Можливість роботи з зовнішніми носіями (Flash-пам'ять)</a:t>
+              <a:rPr lang="ru-RU" dirty="0" err="1"/>
+              <a:t>Можливість</a:t>
+            </a:r>
+            <a:r>
+              <a:rPr lang="ru-RU" dirty="0"/>
+              <a:t> </a:t>
+            </a:r>
+            <a:r>
+              <a:rPr lang="ru-RU" dirty="0" err="1"/>
+              <a:t>роботи</a:t>
+            </a:r>
+            <a:r>
+              <a:rPr lang="ru-RU" dirty="0"/>
+              <a:t> з </a:t>
+            </a:r>
+            <a:r>
+              <a:rPr lang="ru-RU" dirty="0" err="1"/>
+              <a:t>зовнішніми</a:t>
+            </a:r>
+            <a:r>
+              <a:rPr lang="ru-RU" dirty="0"/>
+              <a:t> </a:t>
+            </a:r>
+            <a:r>
+              <a:rPr lang="ru-RU" dirty="0" err="1"/>
+              <a:t>носіями</a:t>
+            </a:r>
+            <a:r>
+              <a:rPr lang="ru-RU" dirty="0"/>
+              <a:t> (</a:t>
+            </a:r>
+            <a:r>
+              <a:rPr lang="ru-RU" dirty="0" err="1"/>
+              <a:t>Flash-пам'ять</a:t>
+            </a:r>
+            <a:r>
+              <a:rPr lang="ru-RU" dirty="0"/>
+              <a:t>)</a:t>
             </a:r>
           </a:p>
         </p:txBody>
@@ -4998,13 +7389,34 @@
               <a:buNone/>
             </a:pPr>
             <a:r>
-              <a:rPr lang="ru-RU" sz="1800" b="1">
+              <a:rPr lang="ru-RU" sz="1800" b="1" dirty="0" err="1">
                 <a:latin typeface="Times New Roman"/>
                 <a:cs typeface="Times New Roman"/>
               </a:rPr>
-              <a:t>Додавання USB-контролера у віртуальну машину</a:t>
-            </a:r>
-            <a:endParaRPr lang="ru-RU" sz="1800">
+              <a:t>Додавання</a:t>
+            </a:r>
+            <a:r>
+              <a:rPr lang="ru-RU" sz="1800" b="1" dirty="0">
+                <a:latin typeface="Times New Roman"/>
+                <a:cs typeface="Times New Roman"/>
+              </a:rPr>
+              <a:t> USB-контролера у </a:t>
+            </a:r>
+            <a:r>
+              <a:rPr lang="ru-RU" sz="1800" b="1" dirty="0" err="1">
+                <a:latin typeface="Times New Roman"/>
+                <a:cs typeface="Times New Roman"/>
+              </a:rPr>
+              <a:t>віртуальну</a:t>
+            </a:r>
+            <a:r>
+              <a:rPr lang="ru-RU" sz="1800" b="1" dirty="0">
+                <a:latin typeface="Times New Roman"/>
+                <a:cs typeface="Times New Roman"/>
+              </a:rPr>
+              <a:t> машину</a:t>
+            </a:r>
+            <a:endParaRPr lang="ru-RU" sz="1800" dirty="0">
               <a:latin typeface="Times New Roman"/>
               <a:cs typeface="Times New Roman"/>
             </a:endParaRPr>
@@ -5012,12 +7424,30 @@
           <a:p>
             <a:pPr lvl="0"/>
             <a:r>
-              <a:rPr lang="ru-RU" sz="1800">
-                <a:latin typeface="Times New Roman"/>
-              </a:rPr>
-              <a:t>Виберіть вашу віртуальну машину в списку.</a:t>
-            </a:r>
-            <a:endParaRPr lang="ru-RU" sz="1800">
+              <a:rPr lang="ru-RU" sz="1800" dirty="0" err="1">
+                <a:latin typeface="Times New Roman"/>
+              </a:rPr>
+              <a:t>Виберіть</a:t>
+            </a:r>
+            <a:r>
+              <a:rPr lang="ru-RU" sz="1800" dirty="0">
+                <a:latin typeface="Times New Roman"/>
+              </a:rPr>
+              <a:t> вашу </a:t>
+            </a:r>
+            <a:r>
+              <a:rPr lang="ru-RU" sz="1800" dirty="0" err="1">
+                <a:latin typeface="Times New Roman"/>
+              </a:rPr>
+              <a:t>віртуальну</a:t>
+            </a:r>
+            <a:r>
+              <a:rPr lang="ru-RU" sz="1800" dirty="0">
+                <a:latin typeface="Times New Roman"/>
+              </a:rPr>
+              <a:t> машину в списку.</a:t>
+            </a:r>
+            <a:endParaRPr lang="ru-RU" sz="1800" dirty="0">
               <a:latin typeface="Times New Roman"/>
               <a:cs typeface="Times New Roman"/>
             </a:endParaRPr>
@@ -5025,24 +7455,42 @@
           <a:p>
             <a:pPr lvl="0"/>
             <a:r>
-              <a:rPr lang="ru-RU" sz="1800">
-                <a:latin typeface="Times New Roman"/>
-              </a:rPr>
-              <a:t>Натисніть </a:t>
-            </a:r>
-            <a:r>
-              <a:rPr lang="ru-RU" sz="1800" b="1">
+              <a:rPr lang="ru-RU" sz="1800" dirty="0" err="1">
+                <a:latin typeface="Times New Roman"/>
+              </a:rPr>
+              <a:t>Натисніть</a:t>
+            </a:r>
+            <a:r>
+              <a:rPr lang="ru-RU" sz="1800" dirty="0">
+                <a:latin typeface="Times New Roman"/>
+              </a:rPr>
+              <a:t> </a:t>
+            </a:r>
+            <a:r>
+              <a:rPr lang="ru-RU" sz="1800" b="1" dirty="0" err="1">
                 <a:latin typeface="Times New Roman"/>
               </a:rPr>
               <a:t>Settings</a:t>
             </a:r>
             <a:r>
-              <a:rPr lang="ru-RU" sz="1800">
-                <a:latin typeface="Times New Roman"/>
-              </a:rPr>
-              <a:t> (Налаштування).</a:t>
-            </a:r>
-            <a:endParaRPr lang="ru-RU" sz="1800">
+              <a:rPr lang="ru-RU" sz="1800" dirty="0">
+                <a:latin typeface="Times New Roman"/>
+              </a:rPr>
+              <a:t> (</a:t>
+            </a:r>
+            <a:r>
+              <a:rPr lang="ru-RU" sz="1800" dirty="0" err="1">
+                <a:latin typeface="Times New Roman"/>
+              </a:rPr>
+              <a:t>Налаштування</a:t>
+            </a:r>
+            <a:r>
+              <a:rPr lang="ru-RU" sz="1800" dirty="0">
+                <a:latin typeface="Times New Roman"/>
+              </a:rPr>
+              <a:t>).</a:t>
+            </a:r>
+            <a:endParaRPr lang="ru-RU" sz="1800" dirty="0">
               <a:latin typeface="Times New Roman"/>
               <a:cs typeface="Times New Roman"/>
             </a:endParaRPr>
@@ -5050,24 +7498,42 @@
           <a:p>
             <a:pPr lvl="0"/>
             <a:r>
-              <a:rPr lang="ru-RU" sz="1800">
-                <a:latin typeface="Times New Roman"/>
-              </a:rPr>
-              <a:t>Перейдіть до розділу </a:t>
-            </a:r>
-            <a:r>
-              <a:rPr lang="ru-RU" sz="1800" b="1">
+              <a:rPr lang="ru-RU" sz="1800" dirty="0" err="1">
+                <a:latin typeface="Times New Roman"/>
+              </a:rPr>
+              <a:t>Перейдіть</a:t>
+            </a:r>
+            <a:r>
+              <a:rPr lang="ru-RU" sz="1800" dirty="0">
+                <a:latin typeface="Times New Roman"/>
+              </a:rPr>
+              <a:t> до </a:t>
+            </a:r>
+            <a:r>
+              <a:rPr lang="ru-RU" sz="1800" dirty="0" err="1">
+                <a:latin typeface="Times New Roman"/>
+              </a:rPr>
+              <a:t>розділу</a:t>
+            </a:r>
+            <a:r>
+              <a:rPr lang="ru-RU" sz="1800" dirty="0">
+                <a:latin typeface="Times New Roman"/>
+              </a:rPr>
+              <a:t> </a:t>
+            </a:r>
+            <a:r>
+              <a:rPr lang="ru-RU" sz="1800" b="1" dirty="0">
                 <a:latin typeface="Times New Roman"/>
               </a:rPr>
               <a:t>USB</a:t>
             </a:r>
             <a:r>
-              <a:rPr lang="ru-RU" sz="1800">
+              <a:rPr lang="ru-RU" sz="1800" dirty="0">
                 <a:latin typeface="Times New Roman"/>
               </a:rPr>
               <a:t>.</a:t>
             </a:r>
-            <a:endParaRPr lang="ru-RU" sz="1800">
+            <a:endParaRPr lang="ru-RU" sz="1800" dirty="0">
               <a:latin typeface="Times New Roman"/>
               <a:cs typeface="Times New Roman"/>
             </a:endParaRPr>
@@ -5075,12 +7541,150 @@
           <a:p>
             <a:pPr lvl="0"/>
             <a:r>
-              <a:rPr lang="ru-RU" sz="1800">
-                <a:latin typeface="Times New Roman"/>
-              </a:rPr>
-              <a:t>Активуйте USB-контролер, вибравши відповідний варіант (USB 1.1, 2.0 або 3.0 — залежно від того, який пристрій і тип розширення ви використовуєте).</a:t>
-            </a:r>
-            <a:endParaRPr lang="ru-RU" sz="1800">
+              <a:rPr lang="ru-RU" sz="1800" dirty="0" err="1">
+                <a:latin typeface="Times New Roman"/>
+              </a:rPr>
+              <a:t>Активуйте</a:t>
+            </a:r>
+            <a:r>
+              <a:rPr lang="ru-RU" sz="1800" dirty="0">
+                <a:latin typeface="Times New Roman"/>
+              </a:rPr>
+              <a:t> USB-контролер, </a:t>
+            </a:r>
+            <a:r>
+              <a:rPr lang="ru-RU" sz="1800" dirty="0" err="1">
+                <a:latin typeface="Times New Roman"/>
+              </a:rPr>
+              <a:t>вибравши</a:t>
+            </a:r>
+            <a:r>
+              <a:rPr lang="ru-RU" sz="1800" dirty="0">
+                <a:latin typeface="Times New Roman"/>
+              </a:rPr>
+              <a:t> </a:t>
+            </a:r>
+            <a:r>
+              <a:rPr lang="ru-RU" sz="1800" dirty="0" err="1">
+                <a:latin typeface="Times New Roman"/>
+              </a:rPr>
+              <a:t>відповідний</a:t>
+            </a:r>
+            <a:r>
+              <a:rPr lang="ru-RU" sz="1800" dirty="0">
+                <a:latin typeface="Times New Roman"/>
+              </a:rPr>
+              <a:t> </a:t>
+            </a:r>
+            <a:r>
+              <a:rPr lang="ru-RU" sz="1800" dirty="0" err="1">
+                <a:latin typeface="Times New Roman"/>
+              </a:rPr>
+              <a:t>варіант</a:t>
+            </a:r>
+            <a:r>
+              <a:rPr lang="ru-RU" sz="1800" dirty="0">
+                <a:latin typeface="Times New Roman"/>
+              </a:rPr>
+              <a:t> (USB 1.1, 2.0 </a:t>
+            </a:r>
+            <a:r>
+              <a:rPr lang="ru-RU" sz="1800" dirty="0" err="1">
+                <a:latin typeface="Times New Roman"/>
+              </a:rPr>
+              <a:t>або</a:t>
+            </a:r>
+            <a:r>
+              <a:rPr lang="ru-RU" sz="1800" dirty="0">
+                <a:latin typeface="Times New Roman"/>
+              </a:rPr>
+              <a:t> 3.0 — </a:t>
+            </a:r>
+            <a:r>
+              <a:rPr lang="ru-RU" sz="1800" dirty="0" err="1">
+                <a:latin typeface="Times New Roman"/>
+              </a:rPr>
+              <a:t>залежно</a:t>
+            </a:r>
+            <a:r>
+              <a:rPr lang="ru-RU" sz="1800" dirty="0">
+                <a:latin typeface="Times New Roman"/>
+              </a:rPr>
+              <a:t> </a:t>
+            </a:r>
+            <a:r>
+              <a:rPr lang="ru-RU" sz="1800" dirty="0" err="1">
+                <a:latin typeface="Times New Roman"/>
+              </a:rPr>
+              <a:t>від</a:t>
+            </a:r>
+            <a:r>
+              <a:rPr lang="ru-RU" sz="1800" dirty="0">
+                <a:latin typeface="Times New Roman"/>
+              </a:rPr>
+              <a:t> того, </a:t>
+            </a:r>
+            <a:r>
+              <a:rPr lang="ru-RU" sz="1800" dirty="0" err="1">
+                <a:latin typeface="Times New Roman"/>
+              </a:rPr>
+              <a:t>який</a:t>
+            </a:r>
+            <a:r>
+              <a:rPr lang="ru-RU" sz="1800" dirty="0">
+                <a:latin typeface="Times New Roman"/>
+              </a:rPr>
+              <a:t> </a:t>
+            </a:r>
+            <a:r>
+              <a:rPr lang="ru-RU" sz="1800" dirty="0" err="1">
+                <a:latin typeface="Times New Roman"/>
+              </a:rPr>
+              <a:t>пристрій</a:t>
+            </a:r>
+            <a:r>
+              <a:rPr lang="ru-RU" sz="1800" dirty="0">
+                <a:latin typeface="Times New Roman"/>
+              </a:rPr>
+              <a:t> і тип </a:t>
+            </a:r>
+            <a:r>
+              <a:rPr lang="ru-RU" sz="1800" dirty="0" err="1">
+                <a:latin typeface="Times New Roman"/>
+              </a:rPr>
+              <a:t>розширення</a:t>
+            </a:r>
+            <a:r>
+              <a:rPr lang="ru-RU" sz="1800" dirty="0">
+                <a:latin typeface="Times New Roman"/>
+              </a:rPr>
+              <a:t> </a:t>
+            </a:r>
+            <a:r>
+              <a:rPr lang="ru-RU" sz="1800" dirty="0" err="1">
+                <a:latin typeface="Times New Roman"/>
+              </a:rPr>
+              <a:t>ви</a:t>
+            </a:r>
+            <a:r>
+              <a:rPr lang="ru-RU" sz="1800" dirty="0">
+                <a:latin typeface="Times New Roman"/>
+              </a:rPr>
+              <a:t> </a:t>
+            </a:r>
+            <a:r>
+              <a:rPr lang="ru-RU" sz="1800" dirty="0" err="1">
+                <a:latin typeface="Times New Roman"/>
+              </a:rPr>
+              <a:t>використовуєте</a:t>
+            </a:r>
+            <a:r>
+              <a:rPr lang="ru-RU" sz="1800" dirty="0">
+                <a:latin typeface="Times New Roman"/>
+              </a:rPr>
+              <a:t>).</a:t>
+            </a:r>
+            <a:endParaRPr lang="ru-RU" sz="1800" dirty="0">
               <a:latin typeface="Times New Roman"/>
               <a:cs typeface="Times New Roman"/>
             </a:endParaRPr>
@@ -5090,20 +7694,48 @@
               <a:buNone/>
             </a:pPr>
             <a:r>
-              <a:rPr lang="ru-RU" sz="1800">
+              <a:rPr lang="ru-RU" sz="1800" dirty="0">
                 <a:latin typeface="Times New Roman"/>
                 <a:cs typeface="Times New Roman"/>
               </a:rPr>
               <a:t> </a:t>
             </a:r>
             <a:r>
-              <a:rPr lang="ru-RU" sz="1800" b="1">
+              <a:rPr lang="ru-RU" sz="1800" b="1" dirty="0" err="1">
                 <a:latin typeface="Times New Roman"/>
                 <a:cs typeface="Times New Roman"/>
               </a:rPr>
-              <a:t>Додавання USB-пристрою до віртуальної машини</a:t>
-            </a:r>
-            <a:endParaRPr lang="ru-RU" sz="1800">
+              <a:t>Додавання</a:t>
+            </a:r>
+            <a:r>
+              <a:rPr lang="ru-RU" sz="1800" b="1" dirty="0">
+                <a:latin typeface="Times New Roman"/>
+                <a:cs typeface="Times New Roman"/>
+              </a:rPr>
+              <a:t> USB-пристрою до </a:t>
+            </a:r>
+            <a:r>
+              <a:rPr lang="ru-RU" sz="1800" b="1" dirty="0" err="1">
+                <a:latin typeface="Times New Roman"/>
+                <a:cs typeface="Times New Roman"/>
+              </a:rPr>
+              <a:t>віртуальної</a:t>
+            </a:r>
+            <a:r>
+              <a:rPr lang="ru-RU" sz="1800" b="1" dirty="0">
+                <a:latin typeface="Times New Roman"/>
+                <a:cs typeface="Times New Roman"/>
+              </a:rPr>
+              <a:t> </a:t>
+            </a:r>
+            <a:r>
+              <a:rPr lang="ru-RU" sz="1800" b="1" dirty="0" err="1">
+                <a:latin typeface="Times New Roman"/>
+                <a:cs typeface="Times New Roman"/>
+              </a:rPr>
+              <a:t>машини</a:t>
+            </a:r>
+            <a:endParaRPr lang="ru-RU" sz="1800" dirty="0">
               <a:latin typeface="Times New Roman"/>
               <a:cs typeface="Times New Roman"/>
             </a:endParaRPr>
@@ -5111,12 +7743,66 @@
           <a:p>
             <a:pPr lvl="0"/>
             <a:r>
-              <a:rPr lang="ru-RU" sz="1800">
-                <a:latin typeface="Times New Roman"/>
-              </a:rPr>
-              <a:t>Підключіть флеш-накопичувач до вашого хоста (фізичного комп’ютера).</a:t>
-            </a:r>
-            <a:endParaRPr lang="ru-RU" sz="1800">
+              <a:rPr lang="ru-RU" sz="1800" dirty="0" err="1">
+                <a:latin typeface="Times New Roman"/>
+              </a:rPr>
+              <a:t>Підключіть</a:t>
+            </a:r>
+            <a:r>
+              <a:rPr lang="ru-RU" sz="1800" dirty="0">
+                <a:latin typeface="Times New Roman"/>
+              </a:rPr>
+              <a:t> </a:t>
+            </a:r>
+            <a:r>
+              <a:rPr lang="ru-RU" sz="1800" dirty="0" err="1">
+                <a:latin typeface="Times New Roman"/>
+              </a:rPr>
+              <a:t>флеш-накопичувач</a:t>
+            </a:r>
+            <a:r>
+              <a:rPr lang="ru-RU" sz="1800" dirty="0">
+                <a:latin typeface="Times New Roman"/>
+              </a:rPr>
+              <a:t> до </a:t>
+            </a:r>
+            <a:r>
+              <a:rPr lang="ru-RU" sz="1800" dirty="0" err="1">
+                <a:latin typeface="Times New Roman"/>
+              </a:rPr>
+              <a:t>вашого</a:t>
+            </a:r>
+            <a:r>
+              <a:rPr lang="ru-RU" sz="1800" dirty="0">
+                <a:latin typeface="Times New Roman"/>
+              </a:rPr>
+              <a:t> хоста (</a:t>
+            </a:r>
+            <a:r>
+              <a:rPr lang="ru-RU" sz="1800" dirty="0" err="1">
+                <a:latin typeface="Times New Roman"/>
+              </a:rPr>
+              <a:t>фізичного</a:t>
+            </a:r>
+            <a:r>
+              <a:rPr lang="ru-RU" sz="1800" dirty="0">
+                <a:latin typeface="Times New Roman"/>
+              </a:rPr>
+              <a:t> </a:t>
+            </a:r>
+            <a:r>
+              <a:rPr lang="ru-RU" sz="1800" dirty="0" err="1">
+                <a:latin typeface="Times New Roman"/>
+              </a:rPr>
+              <a:t>комп’ютера</a:t>
+            </a:r>
+            <a:r>
+              <a:rPr lang="ru-RU" sz="1800" dirty="0">
+                <a:latin typeface="Times New Roman"/>
+              </a:rPr>
+              <a:t>).</a:t>
+            </a:r>
+            <a:endParaRPr lang="ru-RU" sz="1800" dirty="0">
               <a:latin typeface="Times New Roman"/>
               <a:cs typeface="Times New Roman"/>
             </a:endParaRPr>
@@ -5124,24 +7810,120 @@
           <a:p>
             <a:pPr lvl="0"/>
             <a:r>
-              <a:rPr lang="ru-RU" sz="1800">
-                <a:latin typeface="Times New Roman"/>
-              </a:rPr>
-              <a:t>У вікні налаштувань VirtualBox, у розділі </a:t>
-            </a:r>
-            <a:r>
-              <a:rPr lang="ru-RU" sz="1800" b="1">
+              <a:rPr lang="ru-RU" sz="1800" dirty="0">
+                <a:latin typeface="Times New Roman"/>
+              </a:rPr>
+              <a:t>У </a:t>
+            </a:r>
+            <a:r>
+              <a:rPr lang="ru-RU" sz="1800" dirty="0" err="1">
+                <a:latin typeface="Times New Roman"/>
+              </a:rPr>
+              <a:t>вікні</a:t>
+            </a:r>
+            <a:r>
+              <a:rPr lang="ru-RU" sz="1800" dirty="0">
+                <a:latin typeface="Times New Roman"/>
+              </a:rPr>
+              <a:t> </a:t>
+            </a:r>
+            <a:r>
+              <a:rPr lang="ru-RU" sz="1800" dirty="0" err="1">
+                <a:latin typeface="Times New Roman"/>
+              </a:rPr>
+              <a:t>налаштувань</a:t>
+            </a:r>
+            <a:r>
+              <a:rPr lang="ru-RU" sz="1800" dirty="0">
+                <a:latin typeface="Times New Roman"/>
+              </a:rPr>
+              <a:t> </a:t>
+            </a:r>
+            <a:r>
+              <a:rPr lang="ru-RU" sz="1800" dirty="0" err="1">
+                <a:latin typeface="Times New Roman"/>
+              </a:rPr>
+              <a:t>VirtualBox</a:t>
+            </a:r>
+            <a:r>
+              <a:rPr lang="ru-RU" sz="1800" dirty="0">
+                <a:latin typeface="Times New Roman"/>
+              </a:rPr>
+              <a:t>, у </a:t>
+            </a:r>
+            <a:r>
+              <a:rPr lang="ru-RU" sz="1800" dirty="0" err="1">
+                <a:latin typeface="Times New Roman"/>
+              </a:rPr>
+              <a:t>розділі</a:t>
+            </a:r>
+            <a:r>
+              <a:rPr lang="ru-RU" sz="1800" dirty="0">
+                <a:latin typeface="Times New Roman"/>
+              </a:rPr>
+              <a:t> </a:t>
+            </a:r>
+            <a:r>
+              <a:rPr lang="ru-RU" sz="1800" b="1" dirty="0">
                 <a:latin typeface="Times New Roman"/>
               </a:rPr>
               <a:t>USB</a:t>
             </a:r>
             <a:r>
-              <a:rPr lang="ru-RU" sz="1800">
-                <a:latin typeface="Times New Roman"/>
-              </a:rPr>
-              <a:t>, натисніть на іконку з USB-плюсом (список підключених USB-пристроїв).</a:t>
-            </a:r>
-            <a:endParaRPr lang="ru-RU" sz="1800">
+              <a:rPr lang="ru-RU" sz="1800" dirty="0">
+                <a:latin typeface="Times New Roman"/>
+              </a:rPr>
+              <a:t>, </a:t>
+            </a:r>
+            <a:r>
+              <a:rPr lang="ru-RU" sz="1800" dirty="0" err="1">
+                <a:latin typeface="Times New Roman"/>
+              </a:rPr>
+              <a:t>натисніть</a:t>
+            </a:r>
+            <a:r>
+              <a:rPr lang="ru-RU" sz="1800" dirty="0">
+                <a:latin typeface="Times New Roman"/>
+              </a:rPr>
+              <a:t> на </a:t>
+            </a:r>
+            <a:r>
+              <a:rPr lang="ru-RU" sz="1800" dirty="0" err="1">
+                <a:latin typeface="Times New Roman"/>
+              </a:rPr>
+              <a:t>іконку</a:t>
+            </a:r>
+            <a:r>
+              <a:rPr lang="ru-RU" sz="1800" dirty="0">
+                <a:latin typeface="Times New Roman"/>
+              </a:rPr>
+              <a:t> з USB-плюсом (список </a:t>
+            </a:r>
+            <a:r>
+              <a:rPr lang="ru-RU" sz="1800" dirty="0" err="1">
+                <a:latin typeface="Times New Roman"/>
+              </a:rPr>
+              <a:t>підключених</a:t>
+            </a:r>
+            <a:r>
+              <a:rPr lang="ru-RU" sz="1800" dirty="0">
+                <a:latin typeface="Times New Roman"/>
+              </a:rPr>
+              <a:t> USB-</a:t>
+            </a:r>
+            <a:r>
+              <a:rPr lang="ru-RU" sz="1800" dirty="0" err="1">
+                <a:latin typeface="Times New Roman"/>
+              </a:rPr>
+              <a:t>пристроїв</a:t>
+            </a:r>
+            <a:r>
+              <a:rPr lang="ru-RU" sz="1800" dirty="0">
+                <a:latin typeface="Times New Roman"/>
+              </a:rPr>
+              <a:t>).</a:t>
+            </a:r>
+            <a:endParaRPr lang="ru-RU" sz="1800" dirty="0">
               <a:latin typeface="Times New Roman"/>
               <a:cs typeface="Times New Roman"/>
             </a:endParaRPr>
@@ -5149,19 +7931,109 @@
           <a:p>
             <a:pPr lvl="0"/>
             <a:r>
-              <a:rPr lang="ru-RU" sz="1800">
-                <a:latin typeface="Times New Roman"/>
-              </a:rPr>
-              <a:t>Виберіть ваш USB-пристрій зі списку. Це дозволить віртуальній машині використовувати флешку.</a:t>
-            </a:r>
-            <a:endParaRPr lang="ru-RU" sz="1800">
+              <a:rPr lang="ru-RU" sz="1800" dirty="0" err="1">
+                <a:latin typeface="Times New Roman"/>
+              </a:rPr>
+              <a:t>Виберіть</a:t>
+            </a:r>
+            <a:r>
+              <a:rPr lang="ru-RU" sz="1800" dirty="0">
+                <a:latin typeface="Times New Roman"/>
+              </a:rPr>
+              <a:t> ваш USB-</a:t>
+            </a:r>
+            <a:r>
+              <a:rPr lang="ru-RU" sz="1800" dirty="0" err="1">
+                <a:latin typeface="Times New Roman"/>
+              </a:rPr>
+              <a:t>пристрій</a:t>
+            </a:r>
+            <a:r>
+              <a:rPr lang="ru-RU" sz="1800" dirty="0">
+                <a:latin typeface="Times New Roman"/>
+              </a:rPr>
+              <a:t> </a:t>
+            </a:r>
+            <a:r>
+              <a:rPr lang="ru-RU" sz="1800" dirty="0" err="1">
+                <a:latin typeface="Times New Roman"/>
+              </a:rPr>
+              <a:t>зі</a:t>
+            </a:r>
+            <a:r>
+              <a:rPr lang="ru-RU" sz="1800" dirty="0">
+                <a:latin typeface="Times New Roman"/>
+              </a:rPr>
+              <a:t> списку. </a:t>
+            </a:r>
+            <a:r>
+              <a:rPr lang="ru-RU" sz="1800" dirty="0" err="1">
+                <a:latin typeface="Times New Roman"/>
+              </a:rPr>
+              <a:t>Це</a:t>
+            </a:r>
+            <a:r>
+              <a:rPr lang="ru-RU" sz="1800" dirty="0">
+                <a:latin typeface="Times New Roman"/>
+              </a:rPr>
+              <a:t> дозволить </a:t>
+            </a:r>
+            <a:r>
+              <a:rPr lang="ru-RU" sz="1800" dirty="0" err="1">
+                <a:latin typeface="Times New Roman"/>
+              </a:rPr>
+              <a:t>віртуальній</a:t>
+            </a:r>
+            <a:r>
+              <a:rPr lang="ru-RU" sz="1800" dirty="0">
+                <a:latin typeface="Times New Roman"/>
+              </a:rPr>
+              <a:t> </a:t>
+            </a:r>
+            <a:r>
+              <a:rPr lang="ru-RU" sz="1800" dirty="0" err="1">
+                <a:latin typeface="Times New Roman"/>
+              </a:rPr>
+              <a:t>машині</a:t>
+            </a:r>
+            <a:r>
+              <a:rPr lang="ru-RU" sz="1800" dirty="0">
+                <a:latin typeface="Times New Roman"/>
+              </a:rPr>
+              <a:t> </a:t>
+            </a:r>
+            <a:r>
+              <a:rPr lang="ru-RU" sz="1800" dirty="0" err="1">
+                <a:latin typeface="Times New Roman"/>
+              </a:rPr>
+              <a:t>використовувати</a:t>
+            </a:r>
+            <a:r>
+              <a:rPr lang="ru-RU" sz="1800" dirty="0">
+                <a:latin typeface="Times New Roman"/>
+              </a:rPr>
+              <a:t> </a:t>
+            </a:r>
+            <a:r>
+              <a:rPr lang="ru-RU" sz="1800" dirty="0" err="1">
+                <a:latin typeface="Times New Roman"/>
+              </a:rPr>
+              <a:t>флешку</a:t>
+            </a:r>
+            <a:r>
+              <a:rPr lang="ru-RU" sz="1800" dirty="0">
+                <a:latin typeface="Times New Roman"/>
+              </a:rPr>
+              <a:t>.</a:t>
+            </a:r>
+            <a:endParaRPr lang="ru-RU" sz="1800" dirty="0">
               <a:latin typeface="Times New Roman"/>
               <a:cs typeface="Times New Roman"/>
             </a:endParaRPr>
           </a:p>
           <a:p>
             <a:pPr lvl="0"/>
-            <a:endParaRPr lang="ru-RU" sz="1800">
+            <a:endParaRPr lang="ru-RU" sz="1800" dirty="0">
               <a:latin typeface="Times New Roman"/>
               <a:cs typeface="Times New Roman"/>
             </a:endParaRPr>
@@ -5308,43 +8180,73 @@
           <a:lstStyle/>
           <a:p>
             <a:r>
-              <a:rPr lang="uk-UA" dirty="0" err="1"/>
+              <a:rPr lang="uk-UA" dirty="0" err="1">
+                <a:latin typeface="Times New Roman" panose="02020603050405020304" pitchFamily="18" charset="0"/>
+                <a:cs typeface="Times New Roman" panose="02020603050405020304" pitchFamily="18" charset="0"/>
+              </a:rPr>
               <a:t>Завантажуєм</a:t>
             </a:r>
             <a:r>
-              <a:rPr lang="uk-UA" dirty="0"/>
+              <a:rPr lang="uk-UA" dirty="0">
+                <a:latin typeface="Times New Roman" panose="02020603050405020304" pitchFamily="18" charset="0"/>
+                <a:cs typeface="Times New Roman" panose="02020603050405020304" pitchFamily="18" charset="0"/>
+              </a:rPr>
               <a:t> будь-який зручний  </a:t>
             </a:r>
             <a:r>
-              <a:rPr lang="en-US" dirty="0"/>
+              <a:rPr lang="en-US" dirty="0">
+                <a:latin typeface="Times New Roman" panose="02020603050405020304" pitchFamily="18" charset="0"/>
+                <a:cs typeface="Times New Roman" panose="02020603050405020304" pitchFamily="18" charset="0"/>
+              </a:rPr>
               <a:t>VirtualBox</a:t>
             </a:r>
             <a:r>
-              <a:rPr lang="uk-UA" dirty="0"/>
+              <a:rPr lang="uk-UA" dirty="0">
+                <a:latin typeface="Times New Roman" panose="02020603050405020304" pitchFamily="18" charset="0"/>
+                <a:cs typeface="Times New Roman" panose="02020603050405020304" pitchFamily="18" charset="0"/>
+              </a:rPr>
               <a:t>, натискаєм створити (або додати якщо є готовий файл), відкриваєм потрібний файл та виділяєм накопичувачі та процесори( </a:t>
             </a:r>
             <a:r>
-              <a:rPr lang="uk-UA" dirty="0" err="1"/>
+              <a:rPr lang="uk-UA" dirty="0" err="1">
+                <a:latin typeface="Times New Roman" panose="02020603050405020304" pitchFamily="18" charset="0"/>
+                <a:cs typeface="Times New Roman" panose="02020603050405020304" pitchFamily="18" charset="0"/>
+              </a:rPr>
               <a:t>ревомендовано</a:t>
             </a:r>
             <a:r>
-              <a:rPr lang="uk-UA" dirty="0"/>
-              <a:t> </a:t>
-            </a:r>
-            <a:r>
-              <a:rPr lang="en-US" dirty="0"/>
+              <a:rPr lang="uk-UA" dirty="0">
+                <a:latin typeface="Times New Roman" panose="02020603050405020304" pitchFamily="18" charset="0"/>
+                <a:cs typeface="Times New Roman" panose="02020603050405020304" pitchFamily="18" charset="0"/>
+              </a:rPr>
+              <a:t> </a:t>
+            </a:r>
+            <a:r>
+              <a:rPr lang="en-US" dirty="0">
+                <a:latin typeface="Times New Roman" panose="02020603050405020304" pitchFamily="18" charset="0"/>
+                <a:cs typeface="Times New Roman" panose="02020603050405020304" pitchFamily="18" charset="0"/>
+              </a:rPr>
               <a:t>RAM </a:t>
             </a:r>
             <a:r>
-              <a:rPr lang="uk-UA" dirty="0"/>
+              <a:rPr lang="uk-UA" dirty="0">
+                <a:latin typeface="Times New Roman" panose="02020603050405020304" pitchFamily="18" charset="0"/>
+                <a:cs typeface="Times New Roman" panose="02020603050405020304" pitchFamily="18" charset="0"/>
+              </a:rPr>
               <a:t>від 2</a:t>
             </a:r>
             <a:r>
-              <a:rPr lang="en-US" dirty="0" err="1"/>
+              <a:rPr lang="en-US" dirty="0" err="1">
+                <a:latin typeface="Times New Roman" panose="02020603050405020304" pitchFamily="18" charset="0"/>
+                <a:cs typeface="Times New Roman" panose="02020603050405020304" pitchFamily="18" charset="0"/>
+              </a:rPr>
               <a:t>gb</a:t>
             </a:r>
             <a:r>
-              <a:rPr lang="uk-UA" dirty="0"/>
+              <a:rPr lang="uk-UA" dirty="0">
+                <a:latin typeface="Times New Roman" panose="02020603050405020304" pitchFamily="18" charset="0"/>
+                <a:cs typeface="Times New Roman" panose="02020603050405020304" pitchFamily="18" charset="0"/>
+              </a:rPr>
               <a:t> , накопичувач від 40 та 2 двох ядер процесора )</a:t>
             </a:r>
           </a:p>
@@ -5510,14 +8412,23 @@
           <a:lstStyle/>
           <a:p>
             <a:r>
-              <a:rPr lang="uk-UA" dirty="0"/>
+              <a:rPr lang="uk-UA" dirty="0">
+                <a:latin typeface="Times New Roman" panose="02020603050405020304" pitchFamily="18" charset="0"/>
+                <a:cs typeface="Times New Roman" panose="02020603050405020304" pitchFamily="18" charset="0"/>
+              </a:rPr>
               <a:t>Після завантаження закриваєм машину та відкриваєм з графічним інтерфейсом, коли висвітиться іконка входу в систему вводим логін та пароль (за замовчуванням там </a:t>
             </a:r>
             <a:r>
-              <a:rPr lang="en-US" dirty="0"/>
+              <a:rPr lang="en-US" dirty="0">
+                <a:latin typeface="Times New Roman" panose="02020603050405020304" pitchFamily="18" charset="0"/>
+                <a:cs typeface="Times New Roman" panose="02020603050405020304" pitchFamily="18" charset="0"/>
+              </a:rPr>
               <a:t>kali kali)</a:t>
             </a:r>
-            <a:endParaRPr lang="uk-UA" dirty="0"/>
+            <a:endParaRPr lang="uk-UA" dirty="0">
+              <a:latin typeface="Times New Roman" panose="02020603050405020304" pitchFamily="18" charset="0"/>
+              <a:cs typeface="Times New Roman" panose="02020603050405020304" pitchFamily="18" charset="0"/>
+            </a:endParaRPr>
           </a:p>
         </p:txBody>
       </p:sp>
@@ -5581,31 +8492,6 @@
           <a:chExt cx="0" cy="0"/>
         </a:xfrm>
       </p:grpSpPr>
-      <p:sp>
-        <p:nvSpPr>
-          <p:cNvPr id="2" name="Заголовок 1">
-            <a:extLst>
-              <a:ext uri="{FF2B5EF4-FFF2-40B4-BE49-F238E27FC236}">
-                <a16:creationId xmlns:a16="http://schemas.microsoft.com/office/drawing/2014/main" id="{38B142F5-8DB8-211B-AAAD-56C148458569}"/>
-              </a:ext>
-            </a:extLst>
-          </p:cNvPr>
-          <p:cNvSpPr>
-            <a:spLocks noGrp="1"/>
-          </p:cNvSpPr>
-          <p:nvPr>
-            <p:ph type="title"/>
-          </p:nvPr>
-        </p:nvSpPr>
-        <p:spPr/>
-        <p:txBody>
-          <a:bodyPr/>
-          <a:lstStyle/>
-          <a:p>
-            <a:endParaRPr lang="uk-UA"/>
-          </a:p>
-        </p:txBody>
-      </p:sp>
       <p:pic>
         <p:nvPicPr>
           <p:cNvPr id="6" name="Місце для вмісту 5" descr="Зображення, що містить знімок екрана, Мультимедійне програмне забезпечення, Графічний редактор, Редагування&#10;&#10;Автоматично згенерований опис">
@@ -5636,8 +8522,8 @@
         </p:blipFill>
         <p:spPr>
           <a:xfrm>
-            <a:off x="2000623" y="1825625"/>
-            <a:ext cx="8190753" cy="4351338"/>
+            <a:off x="14898" y="8594"/>
+            <a:ext cx="12179917" cy="6849405"/>
           </a:xfrm>
         </p:spPr>
       </p:pic>
@@ -5645,6 +8531,608 @@
     <p:extLst>
       <p:ext uri="{BB962C8B-B14F-4D97-AF65-F5344CB8AC3E}">
         <p14:creationId xmlns:p14="http://schemas.microsoft.com/office/powerpoint/2010/main" val="2207541609"/>
+      </p:ext>
+    </p:extLst>
+  </p:cSld>
+  <p:clrMapOvr>
+    <a:masterClrMapping/>
+  </p:clrMapOvr>
+</p:sld>
+</file>
+
+<file path=ppt/slides/slide9.xml><?xml version="1.0" encoding="utf-8"?>
+<p:sld xmlns:a="http://schemas.openxmlformats.org/drawingml/2006/main" xmlns:r="http://schemas.openxmlformats.org/officeDocument/2006/relationships" xmlns:p="http://schemas.openxmlformats.org/presentationml/2006/main">
+  <p:cSld>
+    <p:spTree>
+      <p:nvGrpSpPr>
+        <p:cNvPr id="1" name=""/>
+        <p:cNvGrpSpPr/>
+        <p:nvPr/>
+      </p:nvGrpSpPr>
+      <p:grpSpPr>
+        <a:xfrm>
+          <a:off x="0" y="0"/>
+          <a:ext cx="0" cy="0"/>
+          <a:chOff x="0" y="0"/>
+          <a:chExt cx="0" cy="0"/>
+        </a:xfrm>
+      </p:grpSpPr>
+      <p:sp>
+        <p:nvSpPr>
+          <p:cNvPr id="2" name="Заголовок 1"/>
+          <p:cNvSpPr>
+            <a:spLocks noGrp="1"/>
+          </p:cNvSpPr>
+          <p:nvPr>
+            <p:ph type="title"/>
+          </p:nvPr>
+        </p:nvSpPr>
+        <p:spPr>
+          <a:xfrm>
+            <a:off x="838203" y="833480"/>
+            <a:ext cx="10515600" cy="1325559"/>
+          </a:xfrm>
+        </p:spPr>
+        <p:txBody>
+          <a:bodyPr>
+            <a:normAutofit fontScale="90000"/>
+          </a:bodyPr>
+          <a:lstStyle/>
+          <a:p>
+            <a:r>
+              <a:rPr lang="ru-RU" sz="4900" b="1" dirty="0" err="1"/>
+              <a:t>Встановлення</a:t>
+            </a:r>
+            <a:r>
+              <a:rPr lang="ru-RU" sz="4900" b="1" dirty="0"/>
+              <a:t> </a:t>
+            </a:r>
+            <a:r>
+              <a:rPr lang="ru-RU" sz="4900" b="1" dirty="0" err="1"/>
+              <a:t>мінімальної</a:t>
+            </a:r>
+            <a:r>
+              <a:rPr lang="ru-RU" sz="4900" b="1" dirty="0"/>
+              <a:t> </a:t>
+            </a:r>
+            <a:r>
+              <a:rPr lang="ru-RU" sz="4900" b="1" dirty="0" err="1"/>
+              <a:t>конфігурації</a:t>
+            </a:r>
+            <a:r>
+              <a:rPr lang="ru-RU" sz="4900" b="1" dirty="0"/>
+              <a:t> </a:t>
+            </a:r>
+            <a:r>
+              <a:rPr lang="en-US" sz="4900" b="1" dirty="0"/>
+              <a:t>GNU/Linux</a:t>
+            </a:r>
+            <a:r>
+              <a:rPr lang="en-US" b="1" dirty="0"/>
+              <a:t/>
+            </a:r>
+            <a:br>
+              <a:rPr lang="en-US" b="1" dirty="0"/>
+            </a:br>
+            <a:endParaRPr lang="ru-RU" dirty="0"/>
+          </a:p>
+        </p:txBody>
+      </p:sp>
+      <p:sp>
+        <p:nvSpPr>
+          <p:cNvPr id="3" name="Объект 2"/>
+          <p:cNvSpPr>
+            <a:spLocks noGrp="1"/>
+          </p:cNvSpPr>
+          <p:nvPr>
+            <p:ph idx="1"/>
+          </p:nvPr>
+        </p:nvSpPr>
+        <p:spPr>
+          <a:xfrm>
+            <a:off x="838203" y="3018807"/>
+            <a:ext cx="4882373" cy="2646012"/>
+          </a:xfrm>
+        </p:spPr>
+        <p:txBody>
+          <a:bodyPr/>
+          <a:lstStyle/>
+          <a:p>
+            <a:pPr marL="0" indent="0">
+              <a:buNone/>
+            </a:pPr>
+            <a:r>
+              <a:rPr lang="ru-RU" sz="1800" dirty="0" err="1">
+                <a:latin typeface="Times New Roman" panose="02020603050405020304" pitchFamily="18" charset="0"/>
+                <a:cs typeface="Times New Roman" panose="02020603050405020304" pitchFamily="18" charset="0"/>
+              </a:rPr>
+              <a:t>Після</a:t>
+            </a:r>
+            <a:r>
+              <a:rPr lang="ru-RU" sz="1800" dirty="0">
+                <a:latin typeface="Times New Roman" panose="02020603050405020304" pitchFamily="18" charset="0"/>
+                <a:cs typeface="Times New Roman" panose="02020603050405020304" pitchFamily="18" charset="0"/>
+              </a:rPr>
+              <a:t> </a:t>
+            </a:r>
+            <a:r>
+              <a:rPr lang="ru-RU" sz="1800" dirty="0" err="1">
+                <a:latin typeface="Times New Roman" panose="02020603050405020304" pitchFamily="18" charset="0"/>
+                <a:cs typeface="Times New Roman" panose="02020603050405020304" pitchFamily="18" charset="0"/>
+              </a:rPr>
+              <a:t>створення</a:t>
+            </a:r>
+            <a:r>
+              <a:rPr lang="ru-RU" sz="1800" dirty="0">
+                <a:latin typeface="Times New Roman" panose="02020603050405020304" pitchFamily="18" charset="0"/>
+                <a:cs typeface="Times New Roman" panose="02020603050405020304" pitchFamily="18" charset="0"/>
+              </a:rPr>
+              <a:t> </a:t>
+            </a:r>
+            <a:r>
+              <a:rPr lang="ru-RU" sz="1800" dirty="0" err="1">
+                <a:latin typeface="Times New Roman" panose="02020603050405020304" pitchFamily="18" charset="0"/>
+                <a:cs typeface="Times New Roman" panose="02020603050405020304" pitchFamily="18" charset="0"/>
+              </a:rPr>
+              <a:t>віртуальної</a:t>
+            </a:r>
+            <a:r>
+              <a:rPr lang="ru-RU" sz="1800" dirty="0">
+                <a:latin typeface="Times New Roman" panose="02020603050405020304" pitchFamily="18" charset="0"/>
+                <a:cs typeface="Times New Roman" panose="02020603050405020304" pitchFamily="18" charset="0"/>
+              </a:rPr>
+              <a:t> </a:t>
+            </a:r>
+            <a:r>
+              <a:rPr lang="ru-RU" sz="1800" dirty="0" err="1">
+                <a:latin typeface="Times New Roman" panose="02020603050405020304" pitchFamily="18" charset="0"/>
+                <a:cs typeface="Times New Roman" panose="02020603050405020304" pitchFamily="18" charset="0"/>
+              </a:rPr>
+              <a:t>машини</a:t>
+            </a:r>
+            <a:r>
+              <a:rPr lang="ru-RU" sz="1800" dirty="0">
+                <a:latin typeface="Times New Roman" panose="02020603050405020304" pitchFamily="18" charset="0"/>
+                <a:cs typeface="Times New Roman" panose="02020603050405020304" pitchFamily="18" charset="0"/>
+              </a:rPr>
+              <a:t>, </a:t>
+            </a:r>
+            <a:r>
+              <a:rPr lang="ru-RU" sz="1800" dirty="0" err="1">
+                <a:latin typeface="Times New Roman" panose="02020603050405020304" pitchFamily="18" charset="0"/>
+                <a:cs typeface="Times New Roman" panose="02020603050405020304" pitchFamily="18" charset="0"/>
+              </a:rPr>
+              <a:t>потрібно</a:t>
+            </a:r>
+            <a:r>
+              <a:rPr lang="ru-RU" sz="1800" dirty="0">
+                <a:latin typeface="Times New Roman" panose="02020603050405020304" pitchFamily="18" charset="0"/>
+                <a:cs typeface="Times New Roman" panose="02020603050405020304" pitchFamily="18" charset="0"/>
+              </a:rPr>
+              <a:t> </a:t>
+            </a:r>
+            <a:r>
+              <a:rPr lang="ru-RU" sz="1800" dirty="0" err="1">
+                <a:latin typeface="Times New Roman" panose="02020603050405020304" pitchFamily="18" charset="0"/>
+                <a:cs typeface="Times New Roman" panose="02020603050405020304" pitchFamily="18" charset="0"/>
+              </a:rPr>
+              <a:t>встановити</a:t>
+            </a:r>
+            <a:r>
+              <a:rPr lang="ru-RU" sz="1800" dirty="0">
+                <a:latin typeface="Times New Roman" panose="02020603050405020304" pitchFamily="18" charset="0"/>
+                <a:cs typeface="Times New Roman" panose="02020603050405020304" pitchFamily="18" charset="0"/>
+              </a:rPr>
+              <a:t> на </a:t>
+            </a:r>
+            <a:r>
+              <a:rPr lang="ru-RU" sz="1800" dirty="0" err="1">
+                <a:latin typeface="Times New Roman" panose="02020603050405020304" pitchFamily="18" charset="0"/>
+                <a:cs typeface="Times New Roman" panose="02020603050405020304" pitchFamily="18" charset="0"/>
+              </a:rPr>
+              <a:t>ній</a:t>
+            </a:r>
+            <a:r>
+              <a:rPr lang="ru-RU" sz="1800" dirty="0">
+                <a:latin typeface="Times New Roman" panose="02020603050405020304" pitchFamily="18" charset="0"/>
+                <a:cs typeface="Times New Roman" panose="02020603050405020304" pitchFamily="18" charset="0"/>
+              </a:rPr>
+              <a:t> </a:t>
+            </a:r>
+            <a:r>
+              <a:rPr lang="ru-RU" sz="1800" dirty="0" err="1">
+                <a:latin typeface="Times New Roman" panose="02020603050405020304" pitchFamily="18" charset="0"/>
+                <a:cs typeface="Times New Roman" panose="02020603050405020304" pitchFamily="18" charset="0"/>
+              </a:rPr>
+              <a:t>операційну</a:t>
+            </a:r>
+            <a:r>
+              <a:rPr lang="ru-RU" sz="1800" dirty="0">
+                <a:latin typeface="Times New Roman" panose="02020603050405020304" pitchFamily="18" charset="0"/>
+                <a:cs typeface="Times New Roman" panose="02020603050405020304" pitchFamily="18" charset="0"/>
+              </a:rPr>
+              <a:t> систему </a:t>
+            </a:r>
+            <a:r>
+              <a:rPr lang="en-US" sz="1800" dirty="0">
+                <a:latin typeface="Times New Roman" panose="02020603050405020304" pitchFamily="18" charset="0"/>
+                <a:cs typeface="Times New Roman" panose="02020603050405020304" pitchFamily="18" charset="0"/>
+              </a:rPr>
+              <a:t>GNU/Linux. </a:t>
+            </a:r>
+            <a:r>
+              <a:rPr lang="ru-RU" sz="1800" dirty="0">
+                <a:latin typeface="Times New Roman" panose="02020603050405020304" pitchFamily="18" charset="0"/>
+                <a:cs typeface="Times New Roman" panose="02020603050405020304" pitchFamily="18" charset="0"/>
+              </a:rPr>
+              <a:t>Для </a:t>
+            </a:r>
+            <a:r>
+              <a:rPr lang="ru-RU" sz="1800" dirty="0" err="1">
+                <a:latin typeface="Times New Roman" panose="02020603050405020304" pitchFamily="18" charset="0"/>
+                <a:cs typeface="Times New Roman" panose="02020603050405020304" pitchFamily="18" charset="0"/>
+              </a:rPr>
+              <a:t>мінімальної</a:t>
+            </a:r>
+            <a:r>
+              <a:rPr lang="ru-RU" sz="1800" dirty="0">
+                <a:latin typeface="Times New Roman" panose="02020603050405020304" pitchFamily="18" charset="0"/>
+                <a:cs typeface="Times New Roman" panose="02020603050405020304" pitchFamily="18" charset="0"/>
+              </a:rPr>
+              <a:t> </a:t>
+            </a:r>
+            <a:r>
+              <a:rPr lang="ru-RU" sz="1800" dirty="0" err="1">
+                <a:latin typeface="Times New Roman" panose="02020603050405020304" pitchFamily="18" charset="0"/>
+                <a:cs typeface="Times New Roman" panose="02020603050405020304" pitchFamily="18" charset="0"/>
+              </a:rPr>
+              <a:t>конфігурації</a:t>
+            </a:r>
+            <a:r>
+              <a:rPr lang="ru-RU" sz="1800" dirty="0">
+                <a:latin typeface="Times New Roman" panose="02020603050405020304" pitchFamily="18" charset="0"/>
+                <a:cs typeface="Times New Roman" panose="02020603050405020304" pitchFamily="18" charset="0"/>
+              </a:rPr>
+              <a:t> вам </a:t>
+            </a:r>
+            <a:r>
+              <a:rPr lang="ru-RU" sz="1800" dirty="0" err="1">
+                <a:latin typeface="Times New Roman" panose="02020603050405020304" pitchFamily="18" charset="0"/>
+                <a:cs typeface="Times New Roman" panose="02020603050405020304" pitchFamily="18" charset="0"/>
+              </a:rPr>
+              <a:t>знадобиться</a:t>
+            </a:r>
+            <a:r>
+              <a:rPr lang="ru-RU" sz="1800" dirty="0">
+                <a:latin typeface="Times New Roman" panose="02020603050405020304" pitchFamily="18" charset="0"/>
+                <a:cs typeface="Times New Roman" panose="02020603050405020304" pitchFamily="18" charset="0"/>
+              </a:rPr>
+              <a:t> </a:t>
+            </a:r>
+            <a:r>
+              <a:rPr lang="ru-RU" sz="1800" dirty="0" err="1">
+                <a:latin typeface="Times New Roman" panose="02020603050405020304" pitchFamily="18" charset="0"/>
+                <a:cs typeface="Times New Roman" panose="02020603050405020304" pitchFamily="18" charset="0"/>
+              </a:rPr>
+              <a:t>встановити</a:t>
+            </a:r>
+            <a:r>
+              <a:rPr lang="ru-RU" sz="1800" dirty="0">
+                <a:latin typeface="Times New Roman" panose="02020603050405020304" pitchFamily="18" charset="0"/>
+                <a:cs typeface="Times New Roman" panose="02020603050405020304" pitchFamily="18" charset="0"/>
+              </a:rPr>
+              <a:t> </a:t>
+            </a:r>
+            <a:r>
+              <a:rPr lang="ru-RU" sz="1800" dirty="0" err="1">
+                <a:latin typeface="Times New Roman" panose="02020603050405020304" pitchFamily="18" charset="0"/>
+                <a:cs typeface="Times New Roman" panose="02020603050405020304" pitchFamily="18" charset="0"/>
+              </a:rPr>
+              <a:t>базові</a:t>
+            </a:r>
+            <a:r>
+              <a:rPr lang="ru-RU" sz="1800" dirty="0">
+                <a:latin typeface="Times New Roman" panose="02020603050405020304" pitchFamily="18" charset="0"/>
+                <a:cs typeface="Times New Roman" panose="02020603050405020304" pitchFamily="18" charset="0"/>
+              </a:rPr>
+              <a:t> </a:t>
+            </a:r>
+            <a:r>
+              <a:rPr lang="ru-RU" sz="1800" dirty="0" err="1">
+                <a:latin typeface="Times New Roman" panose="02020603050405020304" pitchFamily="18" charset="0"/>
+                <a:cs typeface="Times New Roman" panose="02020603050405020304" pitchFamily="18" charset="0"/>
+              </a:rPr>
+              <a:t>пакети</a:t>
+            </a:r>
+            <a:r>
+              <a:rPr lang="ru-RU" sz="1800" dirty="0">
+                <a:latin typeface="Times New Roman" panose="02020603050405020304" pitchFamily="18" charset="0"/>
+                <a:cs typeface="Times New Roman" panose="02020603050405020304" pitchFamily="18" charset="0"/>
+              </a:rPr>
+              <a:t>, </a:t>
+            </a:r>
+            <a:r>
+              <a:rPr lang="ru-RU" sz="1800" dirty="0" err="1">
+                <a:latin typeface="Times New Roman" panose="02020603050405020304" pitchFamily="18" charset="0"/>
+                <a:cs typeface="Times New Roman" panose="02020603050405020304" pitchFamily="18" charset="0"/>
+              </a:rPr>
+              <a:t>такі</a:t>
+            </a:r>
+            <a:r>
+              <a:rPr lang="ru-RU" sz="1800" dirty="0">
+                <a:latin typeface="Times New Roman" panose="02020603050405020304" pitchFamily="18" charset="0"/>
+                <a:cs typeface="Times New Roman" panose="02020603050405020304" pitchFamily="18" charset="0"/>
+              </a:rPr>
+              <a:t> як ядро </a:t>
+            </a:r>
+            <a:r>
+              <a:rPr lang="ru-RU" sz="1800" dirty="0" err="1">
+                <a:latin typeface="Times New Roman" panose="02020603050405020304" pitchFamily="18" charset="0"/>
+                <a:cs typeface="Times New Roman" panose="02020603050405020304" pitchFamily="18" charset="0"/>
+              </a:rPr>
+              <a:t>системи</a:t>
+            </a:r>
+            <a:r>
+              <a:rPr lang="ru-RU" sz="1800" dirty="0">
+                <a:latin typeface="Times New Roman" panose="02020603050405020304" pitchFamily="18" charset="0"/>
+                <a:cs typeface="Times New Roman" panose="02020603050405020304" pitchFamily="18" charset="0"/>
+              </a:rPr>
+              <a:t>, </a:t>
+            </a:r>
+            <a:r>
+              <a:rPr lang="ru-RU" sz="1800" dirty="0" err="1">
+                <a:latin typeface="Times New Roman" panose="02020603050405020304" pitchFamily="18" charset="0"/>
+                <a:cs typeface="Times New Roman" panose="02020603050405020304" pitchFamily="18" charset="0"/>
+              </a:rPr>
+              <a:t>утиліти</a:t>
+            </a:r>
+            <a:r>
+              <a:rPr lang="ru-RU" sz="1800" dirty="0">
+                <a:latin typeface="Times New Roman" panose="02020603050405020304" pitchFamily="18" charset="0"/>
+                <a:cs typeface="Times New Roman" panose="02020603050405020304" pitchFamily="18" charset="0"/>
+              </a:rPr>
+              <a:t> командного рядка та менеджер </a:t>
+            </a:r>
+            <a:r>
+              <a:rPr lang="ru-RU" sz="1800" dirty="0" err="1" smtClean="0">
+                <a:latin typeface="Times New Roman" panose="02020603050405020304" pitchFamily="18" charset="0"/>
+                <a:cs typeface="Times New Roman" panose="02020603050405020304" pitchFamily="18" charset="0"/>
+              </a:rPr>
+              <a:t>пакетів</a:t>
+            </a:r>
+            <a:r>
+              <a:rPr lang="ru-RU" sz="1800" dirty="0" smtClean="0">
+                <a:latin typeface="Times New Roman" panose="02020603050405020304" pitchFamily="18" charset="0"/>
+                <a:cs typeface="Times New Roman" panose="02020603050405020304" pitchFamily="18" charset="0"/>
+              </a:rPr>
+              <a:t>.</a:t>
+            </a:r>
+            <a:r>
+              <a:rPr lang="uk-UA" sz="1800" dirty="0">
+                <a:latin typeface="Times New Roman" panose="02020603050405020304" pitchFamily="18" charset="0"/>
+                <a:cs typeface="Times New Roman" panose="02020603050405020304" pitchFamily="18" charset="0"/>
+              </a:rPr>
+              <a:t> </a:t>
+            </a:r>
+            <a:r>
+              <a:rPr lang="uk-UA" sz="1800" dirty="0" smtClean="0">
+                <a:latin typeface="Times New Roman" panose="02020603050405020304" pitchFamily="18" charset="0"/>
+                <a:cs typeface="Times New Roman" panose="02020603050405020304" pitchFamily="18" charset="0"/>
+              </a:rPr>
+              <a:t>Також потрібно завантажити </a:t>
+            </a:r>
+            <a:r>
+              <a:rPr lang="ru-RU" sz="1800" dirty="0" smtClean="0">
+                <a:latin typeface="Times New Roman" panose="02020603050405020304" pitchFamily="18" charset="0"/>
+                <a:cs typeface="Times New Roman" panose="02020603050405020304" pitchFamily="18" charset="0"/>
+              </a:rPr>
+              <a:t>образ </a:t>
+            </a:r>
+            <a:r>
+              <a:rPr lang="en-US" sz="1800" dirty="0">
+                <a:latin typeface="Times New Roman" panose="02020603050405020304" pitchFamily="18" charset="0"/>
+                <a:cs typeface="Times New Roman" panose="02020603050405020304" pitchFamily="18" charset="0"/>
+              </a:rPr>
+              <a:t>ISO </a:t>
+            </a:r>
+            <a:r>
+              <a:rPr lang="ru-RU" sz="1800" dirty="0" smtClean="0">
+                <a:latin typeface="Times New Roman" panose="02020603050405020304" pitchFamily="18" charset="0"/>
+                <a:cs typeface="Times New Roman" panose="02020603050405020304" pitchFamily="18" charset="0"/>
+              </a:rPr>
+              <a:t>дистрибутиву. </a:t>
+            </a:r>
+            <a:r>
+              <a:rPr lang="ru-RU" sz="1800" dirty="0">
+                <a:latin typeface="Times New Roman" panose="02020603050405020304" pitchFamily="18" charset="0"/>
+                <a:cs typeface="Times New Roman" panose="02020603050405020304" pitchFamily="18" charset="0"/>
+              </a:rPr>
+              <a:t>У </a:t>
+            </a:r>
+            <a:r>
+              <a:rPr lang="ru-RU" sz="1800" dirty="0" err="1">
+                <a:latin typeface="Times New Roman" panose="02020603050405020304" pitchFamily="18" charset="0"/>
+                <a:cs typeface="Times New Roman" panose="02020603050405020304" pitchFamily="18" charset="0"/>
+              </a:rPr>
+              <a:t>налаштуваннях</a:t>
+            </a:r>
+            <a:r>
+              <a:rPr lang="ru-RU" sz="1800" dirty="0">
+                <a:latin typeface="Times New Roman" panose="02020603050405020304" pitchFamily="18" charset="0"/>
+                <a:cs typeface="Times New Roman" panose="02020603050405020304" pitchFamily="18" charset="0"/>
+              </a:rPr>
+              <a:t> </a:t>
+            </a:r>
+            <a:r>
+              <a:rPr lang="ru-RU" sz="1800" dirty="0" err="1">
+                <a:latin typeface="Times New Roman" panose="02020603050405020304" pitchFamily="18" charset="0"/>
+                <a:cs typeface="Times New Roman" panose="02020603050405020304" pitchFamily="18" charset="0"/>
+              </a:rPr>
+              <a:t>віртуальної</a:t>
+            </a:r>
+            <a:r>
+              <a:rPr lang="ru-RU" sz="1800" dirty="0">
+                <a:latin typeface="Times New Roman" panose="02020603050405020304" pitchFamily="18" charset="0"/>
+                <a:cs typeface="Times New Roman" panose="02020603050405020304" pitchFamily="18" charset="0"/>
+              </a:rPr>
+              <a:t> </a:t>
+            </a:r>
+            <a:r>
+              <a:rPr lang="ru-RU" sz="1800" dirty="0" err="1">
+                <a:latin typeface="Times New Roman" panose="02020603050405020304" pitchFamily="18" charset="0"/>
+                <a:cs typeface="Times New Roman" panose="02020603050405020304" pitchFamily="18" charset="0"/>
+              </a:rPr>
+              <a:t>машини</a:t>
+            </a:r>
+            <a:r>
+              <a:rPr lang="ru-RU" sz="1800" dirty="0">
+                <a:latin typeface="Times New Roman" panose="02020603050405020304" pitchFamily="18" charset="0"/>
+                <a:cs typeface="Times New Roman" panose="02020603050405020304" pitchFamily="18" charset="0"/>
+              </a:rPr>
+              <a:t> </a:t>
+            </a:r>
+            <a:r>
+              <a:rPr lang="ru-RU" sz="1800" dirty="0" err="1">
+                <a:latin typeface="Times New Roman" panose="02020603050405020304" pitchFamily="18" charset="0"/>
+                <a:cs typeface="Times New Roman" panose="02020603050405020304" pitchFamily="18" charset="0"/>
+              </a:rPr>
+              <a:t>перейдіть</a:t>
+            </a:r>
+            <a:r>
+              <a:rPr lang="ru-RU" sz="1800" dirty="0">
+                <a:latin typeface="Times New Roman" panose="02020603050405020304" pitchFamily="18" charset="0"/>
+                <a:cs typeface="Times New Roman" panose="02020603050405020304" pitchFamily="18" charset="0"/>
+              </a:rPr>
+              <a:t> на вкладку </a:t>
+            </a:r>
+            <a:r>
+              <a:rPr lang="en-US" sz="1800" dirty="0">
+                <a:latin typeface="Times New Roman" panose="02020603050405020304" pitchFamily="18" charset="0"/>
+                <a:cs typeface="Times New Roman" panose="02020603050405020304" pitchFamily="18" charset="0"/>
+              </a:rPr>
+              <a:t>Storage (</a:t>
+            </a:r>
+            <a:r>
+              <a:rPr lang="ru-RU" sz="1800" dirty="0" err="1">
+                <a:latin typeface="Times New Roman" panose="02020603050405020304" pitchFamily="18" charset="0"/>
+                <a:cs typeface="Times New Roman" panose="02020603050405020304" pitchFamily="18" charset="0"/>
+              </a:rPr>
+              <a:t>Носії</a:t>
+            </a:r>
+            <a:r>
+              <a:rPr lang="ru-RU" sz="1800" dirty="0">
+                <a:latin typeface="Times New Roman" panose="02020603050405020304" pitchFamily="18" charset="0"/>
+                <a:cs typeface="Times New Roman" panose="02020603050405020304" pitchFamily="18" charset="0"/>
+              </a:rPr>
+              <a:t>) та </a:t>
+            </a:r>
+            <a:r>
+              <a:rPr lang="ru-RU" sz="1800" dirty="0" err="1">
+                <a:latin typeface="Times New Roman" panose="02020603050405020304" pitchFamily="18" charset="0"/>
+                <a:cs typeface="Times New Roman" panose="02020603050405020304" pitchFamily="18" charset="0"/>
+              </a:rPr>
+              <a:t>підключіть</a:t>
+            </a:r>
+            <a:r>
+              <a:rPr lang="ru-RU" sz="1800" dirty="0">
+                <a:latin typeface="Times New Roman" panose="02020603050405020304" pitchFamily="18" charset="0"/>
+                <a:cs typeface="Times New Roman" panose="02020603050405020304" pitchFamily="18" charset="0"/>
+              </a:rPr>
+              <a:t> </a:t>
+            </a:r>
+            <a:r>
+              <a:rPr lang="ru-RU" sz="1800" dirty="0" err="1">
+                <a:latin typeface="Times New Roman" panose="02020603050405020304" pitchFamily="18" charset="0"/>
+                <a:cs typeface="Times New Roman" panose="02020603050405020304" pitchFamily="18" charset="0"/>
+              </a:rPr>
+              <a:t>завантажений</a:t>
+            </a:r>
+            <a:r>
+              <a:rPr lang="ru-RU" sz="1800" dirty="0">
+                <a:latin typeface="Times New Roman" panose="02020603050405020304" pitchFamily="18" charset="0"/>
+                <a:cs typeface="Times New Roman" panose="02020603050405020304" pitchFamily="18" charset="0"/>
+              </a:rPr>
+              <a:t> </a:t>
+            </a:r>
+            <a:r>
+              <a:rPr lang="en-US" sz="1800" dirty="0">
+                <a:latin typeface="Times New Roman" panose="02020603050405020304" pitchFamily="18" charset="0"/>
+                <a:cs typeface="Times New Roman" panose="02020603050405020304" pitchFamily="18" charset="0"/>
+              </a:rPr>
+              <a:t>ISO-</a:t>
+            </a:r>
+            <a:r>
+              <a:rPr lang="ru-RU" sz="1800" dirty="0">
+                <a:latin typeface="Times New Roman" panose="02020603050405020304" pitchFamily="18" charset="0"/>
+                <a:cs typeface="Times New Roman" panose="02020603050405020304" pitchFamily="18" charset="0"/>
+              </a:rPr>
+              <a:t>файл як </a:t>
+            </a:r>
+            <a:r>
+              <a:rPr lang="ru-RU" sz="1800" dirty="0" err="1">
+                <a:latin typeface="Times New Roman" panose="02020603050405020304" pitchFamily="18" charset="0"/>
+                <a:cs typeface="Times New Roman" panose="02020603050405020304" pitchFamily="18" charset="0"/>
+              </a:rPr>
+              <a:t>оптичний</a:t>
+            </a:r>
+            <a:r>
+              <a:rPr lang="ru-RU" sz="1800" dirty="0">
+                <a:latin typeface="Times New Roman" panose="02020603050405020304" pitchFamily="18" charset="0"/>
+                <a:cs typeface="Times New Roman" panose="02020603050405020304" pitchFamily="18" charset="0"/>
+              </a:rPr>
+              <a:t> диск.</a:t>
+            </a:r>
+          </a:p>
+          <a:p>
+            <a:endParaRPr lang="ru-RU" dirty="0"/>
+          </a:p>
+        </p:txBody>
+      </p:sp>
+      <p:pic>
+        <p:nvPicPr>
+          <p:cNvPr id="1026" name="Picture 2" descr="ОПЕРАЦІЙНА СИСТЕМА LINUX"/>
+          <p:cNvPicPr>
+            <a:picLocks noChangeAspect="1" noChangeArrowheads="1"/>
+          </p:cNvPicPr>
+          <p:nvPr/>
+        </p:nvPicPr>
+        <p:blipFill>
+          <a:blip r:embed="rId2">
+            <a:extLst>
+              <a:ext uri="{28A0092B-C50C-407E-A947-70E740481C1C}">
+                <a14:useLocalDpi xmlns:a14="http://schemas.microsoft.com/office/drawing/2010/main" val="0"/>
+              </a:ext>
+            </a:extLst>
+          </a:blip>
+          <a:srcRect/>
+          <a:stretch>
+            <a:fillRect/>
+          </a:stretch>
+        </p:blipFill>
+        <p:spPr bwMode="auto">
+          <a:xfrm>
+            <a:off x="6980665" y="2740192"/>
+            <a:ext cx="4023886" cy="2677714"/>
+          </a:xfrm>
+          <a:prstGeom prst="rect">
+            <a:avLst/>
+          </a:prstGeom>
+          <a:noFill/>
+          <a:extLst>
+            <a:ext uri="{909E8E84-426E-40DD-AFC4-6F175D3DCCD1}">
+              <a14:hiddenFill xmlns:a14="http://schemas.microsoft.com/office/drawing/2010/main">
+                <a:solidFill>
+                  <a:srgbClr val="FFFFFF"/>
+                </a:solidFill>
+              </a14:hiddenFill>
+            </a:ext>
+          </a:extLst>
+        </p:spPr>
+      </p:pic>
+    </p:spTree>
+    <p:extLst>
+      <p:ext uri="{BB962C8B-B14F-4D97-AF65-F5344CB8AC3E}">
+        <p14:creationId xmlns:p14="http://schemas.microsoft.com/office/powerpoint/2010/main" val="4217131234"/>
       </p:ext>
     </p:extLst>
   </p:cSld>
